--- a/pptx/chap01.pptx
+++ b/pptx/chap01.pptx
@@ -2,26 +2,25 @@
 <file path=ppt/presentation.xml><?xml version="1.0" encoding="utf-8"?>
 <p:presentation xmlns:a="http://schemas.openxmlformats.org/drawingml/2006/main" xmlns:r="http://schemas.openxmlformats.org/officeDocument/2006/relationships" xmlns:p="http://schemas.openxmlformats.org/presentationml/2006/main" saveSubsetFonts="1">
   <p:sldMasterIdLst>
-    <p:sldMasterId id="2147483648" r:id="rId1"/>
+    <p:sldMasterId id="2147483660" r:id="rId1"/>
   </p:sldMasterIdLst>
   <p:sldIdLst>
-    <p:sldId id="256" r:id="rId2"/>
-    <p:sldId id="257" r:id="rId3"/>
-    <p:sldId id="258" r:id="rId4"/>
-    <p:sldId id="259" r:id="rId5"/>
-    <p:sldId id="260" r:id="rId6"/>
-    <p:sldId id="261" r:id="rId7"/>
-    <p:sldId id="262" r:id="rId8"/>
-    <p:sldId id="263" r:id="rId9"/>
+    <p:sldId id="287" r:id="rId2"/>
+    <p:sldId id="258" r:id="rId3"/>
+    <p:sldId id="259" r:id="rId4"/>
+    <p:sldId id="260" r:id="rId5"/>
+    <p:sldId id="261" r:id="rId6"/>
+    <p:sldId id="262" r:id="rId7"/>
+    <p:sldId id="263" r:id="rId8"/>
   </p:sldIdLst>
-  <p:sldSz cx="9144000" cy="6858000" type="screen4x3"/>
+  <p:sldSz cx="12192000" cy="6858000"/>
   <p:notesSz cx="6858000" cy="9144000"/>
   <p:defaultTextStyle>
     <a:defPPr>
-      <a:defRPr lang="ja-JP"/>
+      <a:defRPr lang="en-US"/>
     </a:defPPr>
-    <a:lvl1pPr marL="0" algn="l" defTabSz="914400" rtl="0" eaLnBrk="1" latinLnBrk="0" hangingPunct="1">
-      <a:defRPr kumimoji="1" sz="1800" kern="1200">
+    <a:lvl1pPr marL="0" algn="l" defTabSz="457200" rtl="0" eaLnBrk="1" latinLnBrk="0" hangingPunct="1">
+      <a:defRPr sz="1800" kern="1200">
         <a:solidFill>
           <a:schemeClr val="tx1"/>
         </a:solidFill>
@@ -30,8 +29,8 @@
         <a:cs typeface="+mn-cs"/>
       </a:defRPr>
     </a:lvl1pPr>
-    <a:lvl2pPr marL="457200" algn="l" defTabSz="914400" rtl="0" eaLnBrk="1" latinLnBrk="0" hangingPunct="1">
-      <a:defRPr kumimoji="1" sz="1800" kern="1200">
+    <a:lvl2pPr marL="457200" algn="l" defTabSz="457200" rtl="0" eaLnBrk="1" latinLnBrk="0" hangingPunct="1">
+      <a:defRPr sz="1800" kern="1200">
         <a:solidFill>
           <a:schemeClr val="tx1"/>
         </a:solidFill>
@@ -40,8 +39,8 @@
         <a:cs typeface="+mn-cs"/>
       </a:defRPr>
     </a:lvl2pPr>
-    <a:lvl3pPr marL="914400" algn="l" defTabSz="914400" rtl="0" eaLnBrk="1" latinLnBrk="0" hangingPunct="1">
-      <a:defRPr kumimoji="1" sz="1800" kern="1200">
+    <a:lvl3pPr marL="914400" algn="l" defTabSz="457200" rtl="0" eaLnBrk="1" latinLnBrk="0" hangingPunct="1">
+      <a:defRPr sz="1800" kern="1200">
         <a:solidFill>
           <a:schemeClr val="tx1"/>
         </a:solidFill>
@@ -50,8 +49,8 @@
         <a:cs typeface="+mn-cs"/>
       </a:defRPr>
     </a:lvl3pPr>
-    <a:lvl4pPr marL="1371600" algn="l" defTabSz="914400" rtl="0" eaLnBrk="1" latinLnBrk="0" hangingPunct="1">
-      <a:defRPr kumimoji="1" sz="1800" kern="1200">
+    <a:lvl4pPr marL="1371600" algn="l" defTabSz="457200" rtl="0" eaLnBrk="1" latinLnBrk="0" hangingPunct="1">
+      <a:defRPr sz="1800" kern="1200">
         <a:solidFill>
           <a:schemeClr val="tx1"/>
         </a:solidFill>
@@ -60,8 +59,8 @@
         <a:cs typeface="+mn-cs"/>
       </a:defRPr>
     </a:lvl4pPr>
-    <a:lvl5pPr marL="1828800" algn="l" defTabSz="914400" rtl="0" eaLnBrk="1" latinLnBrk="0" hangingPunct="1">
-      <a:defRPr kumimoji="1" sz="1800" kern="1200">
+    <a:lvl5pPr marL="1828800" algn="l" defTabSz="457200" rtl="0" eaLnBrk="1" latinLnBrk="0" hangingPunct="1">
+      <a:defRPr sz="1800" kern="1200">
         <a:solidFill>
           <a:schemeClr val="tx1"/>
         </a:solidFill>
@@ -70,8 +69,8 @@
         <a:cs typeface="+mn-cs"/>
       </a:defRPr>
     </a:lvl5pPr>
-    <a:lvl6pPr marL="2286000" algn="l" defTabSz="914400" rtl="0" eaLnBrk="1" latinLnBrk="0" hangingPunct="1">
-      <a:defRPr kumimoji="1" sz="1800" kern="1200">
+    <a:lvl6pPr marL="2286000" algn="l" defTabSz="457200" rtl="0" eaLnBrk="1" latinLnBrk="0" hangingPunct="1">
+      <a:defRPr sz="1800" kern="1200">
         <a:solidFill>
           <a:schemeClr val="tx1"/>
         </a:solidFill>
@@ -80,8 +79,8 @@
         <a:cs typeface="+mn-cs"/>
       </a:defRPr>
     </a:lvl6pPr>
-    <a:lvl7pPr marL="2743200" algn="l" defTabSz="914400" rtl="0" eaLnBrk="1" latinLnBrk="0" hangingPunct="1">
-      <a:defRPr kumimoji="1" sz="1800" kern="1200">
+    <a:lvl7pPr marL="2743200" algn="l" defTabSz="457200" rtl="0" eaLnBrk="1" latinLnBrk="0" hangingPunct="1">
+      <a:defRPr sz="1800" kern="1200">
         <a:solidFill>
           <a:schemeClr val="tx1"/>
         </a:solidFill>
@@ -90,8 +89,8 @@
         <a:cs typeface="+mn-cs"/>
       </a:defRPr>
     </a:lvl7pPr>
-    <a:lvl8pPr marL="3200400" algn="l" defTabSz="914400" rtl="0" eaLnBrk="1" latinLnBrk="0" hangingPunct="1">
-      <a:defRPr kumimoji="1" sz="1800" kern="1200">
+    <a:lvl8pPr marL="3200400" algn="l" defTabSz="457200" rtl="0" eaLnBrk="1" latinLnBrk="0" hangingPunct="1">
+      <a:defRPr sz="1800" kern="1200">
         <a:solidFill>
           <a:schemeClr val="tx1"/>
         </a:solidFill>
@@ -100,8 +99,8 @@
         <a:cs typeface="+mn-cs"/>
       </a:defRPr>
     </a:lvl8pPr>
-    <a:lvl9pPr marL="3657600" algn="l" defTabSz="914400" rtl="0" eaLnBrk="1" latinLnBrk="0" hangingPunct="1">
-      <a:defRPr kumimoji="1" sz="1800" kern="1200">
+    <a:lvl9pPr marL="3657600" algn="l" defTabSz="457200" rtl="0" eaLnBrk="1" latinLnBrk="0" hangingPunct="1">
+      <a:defRPr sz="1800" kern="1200">
         <a:solidFill>
           <a:schemeClr val="tx1"/>
         </a:solidFill>
@@ -117,10 +116,6 @@
     </p:ext>
   </p:extLst>
 </p:presentation>
-</file>
-
-<file path=ppt/revisionInfo.xml><?xml version="1.0" encoding="utf-8"?>
-<p1510:revInfo xmlns:a="http://schemas.openxmlformats.org/drawingml/2006/main" xmlns:r="http://schemas.openxmlformats.org/officeDocument/2006/relationships" xmlns:p1510="http://schemas.microsoft.com/office/powerpoint/2015/10/main"/>
 </file>
 
 <file path=ppt/slideLayouts/slideLayout1.xml><?xml version="1.0" encoding="utf-8"?>
@@ -142,13 +137,7 @@
       </p:grpSpPr>
       <p:sp>
         <p:nvSpPr>
-          <p:cNvPr id="2" name="タイトル 1">
-            <a:extLst>
-              <a:ext uri="{FF2B5EF4-FFF2-40B4-BE49-F238E27FC236}">
-                <a16:creationId xmlns:a16="http://schemas.microsoft.com/office/drawing/2014/main" id="{490F5702-5D73-444E-8951-B738CBD0E5BE}"/>
-              </a:ext>
-            </a:extLst>
-          </p:cNvPr>
+          <p:cNvPr id="2" name="Title 1"/>
           <p:cNvSpPr>
             <a:spLocks noGrp="1"/>
           </p:cNvSpPr>
@@ -158,8 +147,8 @@
         </p:nvSpPr>
         <p:spPr>
           <a:xfrm>
-            <a:off x="1143000" y="1122363"/>
-            <a:ext cx="6858000" cy="2387600"/>
+            <a:off x="1524000" y="1122363"/>
+            <a:ext cx="9144000" cy="2387600"/>
           </a:xfrm>
         </p:spPr>
         <p:txBody>
@@ -171,21 +160,16 @@
           </a:lstStyle>
           <a:p>
             <a:r>
-              <a:rPr kumimoji="1" lang="ja-JP" altLang="en-US"/>
+              <a:rPr lang="ja-JP" altLang="en-US"/>
               <a:t>マスター タイトルの書式設定</a:t>
             </a:r>
-          </a:p>
-        </p:txBody>
-      </p:sp>
-      <p:sp>
-        <p:nvSpPr>
-          <p:cNvPr id="3" name="サブタイトル 2">
-            <a:extLst>
-              <a:ext uri="{FF2B5EF4-FFF2-40B4-BE49-F238E27FC236}">
-                <a16:creationId xmlns:a16="http://schemas.microsoft.com/office/drawing/2014/main" id="{92151FC2-914A-40A1-AFA3-889561BB0D24}"/>
-              </a:ext>
-            </a:extLst>
-          </p:cNvPr>
+            <a:endParaRPr lang="en-US" dirty="0"/>
+          </a:p>
+        </p:txBody>
+      </p:sp>
+      <p:sp>
+        <p:nvSpPr>
+          <p:cNvPr id="3" name="Subtitle 2"/>
           <p:cNvSpPr>
             <a:spLocks noGrp="1"/>
           </p:cNvSpPr>
@@ -195,8 +179,8 @@
         </p:nvSpPr>
         <p:spPr>
           <a:xfrm>
-            <a:off x="1143000" y="3602038"/>
-            <a:ext cx="6858000" cy="1655762"/>
+            <a:off x="1524000" y="3602038"/>
+            <a:ext cx="9144000" cy="1655762"/>
           </a:xfrm>
         </p:spPr>
         <p:txBody>
@@ -241,21 +225,16 @@
           </a:lstStyle>
           <a:p>
             <a:r>
-              <a:rPr kumimoji="1" lang="ja-JP" altLang="en-US"/>
+              <a:rPr lang="ja-JP" altLang="en-US"/>
               <a:t>マスター サブタイトルの書式設定</a:t>
             </a:r>
-          </a:p>
-        </p:txBody>
-      </p:sp>
-      <p:sp>
-        <p:nvSpPr>
-          <p:cNvPr id="4" name="日付プレースホルダー 3">
-            <a:extLst>
-              <a:ext uri="{FF2B5EF4-FFF2-40B4-BE49-F238E27FC236}">
-                <a16:creationId xmlns:a16="http://schemas.microsoft.com/office/drawing/2014/main" id="{A5871356-BBC6-4101-A899-68ED57221D85}"/>
-              </a:ext>
-            </a:extLst>
-          </p:cNvPr>
+            <a:endParaRPr lang="en-US" dirty="0"/>
+          </a:p>
+        </p:txBody>
+      </p:sp>
+      <p:sp>
+        <p:nvSpPr>
+          <p:cNvPr id="4" name="Date Placeholder 3"/>
           <p:cNvSpPr>
             <a:spLocks noGrp="1"/>
           </p:cNvSpPr>
@@ -270,7 +249,7 @@
           <a:p>
             <a:fld id="{BCC3470B-979D-4AC3-9CEF-E2615858CE2E}" type="datetimeFigureOut">
               <a:rPr kumimoji="1" lang="ja-JP" altLang="en-US" smtClean="0"/>
-              <a:t>2017/9/9</a:t>
+              <a:t>2023/8/25</a:t>
             </a:fld>
             <a:endParaRPr kumimoji="1" lang="ja-JP" altLang="en-US"/>
           </a:p>
@@ -278,13 +257,7 @@
       </p:sp>
       <p:sp>
         <p:nvSpPr>
-          <p:cNvPr id="5" name="フッター プレースホルダー 4">
-            <a:extLst>
-              <a:ext uri="{FF2B5EF4-FFF2-40B4-BE49-F238E27FC236}">
-                <a16:creationId xmlns:a16="http://schemas.microsoft.com/office/drawing/2014/main" id="{1A645758-572A-4888-B100-B96321DE5302}"/>
-              </a:ext>
-            </a:extLst>
-          </p:cNvPr>
+          <p:cNvPr id="5" name="Footer Placeholder 4"/>
           <p:cNvSpPr>
             <a:spLocks noGrp="1"/>
           </p:cNvSpPr>
@@ -303,13 +276,7 @@
       </p:sp>
       <p:sp>
         <p:nvSpPr>
-          <p:cNvPr id="6" name="スライド番号プレースホルダー 5">
-            <a:extLst>
-              <a:ext uri="{FF2B5EF4-FFF2-40B4-BE49-F238E27FC236}">
-                <a16:creationId xmlns:a16="http://schemas.microsoft.com/office/drawing/2014/main" id="{EDAF273E-F96B-4748-B86E-108E6C4C6FD0}"/>
-              </a:ext>
-            </a:extLst>
-          </p:cNvPr>
+          <p:cNvPr id="6" name="Slide Number Placeholder 5"/>
           <p:cNvSpPr>
             <a:spLocks noGrp="1"/>
           </p:cNvSpPr>
@@ -333,7 +300,7 @@
     </p:spTree>
     <p:extLst>
       <p:ext uri="{BB962C8B-B14F-4D97-AF65-F5344CB8AC3E}">
-        <p14:creationId xmlns:p14="http://schemas.microsoft.com/office/powerpoint/2010/main" val="816187851"/>
+        <p14:creationId xmlns:p14="http://schemas.microsoft.com/office/powerpoint/2010/main" val="4184022875"/>
       </p:ext>
     </p:extLst>
   </p:cSld>
@@ -362,13 +329,7 @@
       </p:grpSpPr>
       <p:sp>
         <p:nvSpPr>
-          <p:cNvPr id="2" name="タイトル 1">
-            <a:extLst>
-              <a:ext uri="{FF2B5EF4-FFF2-40B4-BE49-F238E27FC236}">
-                <a16:creationId xmlns:a16="http://schemas.microsoft.com/office/drawing/2014/main" id="{19326C56-05B2-4045-A427-F214C2579896}"/>
-              </a:ext>
-            </a:extLst>
-          </p:cNvPr>
+          <p:cNvPr id="2" name="Title 1"/>
           <p:cNvSpPr>
             <a:spLocks noGrp="1"/>
           </p:cNvSpPr>
@@ -382,21 +343,16 @@
           <a:lstStyle/>
           <a:p>
             <a:r>
-              <a:rPr kumimoji="1" lang="ja-JP" altLang="en-US"/>
+              <a:rPr lang="ja-JP" altLang="en-US"/>
               <a:t>マスター タイトルの書式設定</a:t>
             </a:r>
-          </a:p>
-        </p:txBody>
-      </p:sp>
-      <p:sp>
-        <p:nvSpPr>
-          <p:cNvPr id="3" name="縦書きテキスト プレースホルダー 2">
-            <a:extLst>
-              <a:ext uri="{FF2B5EF4-FFF2-40B4-BE49-F238E27FC236}">
-                <a16:creationId xmlns:a16="http://schemas.microsoft.com/office/drawing/2014/main" id="{CF53802B-347E-4462-8C96-469EB0800092}"/>
-              </a:ext>
-            </a:extLst>
-          </p:cNvPr>
+            <a:endParaRPr lang="en-US" dirty="0"/>
+          </a:p>
+        </p:txBody>
+      </p:sp>
+      <p:sp>
+        <p:nvSpPr>
+          <p:cNvPr id="3" name="Vertical Text Placeholder 2"/>
           <p:cNvSpPr>
             <a:spLocks noGrp="1"/>
           </p:cNvSpPr>
@@ -411,81 +367,76 @@
           <a:p>
             <a:pPr lvl="0"/>
             <a:r>
-              <a:rPr kumimoji="1" lang="ja-JP" altLang="en-US"/>
+              <a:rPr lang="ja-JP" altLang="en-US"/>
               <a:t>マスター テキストの書式設定</a:t>
             </a:r>
           </a:p>
           <a:p>
             <a:pPr lvl="1"/>
             <a:r>
-              <a:rPr kumimoji="1" lang="ja-JP" altLang="en-US"/>
+              <a:rPr lang="ja-JP" altLang="en-US"/>
               <a:t>第 </a:t>
             </a:r>
             <a:r>
-              <a:rPr kumimoji="1" lang="en-US" altLang="ja-JP"/>
+              <a:rPr lang="en-US" altLang="ja-JP"/>
               <a:t>2 </a:t>
             </a:r>
             <a:r>
-              <a:rPr kumimoji="1" lang="ja-JP" altLang="en-US"/>
+              <a:rPr lang="ja-JP" altLang="en-US"/>
               <a:t>レベル</a:t>
             </a:r>
           </a:p>
           <a:p>
             <a:pPr lvl="2"/>
             <a:r>
-              <a:rPr kumimoji="1" lang="ja-JP" altLang="en-US"/>
+              <a:rPr lang="ja-JP" altLang="en-US"/>
               <a:t>第 </a:t>
             </a:r>
             <a:r>
-              <a:rPr kumimoji="1" lang="en-US" altLang="ja-JP"/>
+              <a:rPr lang="en-US" altLang="ja-JP"/>
               <a:t>3 </a:t>
             </a:r>
             <a:r>
-              <a:rPr kumimoji="1" lang="ja-JP" altLang="en-US"/>
+              <a:rPr lang="ja-JP" altLang="en-US"/>
               <a:t>レベル</a:t>
             </a:r>
           </a:p>
           <a:p>
             <a:pPr lvl="3"/>
             <a:r>
-              <a:rPr kumimoji="1" lang="ja-JP" altLang="en-US"/>
+              <a:rPr lang="ja-JP" altLang="en-US"/>
               <a:t>第 </a:t>
             </a:r>
             <a:r>
-              <a:rPr kumimoji="1" lang="en-US" altLang="ja-JP"/>
+              <a:rPr lang="en-US" altLang="ja-JP"/>
               <a:t>4 </a:t>
             </a:r>
             <a:r>
-              <a:rPr kumimoji="1" lang="ja-JP" altLang="en-US"/>
+              <a:rPr lang="ja-JP" altLang="en-US"/>
               <a:t>レベル</a:t>
             </a:r>
           </a:p>
           <a:p>
             <a:pPr lvl="4"/>
             <a:r>
-              <a:rPr kumimoji="1" lang="ja-JP" altLang="en-US"/>
+              <a:rPr lang="ja-JP" altLang="en-US"/>
               <a:t>第 </a:t>
             </a:r>
             <a:r>
-              <a:rPr kumimoji="1" lang="en-US" altLang="ja-JP"/>
+              <a:rPr lang="en-US" altLang="ja-JP"/>
               <a:t>5 </a:t>
             </a:r>
             <a:r>
-              <a:rPr kumimoji="1" lang="ja-JP" altLang="en-US"/>
+              <a:rPr lang="ja-JP" altLang="en-US"/>
               <a:t>レベル</a:t>
             </a:r>
-          </a:p>
-        </p:txBody>
-      </p:sp>
-      <p:sp>
-        <p:nvSpPr>
-          <p:cNvPr id="4" name="日付プレースホルダー 3">
-            <a:extLst>
-              <a:ext uri="{FF2B5EF4-FFF2-40B4-BE49-F238E27FC236}">
-                <a16:creationId xmlns:a16="http://schemas.microsoft.com/office/drawing/2014/main" id="{8784DDE4-33A8-4813-93FC-E4AD3B1CE7AD}"/>
-              </a:ext>
-            </a:extLst>
-          </p:cNvPr>
+            <a:endParaRPr lang="en-US" dirty="0"/>
+          </a:p>
+        </p:txBody>
+      </p:sp>
+      <p:sp>
+        <p:nvSpPr>
+          <p:cNvPr id="4" name="Date Placeholder 3"/>
           <p:cNvSpPr>
             <a:spLocks noGrp="1"/>
           </p:cNvSpPr>
@@ -500,7 +451,7 @@
           <a:p>
             <a:fld id="{BCC3470B-979D-4AC3-9CEF-E2615858CE2E}" type="datetimeFigureOut">
               <a:rPr kumimoji="1" lang="ja-JP" altLang="en-US" smtClean="0"/>
-              <a:t>2017/9/9</a:t>
+              <a:t>2023/8/25</a:t>
             </a:fld>
             <a:endParaRPr kumimoji="1" lang="ja-JP" altLang="en-US"/>
           </a:p>
@@ -508,13 +459,7 @@
       </p:sp>
       <p:sp>
         <p:nvSpPr>
-          <p:cNvPr id="5" name="フッター プレースホルダー 4">
-            <a:extLst>
-              <a:ext uri="{FF2B5EF4-FFF2-40B4-BE49-F238E27FC236}">
-                <a16:creationId xmlns:a16="http://schemas.microsoft.com/office/drawing/2014/main" id="{E3502423-BA24-4C5A-B6C2-E8442A0053D1}"/>
-              </a:ext>
-            </a:extLst>
-          </p:cNvPr>
+          <p:cNvPr id="5" name="Footer Placeholder 4"/>
           <p:cNvSpPr>
             <a:spLocks noGrp="1"/>
           </p:cNvSpPr>
@@ -533,13 +478,7 @@
       </p:sp>
       <p:sp>
         <p:nvSpPr>
-          <p:cNvPr id="6" name="スライド番号プレースホルダー 5">
-            <a:extLst>
-              <a:ext uri="{FF2B5EF4-FFF2-40B4-BE49-F238E27FC236}">
-                <a16:creationId xmlns:a16="http://schemas.microsoft.com/office/drawing/2014/main" id="{F2781BD3-6ED3-44FD-8E72-04E946C69C01}"/>
-              </a:ext>
-            </a:extLst>
-          </p:cNvPr>
+          <p:cNvPr id="6" name="Slide Number Placeholder 5"/>
           <p:cNvSpPr>
             <a:spLocks noGrp="1"/>
           </p:cNvSpPr>
@@ -563,7 +502,7 @@
     </p:spTree>
     <p:extLst>
       <p:ext uri="{BB962C8B-B14F-4D97-AF65-F5344CB8AC3E}">
-        <p14:creationId xmlns:p14="http://schemas.microsoft.com/office/powerpoint/2010/main" val="397647011"/>
+        <p14:creationId xmlns:p14="http://schemas.microsoft.com/office/powerpoint/2010/main" val="2743917677"/>
       </p:ext>
     </p:extLst>
   </p:cSld>
@@ -592,13 +531,7 @@
       </p:grpSpPr>
       <p:sp>
         <p:nvSpPr>
-          <p:cNvPr id="2" name="縦書きタイトル 1">
-            <a:extLst>
-              <a:ext uri="{FF2B5EF4-FFF2-40B4-BE49-F238E27FC236}">
-                <a16:creationId xmlns:a16="http://schemas.microsoft.com/office/drawing/2014/main" id="{017A9D40-9D15-450D-82F8-D655384016D5}"/>
-              </a:ext>
-            </a:extLst>
-          </p:cNvPr>
+          <p:cNvPr id="2" name="Vertical Title 1"/>
           <p:cNvSpPr>
             <a:spLocks noGrp="1"/>
           </p:cNvSpPr>
@@ -608,8 +541,8 @@
         </p:nvSpPr>
         <p:spPr>
           <a:xfrm>
-            <a:off x="6543675" y="365125"/>
-            <a:ext cx="1971675" cy="5811838"/>
+            <a:off x="8724900" y="365125"/>
+            <a:ext cx="2628900" cy="5811838"/>
           </a:xfrm>
         </p:spPr>
         <p:txBody>
@@ -617,21 +550,16 @@
           <a:lstStyle/>
           <a:p>
             <a:r>
-              <a:rPr kumimoji="1" lang="ja-JP" altLang="en-US"/>
+              <a:rPr lang="ja-JP" altLang="en-US"/>
               <a:t>マスター タイトルの書式設定</a:t>
             </a:r>
-          </a:p>
-        </p:txBody>
-      </p:sp>
-      <p:sp>
-        <p:nvSpPr>
-          <p:cNvPr id="3" name="縦書きテキスト プレースホルダー 2">
-            <a:extLst>
-              <a:ext uri="{FF2B5EF4-FFF2-40B4-BE49-F238E27FC236}">
-                <a16:creationId xmlns:a16="http://schemas.microsoft.com/office/drawing/2014/main" id="{5DAC8398-BD6E-46E7-9AD6-7AFEC6690000}"/>
-              </a:ext>
-            </a:extLst>
-          </p:cNvPr>
+            <a:endParaRPr lang="en-US" dirty="0"/>
+          </a:p>
+        </p:txBody>
+      </p:sp>
+      <p:sp>
+        <p:nvSpPr>
+          <p:cNvPr id="3" name="Vertical Text Placeholder 2"/>
           <p:cNvSpPr>
             <a:spLocks noGrp="1"/>
           </p:cNvSpPr>
@@ -641,8 +569,8 @@
         </p:nvSpPr>
         <p:spPr>
           <a:xfrm>
-            <a:off x="628650" y="365125"/>
-            <a:ext cx="5800725" cy="5811838"/>
+            <a:off x="838200" y="365125"/>
+            <a:ext cx="7734300" cy="5811838"/>
           </a:xfrm>
         </p:spPr>
         <p:txBody>
@@ -651,81 +579,76 @@
           <a:p>
             <a:pPr lvl="0"/>
             <a:r>
-              <a:rPr kumimoji="1" lang="ja-JP" altLang="en-US"/>
+              <a:rPr lang="ja-JP" altLang="en-US"/>
               <a:t>マスター テキストの書式設定</a:t>
             </a:r>
           </a:p>
           <a:p>
             <a:pPr lvl="1"/>
             <a:r>
-              <a:rPr kumimoji="1" lang="ja-JP" altLang="en-US"/>
+              <a:rPr lang="ja-JP" altLang="en-US"/>
               <a:t>第 </a:t>
             </a:r>
             <a:r>
-              <a:rPr kumimoji="1" lang="en-US" altLang="ja-JP"/>
+              <a:rPr lang="en-US" altLang="ja-JP"/>
               <a:t>2 </a:t>
             </a:r>
             <a:r>
-              <a:rPr kumimoji="1" lang="ja-JP" altLang="en-US"/>
+              <a:rPr lang="ja-JP" altLang="en-US"/>
               <a:t>レベル</a:t>
             </a:r>
           </a:p>
           <a:p>
             <a:pPr lvl="2"/>
             <a:r>
-              <a:rPr kumimoji="1" lang="ja-JP" altLang="en-US"/>
+              <a:rPr lang="ja-JP" altLang="en-US"/>
               <a:t>第 </a:t>
             </a:r>
             <a:r>
-              <a:rPr kumimoji="1" lang="en-US" altLang="ja-JP"/>
+              <a:rPr lang="en-US" altLang="ja-JP"/>
               <a:t>3 </a:t>
             </a:r>
             <a:r>
-              <a:rPr kumimoji="1" lang="ja-JP" altLang="en-US"/>
+              <a:rPr lang="ja-JP" altLang="en-US"/>
               <a:t>レベル</a:t>
             </a:r>
           </a:p>
           <a:p>
             <a:pPr lvl="3"/>
             <a:r>
-              <a:rPr kumimoji="1" lang="ja-JP" altLang="en-US"/>
+              <a:rPr lang="ja-JP" altLang="en-US"/>
               <a:t>第 </a:t>
             </a:r>
             <a:r>
-              <a:rPr kumimoji="1" lang="en-US" altLang="ja-JP"/>
+              <a:rPr lang="en-US" altLang="ja-JP"/>
               <a:t>4 </a:t>
             </a:r>
             <a:r>
-              <a:rPr kumimoji="1" lang="ja-JP" altLang="en-US"/>
+              <a:rPr lang="ja-JP" altLang="en-US"/>
               <a:t>レベル</a:t>
             </a:r>
           </a:p>
           <a:p>
             <a:pPr lvl="4"/>
             <a:r>
-              <a:rPr kumimoji="1" lang="ja-JP" altLang="en-US"/>
+              <a:rPr lang="ja-JP" altLang="en-US"/>
               <a:t>第 </a:t>
             </a:r>
             <a:r>
-              <a:rPr kumimoji="1" lang="en-US" altLang="ja-JP"/>
+              <a:rPr lang="en-US" altLang="ja-JP"/>
               <a:t>5 </a:t>
             </a:r>
             <a:r>
-              <a:rPr kumimoji="1" lang="ja-JP" altLang="en-US"/>
+              <a:rPr lang="ja-JP" altLang="en-US"/>
               <a:t>レベル</a:t>
             </a:r>
-          </a:p>
-        </p:txBody>
-      </p:sp>
-      <p:sp>
-        <p:nvSpPr>
-          <p:cNvPr id="4" name="日付プレースホルダー 3">
-            <a:extLst>
-              <a:ext uri="{FF2B5EF4-FFF2-40B4-BE49-F238E27FC236}">
-                <a16:creationId xmlns:a16="http://schemas.microsoft.com/office/drawing/2014/main" id="{6FDBFB86-749B-427D-A94D-7E724F8A4B87}"/>
-              </a:ext>
-            </a:extLst>
-          </p:cNvPr>
+            <a:endParaRPr lang="en-US" dirty="0"/>
+          </a:p>
+        </p:txBody>
+      </p:sp>
+      <p:sp>
+        <p:nvSpPr>
+          <p:cNvPr id="4" name="Date Placeholder 3"/>
           <p:cNvSpPr>
             <a:spLocks noGrp="1"/>
           </p:cNvSpPr>
@@ -740,7 +663,7 @@
           <a:p>
             <a:fld id="{BCC3470B-979D-4AC3-9CEF-E2615858CE2E}" type="datetimeFigureOut">
               <a:rPr kumimoji="1" lang="ja-JP" altLang="en-US" smtClean="0"/>
-              <a:t>2017/9/9</a:t>
+              <a:t>2023/8/25</a:t>
             </a:fld>
             <a:endParaRPr kumimoji="1" lang="ja-JP" altLang="en-US"/>
           </a:p>
@@ -748,13 +671,7 @@
       </p:sp>
       <p:sp>
         <p:nvSpPr>
-          <p:cNvPr id="5" name="フッター プレースホルダー 4">
-            <a:extLst>
-              <a:ext uri="{FF2B5EF4-FFF2-40B4-BE49-F238E27FC236}">
-                <a16:creationId xmlns:a16="http://schemas.microsoft.com/office/drawing/2014/main" id="{46D97FC8-D55E-481F-831E-8B0923FAC4A8}"/>
-              </a:ext>
-            </a:extLst>
-          </p:cNvPr>
+          <p:cNvPr id="5" name="Footer Placeholder 4"/>
           <p:cNvSpPr>
             <a:spLocks noGrp="1"/>
           </p:cNvSpPr>
@@ -773,13 +690,7 @@
       </p:sp>
       <p:sp>
         <p:nvSpPr>
-          <p:cNvPr id="6" name="スライド番号プレースホルダー 5">
-            <a:extLst>
-              <a:ext uri="{FF2B5EF4-FFF2-40B4-BE49-F238E27FC236}">
-                <a16:creationId xmlns:a16="http://schemas.microsoft.com/office/drawing/2014/main" id="{00D79B48-AC5C-4428-AC16-9C5205B7981C}"/>
-              </a:ext>
-            </a:extLst>
-          </p:cNvPr>
+          <p:cNvPr id="6" name="Slide Number Placeholder 5"/>
           <p:cNvSpPr>
             <a:spLocks noGrp="1"/>
           </p:cNvSpPr>
@@ -803,7 +714,7 @@
     </p:spTree>
     <p:extLst>
       <p:ext uri="{BB962C8B-B14F-4D97-AF65-F5344CB8AC3E}">
-        <p14:creationId xmlns:p14="http://schemas.microsoft.com/office/powerpoint/2010/main" val="1659054291"/>
+        <p14:creationId xmlns:p14="http://schemas.microsoft.com/office/powerpoint/2010/main" val="3599063455"/>
       </p:ext>
     </p:extLst>
   </p:cSld>
@@ -832,13 +743,7 @@
       </p:grpSpPr>
       <p:sp>
         <p:nvSpPr>
-          <p:cNvPr id="2" name="タイトル 1">
-            <a:extLst>
-              <a:ext uri="{FF2B5EF4-FFF2-40B4-BE49-F238E27FC236}">
-                <a16:creationId xmlns:a16="http://schemas.microsoft.com/office/drawing/2014/main" id="{758DFCA2-5DB0-4083-8B4C-8DE6F01C0D39}"/>
-              </a:ext>
-            </a:extLst>
-          </p:cNvPr>
+          <p:cNvPr id="2" name="Title 1"/>
           <p:cNvSpPr>
             <a:spLocks noGrp="1"/>
           </p:cNvSpPr>
@@ -852,21 +757,16 @@
           <a:lstStyle/>
           <a:p>
             <a:r>
-              <a:rPr kumimoji="1" lang="ja-JP" altLang="en-US"/>
+              <a:rPr lang="ja-JP" altLang="en-US"/>
               <a:t>マスター タイトルの書式設定</a:t>
             </a:r>
-          </a:p>
-        </p:txBody>
-      </p:sp>
-      <p:sp>
-        <p:nvSpPr>
-          <p:cNvPr id="3" name="コンテンツ プレースホルダー 2">
-            <a:extLst>
-              <a:ext uri="{FF2B5EF4-FFF2-40B4-BE49-F238E27FC236}">
-                <a16:creationId xmlns:a16="http://schemas.microsoft.com/office/drawing/2014/main" id="{FFBDDB16-CBD2-4229-9A15-50C8AE44729F}"/>
-              </a:ext>
-            </a:extLst>
-          </p:cNvPr>
+            <a:endParaRPr lang="en-US" dirty="0"/>
+          </a:p>
+        </p:txBody>
+      </p:sp>
+      <p:sp>
+        <p:nvSpPr>
+          <p:cNvPr id="3" name="Content Placeholder 2"/>
           <p:cNvSpPr>
             <a:spLocks noGrp="1"/>
           </p:cNvSpPr>
@@ -881,81 +781,76 @@
           <a:p>
             <a:pPr lvl="0"/>
             <a:r>
-              <a:rPr kumimoji="1" lang="ja-JP" altLang="en-US"/>
+              <a:rPr lang="ja-JP" altLang="en-US"/>
               <a:t>マスター テキストの書式設定</a:t>
             </a:r>
           </a:p>
           <a:p>
             <a:pPr lvl="1"/>
             <a:r>
-              <a:rPr kumimoji="1" lang="ja-JP" altLang="en-US"/>
+              <a:rPr lang="ja-JP" altLang="en-US"/>
               <a:t>第 </a:t>
             </a:r>
             <a:r>
-              <a:rPr kumimoji="1" lang="en-US" altLang="ja-JP"/>
+              <a:rPr lang="en-US" altLang="ja-JP"/>
               <a:t>2 </a:t>
             </a:r>
             <a:r>
-              <a:rPr kumimoji="1" lang="ja-JP" altLang="en-US"/>
+              <a:rPr lang="ja-JP" altLang="en-US"/>
               <a:t>レベル</a:t>
             </a:r>
           </a:p>
           <a:p>
             <a:pPr lvl="2"/>
             <a:r>
-              <a:rPr kumimoji="1" lang="ja-JP" altLang="en-US"/>
+              <a:rPr lang="ja-JP" altLang="en-US"/>
               <a:t>第 </a:t>
             </a:r>
             <a:r>
-              <a:rPr kumimoji="1" lang="en-US" altLang="ja-JP"/>
+              <a:rPr lang="en-US" altLang="ja-JP"/>
               <a:t>3 </a:t>
             </a:r>
             <a:r>
-              <a:rPr kumimoji="1" lang="ja-JP" altLang="en-US"/>
+              <a:rPr lang="ja-JP" altLang="en-US"/>
               <a:t>レベル</a:t>
             </a:r>
           </a:p>
           <a:p>
             <a:pPr lvl="3"/>
             <a:r>
-              <a:rPr kumimoji="1" lang="ja-JP" altLang="en-US"/>
+              <a:rPr lang="ja-JP" altLang="en-US"/>
               <a:t>第 </a:t>
             </a:r>
             <a:r>
-              <a:rPr kumimoji="1" lang="en-US" altLang="ja-JP"/>
+              <a:rPr lang="en-US" altLang="ja-JP"/>
               <a:t>4 </a:t>
             </a:r>
             <a:r>
-              <a:rPr kumimoji="1" lang="ja-JP" altLang="en-US"/>
+              <a:rPr lang="ja-JP" altLang="en-US"/>
               <a:t>レベル</a:t>
             </a:r>
           </a:p>
           <a:p>
             <a:pPr lvl="4"/>
             <a:r>
-              <a:rPr kumimoji="1" lang="ja-JP" altLang="en-US"/>
+              <a:rPr lang="ja-JP" altLang="en-US"/>
               <a:t>第 </a:t>
             </a:r>
             <a:r>
-              <a:rPr kumimoji="1" lang="en-US" altLang="ja-JP"/>
+              <a:rPr lang="en-US" altLang="ja-JP"/>
               <a:t>5 </a:t>
             </a:r>
             <a:r>
-              <a:rPr kumimoji="1" lang="ja-JP" altLang="en-US"/>
+              <a:rPr lang="ja-JP" altLang="en-US"/>
               <a:t>レベル</a:t>
             </a:r>
-          </a:p>
-        </p:txBody>
-      </p:sp>
-      <p:sp>
-        <p:nvSpPr>
-          <p:cNvPr id="4" name="日付プレースホルダー 3">
-            <a:extLst>
-              <a:ext uri="{FF2B5EF4-FFF2-40B4-BE49-F238E27FC236}">
-                <a16:creationId xmlns:a16="http://schemas.microsoft.com/office/drawing/2014/main" id="{66DBD40E-5A76-4B4A-929F-470B9C12BFEE}"/>
-              </a:ext>
-            </a:extLst>
-          </p:cNvPr>
+            <a:endParaRPr lang="en-US" dirty="0"/>
+          </a:p>
+        </p:txBody>
+      </p:sp>
+      <p:sp>
+        <p:nvSpPr>
+          <p:cNvPr id="4" name="Date Placeholder 3"/>
           <p:cNvSpPr>
             <a:spLocks noGrp="1"/>
           </p:cNvSpPr>
@@ -970,7 +865,7 @@
           <a:p>
             <a:fld id="{BCC3470B-979D-4AC3-9CEF-E2615858CE2E}" type="datetimeFigureOut">
               <a:rPr kumimoji="1" lang="ja-JP" altLang="en-US" smtClean="0"/>
-              <a:t>2017/9/9</a:t>
+              <a:t>2023/8/25</a:t>
             </a:fld>
             <a:endParaRPr kumimoji="1" lang="ja-JP" altLang="en-US"/>
           </a:p>
@@ -978,13 +873,7 @@
       </p:sp>
       <p:sp>
         <p:nvSpPr>
-          <p:cNvPr id="5" name="フッター プレースホルダー 4">
-            <a:extLst>
-              <a:ext uri="{FF2B5EF4-FFF2-40B4-BE49-F238E27FC236}">
-                <a16:creationId xmlns:a16="http://schemas.microsoft.com/office/drawing/2014/main" id="{C4CE8CE3-F56A-499A-9503-84B870215EF8}"/>
-              </a:ext>
-            </a:extLst>
-          </p:cNvPr>
+          <p:cNvPr id="5" name="Footer Placeholder 4"/>
           <p:cNvSpPr>
             <a:spLocks noGrp="1"/>
           </p:cNvSpPr>
@@ -1003,13 +892,7 @@
       </p:sp>
       <p:sp>
         <p:nvSpPr>
-          <p:cNvPr id="6" name="スライド番号プレースホルダー 5">
-            <a:extLst>
-              <a:ext uri="{FF2B5EF4-FFF2-40B4-BE49-F238E27FC236}">
-                <a16:creationId xmlns:a16="http://schemas.microsoft.com/office/drawing/2014/main" id="{D922B388-1193-4540-9148-7A8F8D10B037}"/>
-              </a:ext>
-            </a:extLst>
-          </p:cNvPr>
+          <p:cNvPr id="6" name="Slide Number Placeholder 5"/>
           <p:cNvSpPr>
             <a:spLocks noGrp="1"/>
           </p:cNvSpPr>
@@ -1033,7 +916,7 @@
     </p:spTree>
     <p:extLst>
       <p:ext uri="{BB962C8B-B14F-4D97-AF65-F5344CB8AC3E}">
-        <p14:creationId xmlns:p14="http://schemas.microsoft.com/office/powerpoint/2010/main" val="3885293980"/>
+        <p14:creationId xmlns:p14="http://schemas.microsoft.com/office/powerpoint/2010/main" val="922795021"/>
       </p:ext>
     </p:extLst>
   </p:cSld>
@@ -1062,13 +945,7 @@
       </p:grpSpPr>
       <p:sp>
         <p:nvSpPr>
-          <p:cNvPr id="2" name="タイトル 1">
-            <a:extLst>
-              <a:ext uri="{FF2B5EF4-FFF2-40B4-BE49-F238E27FC236}">
-                <a16:creationId xmlns:a16="http://schemas.microsoft.com/office/drawing/2014/main" id="{08E6B0ED-6C85-42C7-A913-4B82433E7B70}"/>
-              </a:ext>
-            </a:extLst>
-          </p:cNvPr>
+          <p:cNvPr id="2" name="Title 1"/>
           <p:cNvSpPr>
             <a:spLocks noGrp="1"/>
           </p:cNvSpPr>
@@ -1078,8 +955,8 @@
         </p:nvSpPr>
         <p:spPr>
           <a:xfrm>
-            <a:off x="623888" y="1709739"/>
-            <a:ext cx="7886700" cy="2852737"/>
+            <a:off x="831850" y="1709738"/>
+            <a:ext cx="10515600" cy="2852737"/>
           </a:xfrm>
         </p:spPr>
         <p:txBody>
@@ -1091,21 +968,16 @@
           </a:lstStyle>
           <a:p>
             <a:r>
-              <a:rPr kumimoji="1" lang="ja-JP" altLang="en-US"/>
+              <a:rPr lang="ja-JP" altLang="en-US"/>
               <a:t>マスター タイトルの書式設定</a:t>
             </a:r>
-          </a:p>
-        </p:txBody>
-      </p:sp>
-      <p:sp>
-        <p:nvSpPr>
-          <p:cNvPr id="3" name="テキスト プレースホルダー 2">
-            <a:extLst>
-              <a:ext uri="{FF2B5EF4-FFF2-40B4-BE49-F238E27FC236}">
-                <a16:creationId xmlns:a16="http://schemas.microsoft.com/office/drawing/2014/main" id="{246121B5-1DE4-4D5A-91F2-C7E49C42F30B}"/>
-              </a:ext>
-            </a:extLst>
-          </p:cNvPr>
+            <a:endParaRPr lang="en-US" dirty="0"/>
+          </a:p>
+        </p:txBody>
+      </p:sp>
+      <p:sp>
+        <p:nvSpPr>
+          <p:cNvPr id="3" name="Text Placeholder 2"/>
           <p:cNvSpPr>
             <a:spLocks noGrp="1"/>
           </p:cNvSpPr>
@@ -1115,8 +987,8 @@
         </p:nvSpPr>
         <p:spPr>
           <a:xfrm>
-            <a:off x="623888" y="4589464"/>
-            <a:ext cx="7886700" cy="1500187"/>
+            <a:off x="831850" y="4589463"/>
+            <a:ext cx="10515600" cy="1500187"/>
           </a:xfrm>
         </p:spPr>
         <p:txBody>
@@ -1216,7 +1088,7 @@
           <a:p>
             <a:pPr lvl="0"/>
             <a:r>
-              <a:rPr kumimoji="1" lang="ja-JP" altLang="en-US"/>
+              <a:rPr lang="ja-JP" altLang="en-US"/>
               <a:t>マスター テキストの書式設定</a:t>
             </a:r>
           </a:p>
@@ -1224,13 +1096,7 @@
       </p:sp>
       <p:sp>
         <p:nvSpPr>
-          <p:cNvPr id="4" name="日付プレースホルダー 3">
-            <a:extLst>
-              <a:ext uri="{FF2B5EF4-FFF2-40B4-BE49-F238E27FC236}">
-                <a16:creationId xmlns:a16="http://schemas.microsoft.com/office/drawing/2014/main" id="{554E865C-62F8-48F9-B5FF-DA5BC3EF1A2F}"/>
-              </a:ext>
-            </a:extLst>
-          </p:cNvPr>
+          <p:cNvPr id="4" name="Date Placeholder 3"/>
           <p:cNvSpPr>
             <a:spLocks noGrp="1"/>
           </p:cNvSpPr>
@@ -1245,7 +1111,7 @@
           <a:p>
             <a:fld id="{BCC3470B-979D-4AC3-9CEF-E2615858CE2E}" type="datetimeFigureOut">
               <a:rPr kumimoji="1" lang="ja-JP" altLang="en-US" smtClean="0"/>
-              <a:t>2017/9/9</a:t>
+              <a:t>2023/8/25</a:t>
             </a:fld>
             <a:endParaRPr kumimoji="1" lang="ja-JP" altLang="en-US"/>
           </a:p>
@@ -1253,13 +1119,7 @@
       </p:sp>
       <p:sp>
         <p:nvSpPr>
-          <p:cNvPr id="5" name="フッター プレースホルダー 4">
-            <a:extLst>
-              <a:ext uri="{FF2B5EF4-FFF2-40B4-BE49-F238E27FC236}">
-                <a16:creationId xmlns:a16="http://schemas.microsoft.com/office/drawing/2014/main" id="{01BA77F4-B8A8-433C-946F-4ABCE1772AC8}"/>
-              </a:ext>
-            </a:extLst>
-          </p:cNvPr>
+          <p:cNvPr id="5" name="Footer Placeholder 4"/>
           <p:cNvSpPr>
             <a:spLocks noGrp="1"/>
           </p:cNvSpPr>
@@ -1278,13 +1138,7 @@
       </p:sp>
       <p:sp>
         <p:nvSpPr>
-          <p:cNvPr id="6" name="スライド番号プレースホルダー 5">
-            <a:extLst>
-              <a:ext uri="{FF2B5EF4-FFF2-40B4-BE49-F238E27FC236}">
-                <a16:creationId xmlns:a16="http://schemas.microsoft.com/office/drawing/2014/main" id="{9E6B1CEE-CC91-4610-81F7-D40D5BF90C69}"/>
-              </a:ext>
-            </a:extLst>
-          </p:cNvPr>
+          <p:cNvPr id="6" name="Slide Number Placeholder 5"/>
           <p:cNvSpPr>
             <a:spLocks noGrp="1"/>
           </p:cNvSpPr>
@@ -1308,7 +1162,7 @@
     </p:spTree>
     <p:extLst>
       <p:ext uri="{BB962C8B-B14F-4D97-AF65-F5344CB8AC3E}">
-        <p14:creationId xmlns:p14="http://schemas.microsoft.com/office/powerpoint/2010/main" val="3050166243"/>
+        <p14:creationId xmlns:p14="http://schemas.microsoft.com/office/powerpoint/2010/main" val="3209431399"/>
       </p:ext>
     </p:extLst>
   </p:cSld>
@@ -1337,13 +1191,7 @@
       </p:grpSpPr>
       <p:sp>
         <p:nvSpPr>
-          <p:cNvPr id="2" name="タイトル 1">
-            <a:extLst>
-              <a:ext uri="{FF2B5EF4-FFF2-40B4-BE49-F238E27FC236}">
-                <a16:creationId xmlns:a16="http://schemas.microsoft.com/office/drawing/2014/main" id="{6DF9C5A6-3160-47E1-9F76-C0517AE74B65}"/>
-              </a:ext>
-            </a:extLst>
-          </p:cNvPr>
+          <p:cNvPr id="2" name="Title 1"/>
           <p:cNvSpPr>
             <a:spLocks noGrp="1"/>
           </p:cNvSpPr>
@@ -1357,21 +1205,16 @@
           <a:lstStyle/>
           <a:p>
             <a:r>
-              <a:rPr kumimoji="1" lang="ja-JP" altLang="en-US"/>
+              <a:rPr lang="ja-JP" altLang="en-US"/>
               <a:t>マスター タイトルの書式設定</a:t>
             </a:r>
-          </a:p>
-        </p:txBody>
-      </p:sp>
-      <p:sp>
-        <p:nvSpPr>
-          <p:cNvPr id="3" name="コンテンツ プレースホルダー 2">
-            <a:extLst>
-              <a:ext uri="{FF2B5EF4-FFF2-40B4-BE49-F238E27FC236}">
-                <a16:creationId xmlns:a16="http://schemas.microsoft.com/office/drawing/2014/main" id="{E1CFB188-D041-4220-AC8D-BC555D2B95A5}"/>
-              </a:ext>
-            </a:extLst>
-          </p:cNvPr>
+            <a:endParaRPr lang="en-US" dirty="0"/>
+          </a:p>
+        </p:txBody>
+      </p:sp>
+      <p:sp>
+        <p:nvSpPr>
+          <p:cNvPr id="3" name="Content Placeholder 2"/>
           <p:cNvSpPr>
             <a:spLocks noGrp="1"/>
           </p:cNvSpPr>
@@ -1381,8 +1224,8 @@
         </p:nvSpPr>
         <p:spPr>
           <a:xfrm>
-            <a:off x="628650" y="1825625"/>
-            <a:ext cx="3886200" cy="4351338"/>
+            <a:off x="838200" y="1825625"/>
+            <a:ext cx="5181600" cy="4351338"/>
           </a:xfrm>
         </p:spPr>
         <p:txBody>
@@ -1391,81 +1234,76 @@
           <a:p>
             <a:pPr lvl="0"/>
             <a:r>
-              <a:rPr kumimoji="1" lang="ja-JP" altLang="en-US"/>
+              <a:rPr lang="ja-JP" altLang="en-US"/>
               <a:t>マスター テキストの書式設定</a:t>
             </a:r>
           </a:p>
           <a:p>
             <a:pPr lvl="1"/>
             <a:r>
-              <a:rPr kumimoji="1" lang="ja-JP" altLang="en-US"/>
+              <a:rPr lang="ja-JP" altLang="en-US"/>
               <a:t>第 </a:t>
             </a:r>
             <a:r>
-              <a:rPr kumimoji="1" lang="en-US" altLang="ja-JP"/>
+              <a:rPr lang="en-US" altLang="ja-JP"/>
               <a:t>2 </a:t>
             </a:r>
             <a:r>
-              <a:rPr kumimoji="1" lang="ja-JP" altLang="en-US"/>
+              <a:rPr lang="ja-JP" altLang="en-US"/>
               <a:t>レベル</a:t>
             </a:r>
           </a:p>
           <a:p>
             <a:pPr lvl="2"/>
             <a:r>
-              <a:rPr kumimoji="1" lang="ja-JP" altLang="en-US"/>
+              <a:rPr lang="ja-JP" altLang="en-US"/>
               <a:t>第 </a:t>
             </a:r>
             <a:r>
-              <a:rPr kumimoji="1" lang="en-US" altLang="ja-JP"/>
+              <a:rPr lang="en-US" altLang="ja-JP"/>
               <a:t>3 </a:t>
             </a:r>
             <a:r>
-              <a:rPr kumimoji="1" lang="ja-JP" altLang="en-US"/>
+              <a:rPr lang="ja-JP" altLang="en-US"/>
               <a:t>レベル</a:t>
             </a:r>
           </a:p>
           <a:p>
             <a:pPr lvl="3"/>
             <a:r>
-              <a:rPr kumimoji="1" lang="ja-JP" altLang="en-US"/>
+              <a:rPr lang="ja-JP" altLang="en-US"/>
               <a:t>第 </a:t>
             </a:r>
             <a:r>
-              <a:rPr kumimoji="1" lang="en-US" altLang="ja-JP"/>
+              <a:rPr lang="en-US" altLang="ja-JP"/>
               <a:t>4 </a:t>
             </a:r>
             <a:r>
-              <a:rPr kumimoji="1" lang="ja-JP" altLang="en-US"/>
+              <a:rPr lang="ja-JP" altLang="en-US"/>
               <a:t>レベル</a:t>
             </a:r>
           </a:p>
           <a:p>
             <a:pPr lvl="4"/>
             <a:r>
-              <a:rPr kumimoji="1" lang="ja-JP" altLang="en-US"/>
+              <a:rPr lang="ja-JP" altLang="en-US"/>
               <a:t>第 </a:t>
             </a:r>
             <a:r>
-              <a:rPr kumimoji="1" lang="en-US" altLang="ja-JP"/>
+              <a:rPr lang="en-US" altLang="ja-JP"/>
               <a:t>5 </a:t>
             </a:r>
             <a:r>
-              <a:rPr kumimoji="1" lang="ja-JP" altLang="en-US"/>
+              <a:rPr lang="ja-JP" altLang="en-US"/>
               <a:t>レベル</a:t>
             </a:r>
-          </a:p>
-        </p:txBody>
-      </p:sp>
-      <p:sp>
-        <p:nvSpPr>
-          <p:cNvPr id="4" name="コンテンツ プレースホルダー 3">
-            <a:extLst>
-              <a:ext uri="{FF2B5EF4-FFF2-40B4-BE49-F238E27FC236}">
-                <a16:creationId xmlns:a16="http://schemas.microsoft.com/office/drawing/2014/main" id="{BB0DA848-D05A-4CC8-88F9-8978C8AEF3F2}"/>
-              </a:ext>
-            </a:extLst>
-          </p:cNvPr>
+            <a:endParaRPr lang="en-US" dirty="0"/>
+          </a:p>
+        </p:txBody>
+      </p:sp>
+      <p:sp>
+        <p:nvSpPr>
+          <p:cNvPr id="4" name="Content Placeholder 3"/>
           <p:cNvSpPr>
             <a:spLocks noGrp="1"/>
           </p:cNvSpPr>
@@ -1475,8 +1313,8 @@
         </p:nvSpPr>
         <p:spPr>
           <a:xfrm>
-            <a:off x="4629150" y="1825625"/>
-            <a:ext cx="3886200" cy="4351338"/>
+            <a:off x="6172200" y="1825625"/>
+            <a:ext cx="5181600" cy="4351338"/>
           </a:xfrm>
         </p:spPr>
         <p:txBody>
@@ -1485,81 +1323,76 @@
           <a:p>
             <a:pPr lvl="0"/>
             <a:r>
-              <a:rPr kumimoji="1" lang="ja-JP" altLang="en-US"/>
+              <a:rPr lang="ja-JP" altLang="en-US"/>
               <a:t>マスター テキストの書式設定</a:t>
             </a:r>
           </a:p>
           <a:p>
             <a:pPr lvl="1"/>
             <a:r>
-              <a:rPr kumimoji="1" lang="ja-JP" altLang="en-US"/>
+              <a:rPr lang="ja-JP" altLang="en-US"/>
               <a:t>第 </a:t>
             </a:r>
             <a:r>
-              <a:rPr kumimoji="1" lang="en-US" altLang="ja-JP"/>
+              <a:rPr lang="en-US" altLang="ja-JP"/>
               <a:t>2 </a:t>
             </a:r>
             <a:r>
-              <a:rPr kumimoji="1" lang="ja-JP" altLang="en-US"/>
+              <a:rPr lang="ja-JP" altLang="en-US"/>
               <a:t>レベル</a:t>
             </a:r>
           </a:p>
           <a:p>
             <a:pPr lvl="2"/>
             <a:r>
-              <a:rPr kumimoji="1" lang="ja-JP" altLang="en-US"/>
+              <a:rPr lang="ja-JP" altLang="en-US"/>
               <a:t>第 </a:t>
             </a:r>
             <a:r>
-              <a:rPr kumimoji="1" lang="en-US" altLang="ja-JP"/>
+              <a:rPr lang="en-US" altLang="ja-JP"/>
               <a:t>3 </a:t>
             </a:r>
             <a:r>
-              <a:rPr kumimoji="1" lang="ja-JP" altLang="en-US"/>
+              <a:rPr lang="ja-JP" altLang="en-US"/>
               <a:t>レベル</a:t>
             </a:r>
           </a:p>
           <a:p>
             <a:pPr lvl="3"/>
             <a:r>
-              <a:rPr kumimoji="1" lang="ja-JP" altLang="en-US"/>
+              <a:rPr lang="ja-JP" altLang="en-US"/>
               <a:t>第 </a:t>
             </a:r>
             <a:r>
-              <a:rPr kumimoji="1" lang="en-US" altLang="ja-JP"/>
+              <a:rPr lang="en-US" altLang="ja-JP"/>
               <a:t>4 </a:t>
             </a:r>
             <a:r>
-              <a:rPr kumimoji="1" lang="ja-JP" altLang="en-US"/>
+              <a:rPr lang="ja-JP" altLang="en-US"/>
               <a:t>レベル</a:t>
             </a:r>
           </a:p>
           <a:p>
             <a:pPr lvl="4"/>
             <a:r>
-              <a:rPr kumimoji="1" lang="ja-JP" altLang="en-US"/>
+              <a:rPr lang="ja-JP" altLang="en-US"/>
               <a:t>第 </a:t>
             </a:r>
             <a:r>
-              <a:rPr kumimoji="1" lang="en-US" altLang="ja-JP"/>
+              <a:rPr lang="en-US" altLang="ja-JP"/>
               <a:t>5 </a:t>
             </a:r>
             <a:r>
-              <a:rPr kumimoji="1" lang="ja-JP" altLang="en-US"/>
+              <a:rPr lang="ja-JP" altLang="en-US"/>
               <a:t>レベル</a:t>
             </a:r>
-          </a:p>
-        </p:txBody>
-      </p:sp>
-      <p:sp>
-        <p:nvSpPr>
-          <p:cNvPr id="5" name="日付プレースホルダー 4">
-            <a:extLst>
-              <a:ext uri="{FF2B5EF4-FFF2-40B4-BE49-F238E27FC236}">
-                <a16:creationId xmlns:a16="http://schemas.microsoft.com/office/drawing/2014/main" id="{840C054F-E256-4364-8C3B-BC6BBFAFEAC5}"/>
-              </a:ext>
-            </a:extLst>
-          </p:cNvPr>
+            <a:endParaRPr lang="en-US" dirty="0"/>
+          </a:p>
+        </p:txBody>
+      </p:sp>
+      <p:sp>
+        <p:nvSpPr>
+          <p:cNvPr id="5" name="Date Placeholder 4"/>
           <p:cNvSpPr>
             <a:spLocks noGrp="1"/>
           </p:cNvSpPr>
@@ -1574,7 +1407,7 @@
           <a:p>
             <a:fld id="{BCC3470B-979D-4AC3-9CEF-E2615858CE2E}" type="datetimeFigureOut">
               <a:rPr kumimoji="1" lang="ja-JP" altLang="en-US" smtClean="0"/>
-              <a:t>2017/9/9</a:t>
+              <a:t>2023/8/25</a:t>
             </a:fld>
             <a:endParaRPr kumimoji="1" lang="ja-JP" altLang="en-US"/>
           </a:p>
@@ -1582,13 +1415,7 @@
       </p:sp>
       <p:sp>
         <p:nvSpPr>
-          <p:cNvPr id="6" name="フッター プレースホルダー 5">
-            <a:extLst>
-              <a:ext uri="{FF2B5EF4-FFF2-40B4-BE49-F238E27FC236}">
-                <a16:creationId xmlns:a16="http://schemas.microsoft.com/office/drawing/2014/main" id="{F04279D4-EDFB-458F-8F75-2B792679193B}"/>
-              </a:ext>
-            </a:extLst>
-          </p:cNvPr>
+          <p:cNvPr id="6" name="Footer Placeholder 5"/>
           <p:cNvSpPr>
             <a:spLocks noGrp="1"/>
           </p:cNvSpPr>
@@ -1607,13 +1434,7 @@
       </p:sp>
       <p:sp>
         <p:nvSpPr>
-          <p:cNvPr id="7" name="スライド番号プレースホルダー 6">
-            <a:extLst>
-              <a:ext uri="{FF2B5EF4-FFF2-40B4-BE49-F238E27FC236}">
-                <a16:creationId xmlns:a16="http://schemas.microsoft.com/office/drawing/2014/main" id="{330EFC22-26C8-43E2-9D75-36E84925B9F2}"/>
-              </a:ext>
-            </a:extLst>
-          </p:cNvPr>
+          <p:cNvPr id="7" name="Slide Number Placeholder 6"/>
           <p:cNvSpPr>
             <a:spLocks noGrp="1"/>
           </p:cNvSpPr>
@@ -1637,7 +1458,7 @@
     </p:spTree>
     <p:extLst>
       <p:ext uri="{BB962C8B-B14F-4D97-AF65-F5344CB8AC3E}">
-        <p14:creationId xmlns:p14="http://schemas.microsoft.com/office/powerpoint/2010/main" val="3052735013"/>
+        <p14:creationId xmlns:p14="http://schemas.microsoft.com/office/powerpoint/2010/main" val="358068544"/>
       </p:ext>
     </p:extLst>
   </p:cSld>
@@ -1666,13 +1487,7 @@
       </p:grpSpPr>
       <p:sp>
         <p:nvSpPr>
-          <p:cNvPr id="2" name="タイトル 1">
-            <a:extLst>
-              <a:ext uri="{FF2B5EF4-FFF2-40B4-BE49-F238E27FC236}">
-                <a16:creationId xmlns:a16="http://schemas.microsoft.com/office/drawing/2014/main" id="{1F5067ED-0838-4E65-BD26-8B88ADE57E81}"/>
-              </a:ext>
-            </a:extLst>
-          </p:cNvPr>
+          <p:cNvPr id="2" name="Title 1"/>
           <p:cNvSpPr>
             <a:spLocks noGrp="1"/>
           </p:cNvSpPr>
@@ -1682,8 +1497,8 @@
         </p:nvSpPr>
         <p:spPr>
           <a:xfrm>
-            <a:off x="629841" y="365126"/>
-            <a:ext cx="7886700" cy="1325563"/>
+            <a:off x="839788" y="365125"/>
+            <a:ext cx="10515600" cy="1325563"/>
           </a:xfrm>
         </p:spPr>
         <p:txBody>
@@ -1691,21 +1506,16 @@
           <a:lstStyle/>
           <a:p>
             <a:r>
-              <a:rPr kumimoji="1" lang="ja-JP" altLang="en-US"/>
+              <a:rPr lang="ja-JP" altLang="en-US"/>
               <a:t>マスター タイトルの書式設定</a:t>
             </a:r>
-          </a:p>
-        </p:txBody>
-      </p:sp>
-      <p:sp>
-        <p:nvSpPr>
-          <p:cNvPr id="3" name="テキスト プレースホルダー 2">
-            <a:extLst>
-              <a:ext uri="{FF2B5EF4-FFF2-40B4-BE49-F238E27FC236}">
-                <a16:creationId xmlns:a16="http://schemas.microsoft.com/office/drawing/2014/main" id="{9CE39B44-D81E-4092-8FCA-BD64DB707D9B}"/>
-              </a:ext>
-            </a:extLst>
-          </p:cNvPr>
+            <a:endParaRPr lang="en-US" dirty="0"/>
+          </a:p>
+        </p:txBody>
+      </p:sp>
+      <p:sp>
+        <p:nvSpPr>
+          <p:cNvPr id="3" name="Text Placeholder 2"/>
           <p:cNvSpPr>
             <a:spLocks noGrp="1"/>
           </p:cNvSpPr>
@@ -1715,8 +1525,8 @@
         </p:nvSpPr>
         <p:spPr>
           <a:xfrm>
-            <a:off x="629842" y="1681163"/>
-            <a:ext cx="3868340" cy="823912"/>
+            <a:off x="839788" y="1681163"/>
+            <a:ext cx="5157787" cy="823912"/>
           </a:xfrm>
         </p:spPr>
         <p:txBody>
@@ -1762,7 +1572,7 @@
           <a:p>
             <a:pPr lvl="0"/>
             <a:r>
-              <a:rPr kumimoji="1" lang="ja-JP" altLang="en-US"/>
+              <a:rPr lang="ja-JP" altLang="en-US"/>
               <a:t>マスター テキストの書式設定</a:t>
             </a:r>
           </a:p>
@@ -1770,13 +1580,7 @@
       </p:sp>
       <p:sp>
         <p:nvSpPr>
-          <p:cNvPr id="4" name="コンテンツ プレースホルダー 3">
-            <a:extLst>
-              <a:ext uri="{FF2B5EF4-FFF2-40B4-BE49-F238E27FC236}">
-                <a16:creationId xmlns:a16="http://schemas.microsoft.com/office/drawing/2014/main" id="{F964C5E1-E238-4DB8-831C-92C909C7BBD6}"/>
-              </a:ext>
-            </a:extLst>
-          </p:cNvPr>
+          <p:cNvPr id="4" name="Content Placeholder 3"/>
           <p:cNvSpPr>
             <a:spLocks noGrp="1"/>
           </p:cNvSpPr>
@@ -1786,8 +1590,8 @@
         </p:nvSpPr>
         <p:spPr>
           <a:xfrm>
-            <a:off x="629842" y="2505075"/>
-            <a:ext cx="3868340" cy="3684588"/>
+            <a:off x="839788" y="2505075"/>
+            <a:ext cx="5157787" cy="3684588"/>
           </a:xfrm>
         </p:spPr>
         <p:txBody>
@@ -1796,81 +1600,76 @@
           <a:p>
             <a:pPr lvl="0"/>
             <a:r>
-              <a:rPr kumimoji="1" lang="ja-JP" altLang="en-US"/>
+              <a:rPr lang="ja-JP" altLang="en-US"/>
               <a:t>マスター テキストの書式設定</a:t>
             </a:r>
           </a:p>
           <a:p>
             <a:pPr lvl="1"/>
             <a:r>
-              <a:rPr kumimoji="1" lang="ja-JP" altLang="en-US"/>
+              <a:rPr lang="ja-JP" altLang="en-US"/>
               <a:t>第 </a:t>
             </a:r>
             <a:r>
-              <a:rPr kumimoji="1" lang="en-US" altLang="ja-JP"/>
+              <a:rPr lang="en-US" altLang="ja-JP"/>
               <a:t>2 </a:t>
             </a:r>
             <a:r>
-              <a:rPr kumimoji="1" lang="ja-JP" altLang="en-US"/>
+              <a:rPr lang="ja-JP" altLang="en-US"/>
               <a:t>レベル</a:t>
             </a:r>
           </a:p>
           <a:p>
             <a:pPr lvl="2"/>
             <a:r>
-              <a:rPr kumimoji="1" lang="ja-JP" altLang="en-US"/>
+              <a:rPr lang="ja-JP" altLang="en-US"/>
               <a:t>第 </a:t>
             </a:r>
             <a:r>
-              <a:rPr kumimoji="1" lang="en-US" altLang="ja-JP"/>
+              <a:rPr lang="en-US" altLang="ja-JP"/>
               <a:t>3 </a:t>
             </a:r>
             <a:r>
-              <a:rPr kumimoji="1" lang="ja-JP" altLang="en-US"/>
+              <a:rPr lang="ja-JP" altLang="en-US"/>
               <a:t>レベル</a:t>
             </a:r>
           </a:p>
           <a:p>
             <a:pPr lvl="3"/>
             <a:r>
-              <a:rPr kumimoji="1" lang="ja-JP" altLang="en-US"/>
+              <a:rPr lang="ja-JP" altLang="en-US"/>
               <a:t>第 </a:t>
             </a:r>
             <a:r>
-              <a:rPr kumimoji="1" lang="en-US" altLang="ja-JP"/>
+              <a:rPr lang="en-US" altLang="ja-JP"/>
               <a:t>4 </a:t>
             </a:r>
             <a:r>
-              <a:rPr kumimoji="1" lang="ja-JP" altLang="en-US"/>
+              <a:rPr lang="ja-JP" altLang="en-US"/>
               <a:t>レベル</a:t>
             </a:r>
           </a:p>
           <a:p>
             <a:pPr lvl="4"/>
             <a:r>
-              <a:rPr kumimoji="1" lang="ja-JP" altLang="en-US"/>
+              <a:rPr lang="ja-JP" altLang="en-US"/>
               <a:t>第 </a:t>
             </a:r>
             <a:r>
-              <a:rPr kumimoji="1" lang="en-US" altLang="ja-JP"/>
+              <a:rPr lang="en-US" altLang="ja-JP"/>
               <a:t>5 </a:t>
             </a:r>
             <a:r>
-              <a:rPr kumimoji="1" lang="ja-JP" altLang="en-US"/>
+              <a:rPr lang="ja-JP" altLang="en-US"/>
               <a:t>レベル</a:t>
             </a:r>
-          </a:p>
-        </p:txBody>
-      </p:sp>
-      <p:sp>
-        <p:nvSpPr>
-          <p:cNvPr id="5" name="テキスト プレースホルダー 4">
-            <a:extLst>
-              <a:ext uri="{FF2B5EF4-FFF2-40B4-BE49-F238E27FC236}">
-                <a16:creationId xmlns:a16="http://schemas.microsoft.com/office/drawing/2014/main" id="{50A464FE-14E8-4CD3-A5FB-3E837627C2B7}"/>
-              </a:ext>
-            </a:extLst>
-          </p:cNvPr>
+            <a:endParaRPr lang="en-US" dirty="0"/>
+          </a:p>
+        </p:txBody>
+      </p:sp>
+      <p:sp>
+        <p:nvSpPr>
+          <p:cNvPr id="5" name="Text Placeholder 4"/>
           <p:cNvSpPr>
             <a:spLocks noGrp="1"/>
           </p:cNvSpPr>
@@ -1880,8 +1679,8 @@
         </p:nvSpPr>
         <p:spPr>
           <a:xfrm>
-            <a:off x="4629150" y="1681163"/>
-            <a:ext cx="3887391" cy="823912"/>
+            <a:off x="6172200" y="1681163"/>
+            <a:ext cx="5183188" cy="823912"/>
           </a:xfrm>
         </p:spPr>
         <p:txBody>
@@ -1927,7 +1726,7 @@
           <a:p>
             <a:pPr lvl="0"/>
             <a:r>
-              <a:rPr kumimoji="1" lang="ja-JP" altLang="en-US"/>
+              <a:rPr lang="ja-JP" altLang="en-US"/>
               <a:t>マスター テキストの書式設定</a:t>
             </a:r>
           </a:p>
@@ -1935,13 +1734,7 @@
       </p:sp>
       <p:sp>
         <p:nvSpPr>
-          <p:cNvPr id="6" name="コンテンツ プレースホルダー 5">
-            <a:extLst>
-              <a:ext uri="{FF2B5EF4-FFF2-40B4-BE49-F238E27FC236}">
-                <a16:creationId xmlns:a16="http://schemas.microsoft.com/office/drawing/2014/main" id="{FD529878-3AA1-495B-AF8C-2446DFB6BD0A}"/>
-              </a:ext>
-            </a:extLst>
-          </p:cNvPr>
+          <p:cNvPr id="6" name="Content Placeholder 5"/>
           <p:cNvSpPr>
             <a:spLocks noGrp="1"/>
           </p:cNvSpPr>
@@ -1951,8 +1744,8 @@
         </p:nvSpPr>
         <p:spPr>
           <a:xfrm>
-            <a:off x="4629150" y="2505075"/>
-            <a:ext cx="3887391" cy="3684588"/>
+            <a:off x="6172200" y="2505075"/>
+            <a:ext cx="5183188" cy="3684588"/>
           </a:xfrm>
         </p:spPr>
         <p:txBody>
@@ -1961,81 +1754,76 @@
           <a:p>
             <a:pPr lvl="0"/>
             <a:r>
-              <a:rPr kumimoji="1" lang="ja-JP" altLang="en-US"/>
+              <a:rPr lang="ja-JP" altLang="en-US"/>
               <a:t>マスター テキストの書式設定</a:t>
             </a:r>
           </a:p>
           <a:p>
             <a:pPr lvl="1"/>
             <a:r>
-              <a:rPr kumimoji="1" lang="ja-JP" altLang="en-US"/>
+              <a:rPr lang="ja-JP" altLang="en-US"/>
               <a:t>第 </a:t>
             </a:r>
             <a:r>
-              <a:rPr kumimoji="1" lang="en-US" altLang="ja-JP"/>
+              <a:rPr lang="en-US" altLang="ja-JP"/>
               <a:t>2 </a:t>
             </a:r>
             <a:r>
-              <a:rPr kumimoji="1" lang="ja-JP" altLang="en-US"/>
+              <a:rPr lang="ja-JP" altLang="en-US"/>
               <a:t>レベル</a:t>
             </a:r>
           </a:p>
           <a:p>
             <a:pPr lvl="2"/>
             <a:r>
-              <a:rPr kumimoji="1" lang="ja-JP" altLang="en-US"/>
+              <a:rPr lang="ja-JP" altLang="en-US"/>
               <a:t>第 </a:t>
             </a:r>
             <a:r>
-              <a:rPr kumimoji="1" lang="en-US" altLang="ja-JP"/>
+              <a:rPr lang="en-US" altLang="ja-JP"/>
               <a:t>3 </a:t>
             </a:r>
             <a:r>
-              <a:rPr kumimoji="1" lang="ja-JP" altLang="en-US"/>
+              <a:rPr lang="ja-JP" altLang="en-US"/>
               <a:t>レベル</a:t>
             </a:r>
           </a:p>
           <a:p>
             <a:pPr lvl="3"/>
             <a:r>
-              <a:rPr kumimoji="1" lang="ja-JP" altLang="en-US"/>
+              <a:rPr lang="ja-JP" altLang="en-US"/>
               <a:t>第 </a:t>
             </a:r>
             <a:r>
-              <a:rPr kumimoji="1" lang="en-US" altLang="ja-JP"/>
+              <a:rPr lang="en-US" altLang="ja-JP"/>
               <a:t>4 </a:t>
             </a:r>
             <a:r>
-              <a:rPr kumimoji="1" lang="ja-JP" altLang="en-US"/>
+              <a:rPr lang="ja-JP" altLang="en-US"/>
               <a:t>レベル</a:t>
             </a:r>
           </a:p>
           <a:p>
             <a:pPr lvl="4"/>
             <a:r>
-              <a:rPr kumimoji="1" lang="ja-JP" altLang="en-US"/>
+              <a:rPr lang="ja-JP" altLang="en-US"/>
               <a:t>第 </a:t>
             </a:r>
             <a:r>
-              <a:rPr kumimoji="1" lang="en-US" altLang="ja-JP"/>
+              <a:rPr lang="en-US" altLang="ja-JP"/>
               <a:t>5 </a:t>
             </a:r>
             <a:r>
-              <a:rPr kumimoji="1" lang="ja-JP" altLang="en-US"/>
+              <a:rPr lang="ja-JP" altLang="en-US"/>
               <a:t>レベル</a:t>
             </a:r>
-          </a:p>
-        </p:txBody>
-      </p:sp>
-      <p:sp>
-        <p:nvSpPr>
-          <p:cNvPr id="7" name="日付プレースホルダー 6">
-            <a:extLst>
-              <a:ext uri="{FF2B5EF4-FFF2-40B4-BE49-F238E27FC236}">
-                <a16:creationId xmlns:a16="http://schemas.microsoft.com/office/drawing/2014/main" id="{FA5144D1-CDBF-4195-AECA-AD06E108486E}"/>
-              </a:ext>
-            </a:extLst>
-          </p:cNvPr>
+            <a:endParaRPr lang="en-US" dirty="0"/>
+          </a:p>
+        </p:txBody>
+      </p:sp>
+      <p:sp>
+        <p:nvSpPr>
+          <p:cNvPr id="7" name="Date Placeholder 6"/>
           <p:cNvSpPr>
             <a:spLocks noGrp="1"/>
           </p:cNvSpPr>
@@ -2050,7 +1838,7 @@
           <a:p>
             <a:fld id="{BCC3470B-979D-4AC3-9CEF-E2615858CE2E}" type="datetimeFigureOut">
               <a:rPr kumimoji="1" lang="ja-JP" altLang="en-US" smtClean="0"/>
-              <a:t>2017/9/9</a:t>
+              <a:t>2023/8/25</a:t>
             </a:fld>
             <a:endParaRPr kumimoji="1" lang="ja-JP" altLang="en-US"/>
           </a:p>
@@ -2058,13 +1846,7 @@
       </p:sp>
       <p:sp>
         <p:nvSpPr>
-          <p:cNvPr id="8" name="フッター プレースホルダー 7">
-            <a:extLst>
-              <a:ext uri="{FF2B5EF4-FFF2-40B4-BE49-F238E27FC236}">
-                <a16:creationId xmlns:a16="http://schemas.microsoft.com/office/drawing/2014/main" id="{A4CC6E82-D470-49A1-B2E2-2F0CE2B1A445}"/>
-              </a:ext>
-            </a:extLst>
-          </p:cNvPr>
+          <p:cNvPr id="8" name="Footer Placeholder 7"/>
           <p:cNvSpPr>
             <a:spLocks noGrp="1"/>
           </p:cNvSpPr>
@@ -2083,13 +1865,7 @@
       </p:sp>
       <p:sp>
         <p:nvSpPr>
-          <p:cNvPr id="9" name="スライド番号プレースホルダー 8">
-            <a:extLst>
-              <a:ext uri="{FF2B5EF4-FFF2-40B4-BE49-F238E27FC236}">
-                <a16:creationId xmlns:a16="http://schemas.microsoft.com/office/drawing/2014/main" id="{62C52876-658A-42FB-9DD7-77BCB77F43CC}"/>
-              </a:ext>
-            </a:extLst>
-          </p:cNvPr>
+          <p:cNvPr id="9" name="Slide Number Placeholder 8"/>
           <p:cNvSpPr>
             <a:spLocks noGrp="1"/>
           </p:cNvSpPr>
@@ -2113,7 +1889,7 @@
     </p:spTree>
     <p:extLst>
       <p:ext uri="{BB962C8B-B14F-4D97-AF65-F5344CB8AC3E}">
-        <p14:creationId xmlns:p14="http://schemas.microsoft.com/office/powerpoint/2010/main" val="2498931311"/>
+        <p14:creationId xmlns:p14="http://schemas.microsoft.com/office/powerpoint/2010/main" val="1870485018"/>
       </p:ext>
     </p:extLst>
   </p:cSld>
@@ -2142,13 +1918,7 @@
       </p:grpSpPr>
       <p:sp>
         <p:nvSpPr>
-          <p:cNvPr id="2" name="タイトル 1">
-            <a:extLst>
-              <a:ext uri="{FF2B5EF4-FFF2-40B4-BE49-F238E27FC236}">
-                <a16:creationId xmlns:a16="http://schemas.microsoft.com/office/drawing/2014/main" id="{79FF38F5-536E-47BE-9249-EE31E17A586F}"/>
-              </a:ext>
-            </a:extLst>
-          </p:cNvPr>
+          <p:cNvPr id="2" name="Title 1"/>
           <p:cNvSpPr>
             <a:spLocks noGrp="1"/>
           </p:cNvSpPr>
@@ -2162,21 +1932,16 @@
           <a:lstStyle/>
           <a:p>
             <a:r>
-              <a:rPr kumimoji="1" lang="ja-JP" altLang="en-US"/>
+              <a:rPr lang="ja-JP" altLang="en-US"/>
               <a:t>マスター タイトルの書式設定</a:t>
             </a:r>
-          </a:p>
-        </p:txBody>
-      </p:sp>
-      <p:sp>
-        <p:nvSpPr>
-          <p:cNvPr id="3" name="日付プレースホルダー 2">
-            <a:extLst>
-              <a:ext uri="{FF2B5EF4-FFF2-40B4-BE49-F238E27FC236}">
-                <a16:creationId xmlns:a16="http://schemas.microsoft.com/office/drawing/2014/main" id="{07CB3045-FB54-46B7-B046-4F9A3B847F2B}"/>
-              </a:ext>
-            </a:extLst>
-          </p:cNvPr>
+            <a:endParaRPr lang="en-US" dirty="0"/>
+          </a:p>
+        </p:txBody>
+      </p:sp>
+      <p:sp>
+        <p:nvSpPr>
+          <p:cNvPr id="3" name="Date Placeholder 2"/>
           <p:cNvSpPr>
             <a:spLocks noGrp="1"/>
           </p:cNvSpPr>
@@ -2191,7 +1956,7 @@
           <a:p>
             <a:fld id="{BCC3470B-979D-4AC3-9CEF-E2615858CE2E}" type="datetimeFigureOut">
               <a:rPr kumimoji="1" lang="ja-JP" altLang="en-US" smtClean="0"/>
-              <a:t>2017/9/9</a:t>
+              <a:t>2023/8/25</a:t>
             </a:fld>
             <a:endParaRPr kumimoji="1" lang="ja-JP" altLang="en-US"/>
           </a:p>
@@ -2199,13 +1964,7 @@
       </p:sp>
       <p:sp>
         <p:nvSpPr>
-          <p:cNvPr id="4" name="フッター プレースホルダー 3">
-            <a:extLst>
-              <a:ext uri="{FF2B5EF4-FFF2-40B4-BE49-F238E27FC236}">
-                <a16:creationId xmlns:a16="http://schemas.microsoft.com/office/drawing/2014/main" id="{5ECED15D-9C74-469C-8E3C-B91843A74D4B}"/>
-              </a:ext>
-            </a:extLst>
-          </p:cNvPr>
+          <p:cNvPr id="4" name="Footer Placeholder 3"/>
           <p:cNvSpPr>
             <a:spLocks noGrp="1"/>
           </p:cNvSpPr>
@@ -2224,13 +1983,7 @@
       </p:sp>
       <p:sp>
         <p:nvSpPr>
-          <p:cNvPr id="5" name="スライド番号プレースホルダー 4">
-            <a:extLst>
-              <a:ext uri="{FF2B5EF4-FFF2-40B4-BE49-F238E27FC236}">
-                <a16:creationId xmlns:a16="http://schemas.microsoft.com/office/drawing/2014/main" id="{AAF8A85A-1042-46F4-93FA-E8F4AB4AB7F6}"/>
-              </a:ext>
-            </a:extLst>
-          </p:cNvPr>
+          <p:cNvPr id="5" name="Slide Number Placeholder 4"/>
           <p:cNvSpPr>
             <a:spLocks noGrp="1"/>
           </p:cNvSpPr>
@@ -2254,7 +2007,7 @@
     </p:spTree>
     <p:extLst>
       <p:ext uri="{BB962C8B-B14F-4D97-AF65-F5344CB8AC3E}">
-        <p14:creationId xmlns:p14="http://schemas.microsoft.com/office/powerpoint/2010/main" val="732835344"/>
+        <p14:creationId xmlns:p14="http://schemas.microsoft.com/office/powerpoint/2010/main" val="2536035834"/>
       </p:ext>
     </p:extLst>
   </p:cSld>
@@ -2283,13 +2036,7 @@
       </p:grpSpPr>
       <p:sp>
         <p:nvSpPr>
-          <p:cNvPr id="2" name="日付プレースホルダー 1">
-            <a:extLst>
-              <a:ext uri="{FF2B5EF4-FFF2-40B4-BE49-F238E27FC236}">
-                <a16:creationId xmlns:a16="http://schemas.microsoft.com/office/drawing/2014/main" id="{FCB3A632-2E6D-47AA-9D41-B542EB614177}"/>
-              </a:ext>
-            </a:extLst>
-          </p:cNvPr>
+          <p:cNvPr id="2" name="Date Placeholder 1"/>
           <p:cNvSpPr>
             <a:spLocks noGrp="1"/>
           </p:cNvSpPr>
@@ -2304,7 +2051,7 @@
           <a:p>
             <a:fld id="{BCC3470B-979D-4AC3-9CEF-E2615858CE2E}" type="datetimeFigureOut">
               <a:rPr kumimoji="1" lang="ja-JP" altLang="en-US" smtClean="0"/>
-              <a:t>2017/9/9</a:t>
+              <a:t>2023/8/25</a:t>
             </a:fld>
             <a:endParaRPr kumimoji="1" lang="ja-JP" altLang="en-US"/>
           </a:p>
@@ -2312,13 +2059,7 @@
       </p:sp>
       <p:sp>
         <p:nvSpPr>
-          <p:cNvPr id="3" name="フッター プレースホルダー 2">
-            <a:extLst>
-              <a:ext uri="{FF2B5EF4-FFF2-40B4-BE49-F238E27FC236}">
-                <a16:creationId xmlns:a16="http://schemas.microsoft.com/office/drawing/2014/main" id="{51DE58E0-D604-44D9-AB0A-579CF23A7F38}"/>
-              </a:ext>
-            </a:extLst>
-          </p:cNvPr>
+          <p:cNvPr id="3" name="Footer Placeholder 2"/>
           <p:cNvSpPr>
             <a:spLocks noGrp="1"/>
           </p:cNvSpPr>
@@ -2337,13 +2078,7 @@
       </p:sp>
       <p:sp>
         <p:nvSpPr>
-          <p:cNvPr id="4" name="スライド番号プレースホルダー 3">
-            <a:extLst>
-              <a:ext uri="{FF2B5EF4-FFF2-40B4-BE49-F238E27FC236}">
-                <a16:creationId xmlns:a16="http://schemas.microsoft.com/office/drawing/2014/main" id="{8E3B1122-36C1-4EF6-B192-4791749ADDC8}"/>
-              </a:ext>
-            </a:extLst>
-          </p:cNvPr>
+          <p:cNvPr id="4" name="Slide Number Placeholder 3"/>
           <p:cNvSpPr>
             <a:spLocks noGrp="1"/>
           </p:cNvSpPr>
@@ -2367,7 +2102,7 @@
     </p:spTree>
     <p:extLst>
       <p:ext uri="{BB962C8B-B14F-4D97-AF65-F5344CB8AC3E}">
-        <p14:creationId xmlns:p14="http://schemas.microsoft.com/office/powerpoint/2010/main" val="2554930808"/>
+        <p14:creationId xmlns:p14="http://schemas.microsoft.com/office/powerpoint/2010/main" val="2052660406"/>
       </p:ext>
     </p:extLst>
   </p:cSld>
@@ -2396,13 +2131,7 @@
       </p:grpSpPr>
       <p:sp>
         <p:nvSpPr>
-          <p:cNvPr id="2" name="タイトル 1">
-            <a:extLst>
-              <a:ext uri="{FF2B5EF4-FFF2-40B4-BE49-F238E27FC236}">
-                <a16:creationId xmlns:a16="http://schemas.microsoft.com/office/drawing/2014/main" id="{32EB93E2-742C-40DA-A8F0-09D81B36FCED}"/>
-              </a:ext>
-            </a:extLst>
-          </p:cNvPr>
+          <p:cNvPr id="2" name="Title 1"/>
           <p:cNvSpPr>
             <a:spLocks noGrp="1"/>
           </p:cNvSpPr>
@@ -2412,8 +2141,8 @@
         </p:nvSpPr>
         <p:spPr>
           <a:xfrm>
-            <a:off x="629841" y="457200"/>
-            <a:ext cx="2949178" cy="1600200"/>
+            <a:off x="839788" y="457200"/>
+            <a:ext cx="3932237" cy="1600200"/>
           </a:xfrm>
         </p:spPr>
         <p:txBody>
@@ -2425,21 +2154,16 @@
           </a:lstStyle>
           <a:p>
             <a:r>
-              <a:rPr kumimoji="1" lang="ja-JP" altLang="en-US"/>
+              <a:rPr lang="ja-JP" altLang="en-US"/>
               <a:t>マスター タイトルの書式設定</a:t>
             </a:r>
-          </a:p>
-        </p:txBody>
-      </p:sp>
-      <p:sp>
-        <p:nvSpPr>
-          <p:cNvPr id="3" name="コンテンツ プレースホルダー 2">
-            <a:extLst>
-              <a:ext uri="{FF2B5EF4-FFF2-40B4-BE49-F238E27FC236}">
-                <a16:creationId xmlns:a16="http://schemas.microsoft.com/office/drawing/2014/main" id="{AC474D4D-1C0D-458D-9FF6-A1A57723BB58}"/>
-              </a:ext>
-            </a:extLst>
-          </p:cNvPr>
+            <a:endParaRPr lang="en-US" dirty="0"/>
+          </a:p>
+        </p:txBody>
+      </p:sp>
+      <p:sp>
+        <p:nvSpPr>
+          <p:cNvPr id="3" name="Content Placeholder 2"/>
           <p:cNvSpPr>
             <a:spLocks noGrp="1"/>
           </p:cNvSpPr>
@@ -2449,8 +2173,8 @@
         </p:nvSpPr>
         <p:spPr>
           <a:xfrm>
-            <a:off x="3887391" y="987426"/>
-            <a:ext cx="4629150" cy="4873625"/>
+            <a:off x="5183188" y="987425"/>
+            <a:ext cx="6172200" cy="4873625"/>
           </a:xfrm>
         </p:spPr>
         <p:txBody>
@@ -2487,81 +2211,76 @@
           <a:p>
             <a:pPr lvl="0"/>
             <a:r>
-              <a:rPr kumimoji="1" lang="ja-JP" altLang="en-US"/>
+              <a:rPr lang="ja-JP" altLang="en-US"/>
               <a:t>マスター テキストの書式設定</a:t>
             </a:r>
           </a:p>
           <a:p>
             <a:pPr lvl="1"/>
             <a:r>
-              <a:rPr kumimoji="1" lang="ja-JP" altLang="en-US"/>
+              <a:rPr lang="ja-JP" altLang="en-US"/>
               <a:t>第 </a:t>
             </a:r>
             <a:r>
-              <a:rPr kumimoji="1" lang="en-US" altLang="ja-JP"/>
+              <a:rPr lang="en-US" altLang="ja-JP"/>
               <a:t>2 </a:t>
             </a:r>
             <a:r>
-              <a:rPr kumimoji="1" lang="ja-JP" altLang="en-US"/>
+              <a:rPr lang="ja-JP" altLang="en-US"/>
               <a:t>レベル</a:t>
             </a:r>
           </a:p>
           <a:p>
             <a:pPr lvl="2"/>
             <a:r>
-              <a:rPr kumimoji="1" lang="ja-JP" altLang="en-US"/>
+              <a:rPr lang="ja-JP" altLang="en-US"/>
               <a:t>第 </a:t>
             </a:r>
             <a:r>
-              <a:rPr kumimoji="1" lang="en-US" altLang="ja-JP"/>
+              <a:rPr lang="en-US" altLang="ja-JP"/>
               <a:t>3 </a:t>
             </a:r>
             <a:r>
-              <a:rPr kumimoji="1" lang="ja-JP" altLang="en-US"/>
+              <a:rPr lang="ja-JP" altLang="en-US"/>
               <a:t>レベル</a:t>
             </a:r>
           </a:p>
           <a:p>
             <a:pPr lvl="3"/>
             <a:r>
-              <a:rPr kumimoji="1" lang="ja-JP" altLang="en-US"/>
+              <a:rPr lang="ja-JP" altLang="en-US"/>
               <a:t>第 </a:t>
             </a:r>
             <a:r>
-              <a:rPr kumimoji="1" lang="en-US" altLang="ja-JP"/>
+              <a:rPr lang="en-US" altLang="ja-JP"/>
               <a:t>4 </a:t>
             </a:r>
             <a:r>
-              <a:rPr kumimoji="1" lang="ja-JP" altLang="en-US"/>
+              <a:rPr lang="ja-JP" altLang="en-US"/>
               <a:t>レベル</a:t>
             </a:r>
           </a:p>
           <a:p>
             <a:pPr lvl="4"/>
             <a:r>
-              <a:rPr kumimoji="1" lang="ja-JP" altLang="en-US"/>
+              <a:rPr lang="ja-JP" altLang="en-US"/>
               <a:t>第 </a:t>
             </a:r>
             <a:r>
-              <a:rPr kumimoji="1" lang="en-US" altLang="ja-JP"/>
+              <a:rPr lang="en-US" altLang="ja-JP"/>
               <a:t>5 </a:t>
             </a:r>
             <a:r>
-              <a:rPr kumimoji="1" lang="ja-JP" altLang="en-US"/>
+              <a:rPr lang="ja-JP" altLang="en-US"/>
               <a:t>レベル</a:t>
             </a:r>
-          </a:p>
-        </p:txBody>
-      </p:sp>
-      <p:sp>
-        <p:nvSpPr>
-          <p:cNvPr id="4" name="テキスト プレースホルダー 3">
-            <a:extLst>
-              <a:ext uri="{FF2B5EF4-FFF2-40B4-BE49-F238E27FC236}">
-                <a16:creationId xmlns:a16="http://schemas.microsoft.com/office/drawing/2014/main" id="{D59A0723-E6D5-4A19-818C-2CC237DCE793}"/>
-              </a:ext>
-            </a:extLst>
-          </p:cNvPr>
+            <a:endParaRPr lang="en-US" dirty="0"/>
+          </a:p>
+        </p:txBody>
+      </p:sp>
+      <p:sp>
+        <p:nvSpPr>
+          <p:cNvPr id="4" name="Text Placeholder 3"/>
           <p:cNvSpPr>
             <a:spLocks noGrp="1"/>
           </p:cNvSpPr>
@@ -2571,8 +2290,8 @@
         </p:nvSpPr>
         <p:spPr>
           <a:xfrm>
-            <a:off x="629841" y="2057400"/>
-            <a:ext cx="2949178" cy="3811588"/>
+            <a:off x="839788" y="2057400"/>
+            <a:ext cx="3932237" cy="3811588"/>
           </a:xfrm>
         </p:spPr>
         <p:txBody>
@@ -2618,7 +2337,7 @@
           <a:p>
             <a:pPr lvl="0"/>
             <a:r>
-              <a:rPr kumimoji="1" lang="ja-JP" altLang="en-US"/>
+              <a:rPr lang="ja-JP" altLang="en-US"/>
               <a:t>マスター テキストの書式設定</a:t>
             </a:r>
           </a:p>
@@ -2626,13 +2345,7 @@
       </p:sp>
       <p:sp>
         <p:nvSpPr>
-          <p:cNvPr id="5" name="日付プレースホルダー 4">
-            <a:extLst>
-              <a:ext uri="{FF2B5EF4-FFF2-40B4-BE49-F238E27FC236}">
-                <a16:creationId xmlns:a16="http://schemas.microsoft.com/office/drawing/2014/main" id="{EC8AFEC2-77A9-4086-B939-E2C58F4BF6C5}"/>
-              </a:ext>
-            </a:extLst>
-          </p:cNvPr>
+          <p:cNvPr id="5" name="Date Placeholder 4"/>
           <p:cNvSpPr>
             <a:spLocks noGrp="1"/>
           </p:cNvSpPr>
@@ -2647,7 +2360,7 @@
           <a:p>
             <a:fld id="{BCC3470B-979D-4AC3-9CEF-E2615858CE2E}" type="datetimeFigureOut">
               <a:rPr kumimoji="1" lang="ja-JP" altLang="en-US" smtClean="0"/>
-              <a:t>2017/9/9</a:t>
+              <a:t>2023/8/25</a:t>
             </a:fld>
             <a:endParaRPr kumimoji="1" lang="ja-JP" altLang="en-US"/>
           </a:p>
@@ -2655,13 +2368,7 @@
       </p:sp>
       <p:sp>
         <p:nvSpPr>
-          <p:cNvPr id="6" name="フッター プレースホルダー 5">
-            <a:extLst>
-              <a:ext uri="{FF2B5EF4-FFF2-40B4-BE49-F238E27FC236}">
-                <a16:creationId xmlns:a16="http://schemas.microsoft.com/office/drawing/2014/main" id="{CCCE669C-F3A1-498F-87BB-AFC7E57A09BB}"/>
-              </a:ext>
-            </a:extLst>
-          </p:cNvPr>
+          <p:cNvPr id="6" name="Footer Placeholder 5"/>
           <p:cNvSpPr>
             <a:spLocks noGrp="1"/>
           </p:cNvSpPr>
@@ -2680,13 +2387,7 @@
       </p:sp>
       <p:sp>
         <p:nvSpPr>
-          <p:cNvPr id="7" name="スライド番号プレースホルダー 6">
-            <a:extLst>
-              <a:ext uri="{FF2B5EF4-FFF2-40B4-BE49-F238E27FC236}">
-                <a16:creationId xmlns:a16="http://schemas.microsoft.com/office/drawing/2014/main" id="{D25A9716-FF4B-4EE9-93B4-F37325C18E42}"/>
-              </a:ext>
-            </a:extLst>
-          </p:cNvPr>
+          <p:cNvPr id="7" name="Slide Number Placeholder 6"/>
           <p:cNvSpPr>
             <a:spLocks noGrp="1"/>
           </p:cNvSpPr>
@@ -2710,7 +2411,7 @@
     </p:spTree>
     <p:extLst>
       <p:ext uri="{BB962C8B-B14F-4D97-AF65-F5344CB8AC3E}">
-        <p14:creationId xmlns:p14="http://schemas.microsoft.com/office/powerpoint/2010/main" val="1651372392"/>
+        <p14:creationId xmlns:p14="http://schemas.microsoft.com/office/powerpoint/2010/main" val="1861525312"/>
       </p:ext>
     </p:extLst>
   </p:cSld>
@@ -2739,13 +2440,7 @@
       </p:grpSpPr>
       <p:sp>
         <p:nvSpPr>
-          <p:cNvPr id="2" name="タイトル 1">
-            <a:extLst>
-              <a:ext uri="{FF2B5EF4-FFF2-40B4-BE49-F238E27FC236}">
-                <a16:creationId xmlns:a16="http://schemas.microsoft.com/office/drawing/2014/main" id="{F6BE48DE-0EBA-4D97-9DBF-1EC753EBE759}"/>
-              </a:ext>
-            </a:extLst>
-          </p:cNvPr>
+          <p:cNvPr id="2" name="Title 1"/>
           <p:cNvSpPr>
             <a:spLocks noGrp="1"/>
           </p:cNvSpPr>
@@ -2755,8 +2450,8 @@
         </p:nvSpPr>
         <p:spPr>
           <a:xfrm>
-            <a:off x="629841" y="457200"/>
-            <a:ext cx="2949178" cy="1600200"/>
+            <a:off x="839788" y="457200"/>
+            <a:ext cx="3932237" cy="1600200"/>
           </a:xfrm>
         </p:spPr>
         <p:txBody>
@@ -2768,23 +2463,18 @@
           </a:lstStyle>
           <a:p>
             <a:r>
-              <a:rPr kumimoji="1" lang="ja-JP" altLang="en-US"/>
+              <a:rPr lang="ja-JP" altLang="en-US"/>
               <a:t>マスター タイトルの書式設定</a:t>
             </a:r>
-          </a:p>
-        </p:txBody>
-      </p:sp>
-      <p:sp>
-        <p:nvSpPr>
-          <p:cNvPr id="3" name="図プレースホルダー 2">
-            <a:extLst>
-              <a:ext uri="{FF2B5EF4-FFF2-40B4-BE49-F238E27FC236}">
-                <a16:creationId xmlns:a16="http://schemas.microsoft.com/office/drawing/2014/main" id="{2B35F2B9-EF3E-4AC9-8F35-B559A54EBBA6}"/>
-              </a:ext>
-            </a:extLst>
-          </p:cNvPr>
-          <p:cNvSpPr>
-            <a:spLocks noGrp="1"/>
+            <a:endParaRPr lang="en-US" dirty="0"/>
+          </a:p>
+        </p:txBody>
+      </p:sp>
+      <p:sp>
+        <p:nvSpPr>
+          <p:cNvPr id="3" name="Picture Placeholder 2"/>
+          <p:cNvSpPr>
+            <a:spLocks noGrp="1" noChangeAspect="1"/>
           </p:cNvSpPr>
           <p:nvPr>
             <p:ph type="pic" idx="1"/>
@@ -2792,8 +2482,73 @@
         </p:nvSpPr>
         <p:spPr>
           <a:xfrm>
-            <a:off x="3887391" y="987426"/>
-            <a:ext cx="4629150" cy="4873625"/>
+            <a:off x="5183188" y="987425"/>
+            <a:ext cx="6172200" cy="4873625"/>
+          </a:xfrm>
+        </p:spPr>
+        <p:txBody>
+          <a:bodyPr anchor="t"/>
+          <a:lstStyle>
+            <a:lvl1pPr marL="0" indent="0">
+              <a:buNone/>
+              <a:defRPr sz="3200"/>
+            </a:lvl1pPr>
+            <a:lvl2pPr marL="457200" indent="0">
+              <a:buNone/>
+              <a:defRPr sz="2800"/>
+            </a:lvl2pPr>
+            <a:lvl3pPr marL="914400" indent="0">
+              <a:buNone/>
+              <a:defRPr sz="2400"/>
+            </a:lvl3pPr>
+            <a:lvl4pPr marL="1371600" indent="0">
+              <a:buNone/>
+              <a:defRPr sz="2000"/>
+            </a:lvl4pPr>
+            <a:lvl5pPr marL="1828800" indent="0">
+              <a:buNone/>
+              <a:defRPr sz="2000"/>
+            </a:lvl5pPr>
+            <a:lvl6pPr marL="2286000" indent="0">
+              <a:buNone/>
+              <a:defRPr sz="2000"/>
+            </a:lvl6pPr>
+            <a:lvl7pPr marL="2743200" indent="0">
+              <a:buNone/>
+              <a:defRPr sz="2000"/>
+            </a:lvl7pPr>
+            <a:lvl8pPr marL="3200400" indent="0">
+              <a:buNone/>
+              <a:defRPr sz="2000"/>
+            </a:lvl8pPr>
+            <a:lvl9pPr marL="3657600" indent="0">
+              <a:buNone/>
+              <a:defRPr sz="2000"/>
+            </a:lvl9pPr>
+          </a:lstStyle>
+          <a:p>
+            <a:r>
+              <a:rPr lang="ja-JP" altLang="en-US"/>
+              <a:t>アイコンをクリックして図を追加</a:t>
+            </a:r>
+            <a:endParaRPr lang="en-US" dirty="0"/>
+          </a:p>
+        </p:txBody>
+      </p:sp>
+      <p:sp>
+        <p:nvSpPr>
+          <p:cNvPr id="4" name="Text Placeholder 3"/>
+          <p:cNvSpPr>
+            <a:spLocks noGrp="1"/>
+          </p:cNvSpPr>
+          <p:nvPr>
+            <p:ph type="body" sz="half" idx="2"/>
+          </p:nvPr>
+        </p:nvSpPr>
+        <p:spPr>
+          <a:xfrm>
+            <a:off x="839788" y="2057400"/>
+            <a:ext cx="3932237" cy="3811588"/>
           </a:xfrm>
         </p:spPr>
         <p:txBody>
@@ -2801,73 +2556,6 @@
           <a:lstStyle>
             <a:lvl1pPr marL="0" indent="0">
               <a:buNone/>
-              <a:defRPr sz="3200"/>
-            </a:lvl1pPr>
-            <a:lvl2pPr marL="457200" indent="0">
-              <a:buNone/>
-              <a:defRPr sz="2800"/>
-            </a:lvl2pPr>
-            <a:lvl3pPr marL="914400" indent="0">
-              <a:buNone/>
-              <a:defRPr sz="2400"/>
-            </a:lvl3pPr>
-            <a:lvl4pPr marL="1371600" indent="0">
-              <a:buNone/>
-              <a:defRPr sz="2000"/>
-            </a:lvl4pPr>
-            <a:lvl5pPr marL="1828800" indent="0">
-              <a:buNone/>
-              <a:defRPr sz="2000"/>
-            </a:lvl5pPr>
-            <a:lvl6pPr marL="2286000" indent="0">
-              <a:buNone/>
-              <a:defRPr sz="2000"/>
-            </a:lvl6pPr>
-            <a:lvl7pPr marL="2743200" indent="0">
-              <a:buNone/>
-              <a:defRPr sz="2000"/>
-            </a:lvl7pPr>
-            <a:lvl8pPr marL="3200400" indent="0">
-              <a:buNone/>
-              <a:defRPr sz="2000"/>
-            </a:lvl8pPr>
-            <a:lvl9pPr marL="3657600" indent="0">
-              <a:buNone/>
-              <a:defRPr sz="2000"/>
-            </a:lvl9pPr>
-          </a:lstStyle>
-          <a:p>
-            <a:endParaRPr kumimoji="1" lang="ja-JP" altLang="en-US"/>
-          </a:p>
-        </p:txBody>
-      </p:sp>
-      <p:sp>
-        <p:nvSpPr>
-          <p:cNvPr id="4" name="テキスト プレースホルダー 3">
-            <a:extLst>
-              <a:ext uri="{FF2B5EF4-FFF2-40B4-BE49-F238E27FC236}">
-                <a16:creationId xmlns:a16="http://schemas.microsoft.com/office/drawing/2014/main" id="{C7480445-5168-40B5-ABFE-461FF3C35C05}"/>
-              </a:ext>
-            </a:extLst>
-          </p:cNvPr>
-          <p:cNvSpPr>
-            <a:spLocks noGrp="1"/>
-          </p:cNvSpPr>
-          <p:nvPr>
-            <p:ph type="body" sz="half" idx="2"/>
-          </p:nvPr>
-        </p:nvSpPr>
-        <p:spPr>
-          <a:xfrm>
-            <a:off x="629841" y="2057400"/>
-            <a:ext cx="2949178" cy="3811588"/>
-          </a:xfrm>
-        </p:spPr>
-        <p:txBody>
-          <a:bodyPr/>
-          <a:lstStyle>
-            <a:lvl1pPr marL="0" indent="0">
-              <a:buNone/>
               <a:defRPr sz="1600"/>
             </a:lvl1pPr>
             <a:lvl2pPr marL="457200" indent="0">
@@ -2906,7 +2594,7 @@
           <a:p>
             <a:pPr lvl="0"/>
             <a:r>
-              <a:rPr kumimoji="1" lang="ja-JP" altLang="en-US"/>
+              <a:rPr lang="ja-JP" altLang="en-US"/>
               <a:t>マスター テキストの書式設定</a:t>
             </a:r>
           </a:p>
@@ -2914,13 +2602,7 @@
       </p:sp>
       <p:sp>
         <p:nvSpPr>
-          <p:cNvPr id="5" name="日付プレースホルダー 4">
-            <a:extLst>
-              <a:ext uri="{FF2B5EF4-FFF2-40B4-BE49-F238E27FC236}">
-                <a16:creationId xmlns:a16="http://schemas.microsoft.com/office/drawing/2014/main" id="{521ECF7E-BD91-4A78-BA11-C7AA653C7969}"/>
-              </a:ext>
-            </a:extLst>
-          </p:cNvPr>
+          <p:cNvPr id="5" name="Date Placeholder 4"/>
           <p:cNvSpPr>
             <a:spLocks noGrp="1"/>
           </p:cNvSpPr>
@@ -2935,7 +2617,7 @@
           <a:p>
             <a:fld id="{BCC3470B-979D-4AC3-9CEF-E2615858CE2E}" type="datetimeFigureOut">
               <a:rPr kumimoji="1" lang="ja-JP" altLang="en-US" smtClean="0"/>
-              <a:t>2017/9/9</a:t>
+              <a:t>2023/8/25</a:t>
             </a:fld>
             <a:endParaRPr kumimoji="1" lang="ja-JP" altLang="en-US"/>
           </a:p>
@@ -2943,13 +2625,7 @@
       </p:sp>
       <p:sp>
         <p:nvSpPr>
-          <p:cNvPr id="6" name="フッター プレースホルダー 5">
-            <a:extLst>
-              <a:ext uri="{FF2B5EF4-FFF2-40B4-BE49-F238E27FC236}">
-                <a16:creationId xmlns:a16="http://schemas.microsoft.com/office/drawing/2014/main" id="{837EC663-4A4A-43E3-884F-DFCBF1673EEA}"/>
-              </a:ext>
-            </a:extLst>
-          </p:cNvPr>
+          <p:cNvPr id="6" name="Footer Placeholder 5"/>
           <p:cNvSpPr>
             <a:spLocks noGrp="1"/>
           </p:cNvSpPr>
@@ -2968,13 +2644,7 @@
       </p:sp>
       <p:sp>
         <p:nvSpPr>
-          <p:cNvPr id="7" name="スライド番号プレースホルダー 6">
-            <a:extLst>
-              <a:ext uri="{FF2B5EF4-FFF2-40B4-BE49-F238E27FC236}">
-                <a16:creationId xmlns:a16="http://schemas.microsoft.com/office/drawing/2014/main" id="{C39F6F37-892C-4014-A0C6-77EF3492C846}"/>
-              </a:ext>
-            </a:extLst>
-          </p:cNvPr>
+          <p:cNvPr id="7" name="Slide Number Placeholder 6"/>
           <p:cNvSpPr>
             <a:spLocks noGrp="1"/>
           </p:cNvSpPr>
@@ -2998,7 +2668,7 @@
     </p:spTree>
     <p:extLst>
       <p:ext uri="{BB962C8B-B14F-4D97-AF65-F5344CB8AC3E}">
-        <p14:creationId xmlns:p14="http://schemas.microsoft.com/office/powerpoint/2010/main" val="764307389"/>
+        <p14:creationId xmlns:p14="http://schemas.microsoft.com/office/powerpoint/2010/main" val="1461005567"/>
       </p:ext>
     </p:extLst>
   </p:cSld>
@@ -3032,13 +2702,7 @@
       </p:grpSpPr>
       <p:sp>
         <p:nvSpPr>
-          <p:cNvPr id="2" name="タイトル プレースホルダー 1">
-            <a:extLst>
-              <a:ext uri="{FF2B5EF4-FFF2-40B4-BE49-F238E27FC236}">
-                <a16:creationId xmlns:a16="http://schemas.microsoft.com/office/drawing/2014/main" id="{DB27D74D-F45C-4C91-B82A-E0A4952D99BC}"/>
-              </a:ext>
-            </a:extLst>
-          </p:cNvPr>
+          <p:cNvPr id="2" name="Title Placeholder 1"/>
           <p:cNvSpPr>
             <a:spLocks noGrp="1"/>
           </p:cNvSpPr>
@@ -3048,8 +2712,8 @@
         </p:nvSpPr>
         <p:spPr>
           <a:xfrm>
-            <a:off x="628650" y="365126"/>
-            <a:ext cx="7886700" cy="1325563"/>
+            <a:off x="838200" y="365125"/>
+            <a:ext cx="10515600" cy="1325563"/>
           </a:xfrm>
           <a:prstGeom prst="rect">
             <a:avLst/>
@@ -3062,21 +2726,16 @@
           <a:lstStyle/>
           <a:p>
             <a:r>
-              <a:rPr kumimoji="1" lang="ja-JP" altLang="en-US"/>
+              <a:rPr lang="ja-JP" altLang="en-US"/>
               <a:t>マスター タイトルの書式設定</a:t>
             </a:r>
-          </a:p>
-        </p:txBody>
-      </p:sp>
-      <p:sp>
-        <p:nvSpPr>
-          <p:cNvPr id="3" name="テキスト プレースホルダー 2">
-            <a:extLst>
-              <a:ext uri="{FF2B5EF4-FFF2-40B4-BE49-F238E27FC236}">
-                <a16:creationId xmlns:a16="http://schemas.microsoft.com/office/drawing/2014/main" id="{C0B8D245-CCE6-404F-82D7-72BA357D8D7E}"/>
-              </a:ext>
-            </a:extLst>
-          </p:cNvPr>
+            <a:endParaRPr lang="en-US" dirty="0"/>
+          </a:p>
+        </p:txBody>
+      </p:sp>
+      <p:sp>
+        <p:nvSpPr>
+          <p:cNvPr id="3" name="Text Placeholder 2"/>
           <p:cNvSpPr>
             <a:spLocks noGrp="1"/>
           </p:cNvSpPr>
@@ -3086,8 +2745,8 @@
         </p:nvSpPr>
         <p:spPr>
           <a:xfrm>
-            <a:off x="628650" y="1825625"/>
-            <a:ext cx="7886700" cy="4351338"/>
+            <a:off x="838200" y="1825625"/>
+            <a:ext cx="10515600" cy="4351338"/>
           </a:xfrm>
           <a:prstGeom prst="rect">
             <a:avLst/>
@@ -3101,81 +2760,76 @@
           <a:p>
             <a:pPr lvl="0"/>
             <a:r>
-              <a:rPr kumimoji="1" lang="ja-JP" altLang="en-US"/>
+              <a:rPr lang="ja-JP" altLang="en-US"/>
               <a:t>マスター テキストの書式設定</a:t>
             </a:r>
           </a:p>
           <a:p>
             <a:pPr lvl="1"/>
             <a:r>
-              <a:rPr kumimoji="1" lang="ja-JP" altLang="en-US"/>
+              <a:rPr lang="ja-JP" altLang="en-US"/>
               <a:t>第 </a:t>
             </a:r>
             <a:r>
-              <a:rPr kumimoji="1" lang="en-US" altLang="ja-JP"/>
+              <a:rPr lang="en-US" altLang="ja-JP"/>
               <a:t>2 </a:t>
             </a:r>
             <a:r>
-              <a:rPr kumimoji="1" lang="ja-JP" altLang="en-US"/>
+              <a:rPr lang="ja-JP" altLang="en-US"/>
               <a:t>レベル</a:t>
             </a:r>
           </a:p>
           <a:p>
             <a:pPr lvl="2"/>
             <a:r>
-              <a:rPr kumimoji="1" lang="ja-JP" altLang="en-US"/>
+              <a:rPr lang="ja-JP" altLang="en-US"/>
               <a:t>第 </a:t>
             </a:r>
             <a:r>
-              <a:rPr kumimoji="1" lang="en-US" altLang="ja-JP"/>
+              <a:rPr lang="en-US" altLang="ja-JP"/>
               <a:t>3 </a:t>
             </a:r>
             <a:r>
-              <a:rPr kumimoji="1" lang="ja-JP" altLang="en-US"/>
+              <a:rPr lang="ja-JP" altLang="en-US"/>
               <a:t>レベル</a:t>
             </a:r>
           </a:p>
           <a:p>
             <a:pPr lvl="3"/>
             <a:r>
-              <a:rPr kumimoji="1" lang="ja-JP" altLang="en-US"/>
+              <a:rPr lang="ja-JP" altLang="en-US"/>
               <a:t>第 </a:t>
             </a:r>
             <a:r>
-              <a:rPr kumimoji="1" lang="en-US" altLang="ja-JP"/>
+              <a:rPr lang="en-US" altLang="ja-JP"/>
               <a:t>4 </a:t>
             </a:r>
             <a:r>
-              <a:rPr kumimoji="1" lang="ja-JP" altLang="en-US"/>
+              <a:rPr lang="ja-JP" altLang="en-US"/>
               <a:t>レベル</a:t>
             </a:r>
           </a:p>
           <a:p>
             <a:pPr lvl="4"/>
             <a:r>
-              <a:rPr kumimoji="1" lang="ja-JP" altLang="en-US"/>
+              <a:rPr lang="ja-JP" altLang="en-US"/>
               <a:t>第 </a:t>
             </a:r>
             <a:r>
-              <a:rPr kumimoji="1" lang="en-US" altLang="ja-JP"/>
+              <a:rPr lang="en-US" altLang="ja-JP"/>
               <a:t>5 </a:t>
             </a:r>
             <a:r>
-              <a:rPr kumimoji="1" lang="ja-JP" altLang="en-US"/>
+              <a:rPr lang="ja-JP" altLang="en-US"/>
               <a:t>レベル</a:t>
             </a:r>
-          </a:p>
-        </p:txBody>
-      </p:sp>
-      <p:sp>
-        <p:nvSpPr>
-          <p:cNvPr id="4" name="日付プレースホルダー 3">
-            <a:extLst>
-              <a:ext uri="{FF2B5EF4-FFF2-40B4-BE49-F238E27FC236}">
-                <a16:creationId xmlns:a16="http://schemas.microsoft.com/office/drawing/2014/main" id="{70295F89-3A91-48EB-9192-772ADF1B5864}"/>
-              </a:ext>
-            </a:extLst>
-          </p:cNvPr>
+            <a:endParaRPr lang="en-US" dirty="0"/>
+          </a:p>
+        </p:txBody>
+      </p:sp>
+      <p:sp>
+        <p:nvSpPr>
+          <p:cNvPr id="4" name="Date Placeholder 3"/>
           <p:cNvSpPr>
             <a:spLocks noGrp="1"/>
           </p:cNvSpPr>
@@ -3185,8 +2839,8 @@
         </p:nvSpPr>
         <p:spPr>
           <a:xfrm>
-            <a:off x="628650" y="6356351"/>
-            <a:ext cx="2057400" cy="365125"/>
+            <a:off x="838200" y="6356350"/>
+            <a:ext cx="2743200" cy="365125"/>
           </a:xfrm>
           <a:prstGeom prst="rect">
             <a:avLst/>
@@ -3208,7 +2862,7 @@
           <a:p>
             <a:fld id="{BCC3470B-979D-4AC3-9CEF-E2615858CE2E}" type="datetimeFigureOut">
               <a:rPr kumimoji="1" lang="ja-JP" altLang="en-US" smtClean="0"/>
-              <a:t>2017/9/9</a:t>
+              <a:t>2023/8/25</a:t>
             </a:fld>
             <a:endParaRPr kumimoji="1" lang="ja-JP" altLang="en-US"/>
           </a:p>
@@ -3216,13 +2870,7 @@
       </p:sp>
       <p:sp>
         <p:nvSpPr>
-          <p:cNvPr id="5" name="フッター プレースホルダー 4">
-            <a:extLst>
-              <a:ext uri="{FF2B5EF4-FFF2-40B4-BE49-F238E27FC236}">
-                <a16:creationId xmlns:a16="http://schemas.microsoft.com/office/drawing/2014/main" id="{E47E0B0A-84E7-454B-8F60-7C126E1EDC76}"/>
-              </a:ext>
-            </a:extLst>
-          </p:cNvPr>
+          <p:cNvPr id="5" name="Footer Placeholder 4"/>
           <p:cNvSpPr>
             <a:spLocks noGrp="1"/>
           </p:cNvSpPr>
@@ -3232,8 +2880,8 @@
         </p:nvSpPr>
         <p:spPr>
           <a:xfrm>
-            <a:off x="3028950" y="6356351"/>
-            <a:ext cx="3086100" cy="365125"/>
+            <a:off x="4038600" y="6356350"/>
+            <a:ext cx="4114800" cy="365125"/>
           </a:xfrm>
           <a:prstGeom prst="rect">
             <a:avLst/>
@@ -3259,13 +2907,7 @@
       </p:sp>
       <p:sp>
         <p:nvSpPr>
-          <p:cNvPr id="6" name="スライド番号プレースホルダー 5">
-            <a:extLst>
-              <a:ext uri="{FF2B5EF4-FFF2-40B4-BE49-F238E27FC236}">
-                <a16:creationId xmlns:a16="http://schemas.microsoft.com/office/drawing/2014/main" id="{84A3534F-9767-433C-9943-7509C1C58129}"/>
-              </a:ext>
-            </a:extLst>
-          </p:cNvPr>
+          <p:cNvPr id="6" name="Slide Number Placeholder 5"/>
           <p:cNvSpPr>
             <a:spLocks noGrp="1"/>
           </p:cNvSpPr>
@@ -3275,8 +2917,8 @@
         </p:nvSpPr>
         <p:spPr>
           <a:xfrm>
-            <a:off x="6457950" y="6356351"/>
-            <a:ext cx="2057400" cy="365125"/>
+            <a:off x="8610600" y="6356350"/>
+            <a:ext cx="2743200" cy="365125"/>
           </a:xfrm>
           <a:prstGeom prst="rect">
             <a:avLst/>
@@ -3307,23 +2949,23 @@
     </p:spTree>
     <p:extLst>
       <p:ext uri="{BB962C8B-B14F-4D97-AF65-F5344CB8AC3E}">
-        <p14:creationId xmlns:p14="http://schemas.microsoft.com/office/powerpoint/2010/main" val="554696255"/>
+        <p14:creationId xmlns:p14="http://schemas.microsoft.com/office/powerpoint/2010/main" val="1188659476"/>
       </p:ext>
     </p:extLst>
   </p:cSld>
   <p:clrMap bg1="lt1" tx1="dk1" bg2="lt2" tx2="dk2" accent1="accent1" accent2="accent2" accent3="accent3" accent4="accent4" accent5="accent5" accent6="accent6" hlink="hlink" folHlink="folHlink"/>
   <p:sldLayoutIdLst>
-    <p:sldLayoutId id="2147483649" r:id="rId1"/>
-    <p:sldLayoutId id="2147483650" r:id="rId2"/>
-    <p:sldLayoutId id="2147483651" r:id="rId3"/>
-    <p:sldLayoutId id="2147483652" r:id="rId4"/>
-    <p:sldLayoutId id="2147483653" r:id="rId5"/>
-    <p:sldLayoutId id="2147483654" r:id="rId6"/>
-    <p:sldLayoutId id="2147483655" r:id="rId7"/>
-    <p:sldLayoutId id="2147483656" r:id="rId8"/>
-    <p:sldLayoutId id="2147483657" r:id="rId9"/>
-    <p:sldLayoutId id="2147483658" r:id="rId10"/>
-    <p:sldLayoutId id="2147483659" r:id="rId11"/>
+    <p:sldLayoutId id="2147483661" r:id="rId1"/>
+    <p:sldLayoutId id="2147483662" r:id="rId2"/>
+    <p:sldLayoutId id="2147483663" r:id="rId3"/>
+    <p:sldLayoutId id="2147483664" r:id="rId4"/>
+    <p:sldLayoutId id="2147483665" r:id="rId5"/>
+    <p:sldLayoutId id="2147483666" r:id="rId6"/>
+    <p:sldLayoutId id="2147483667" r:id="rId7"/>
+    <p:sldLayoutId id="2147483668" r:id="rId8"/>
+    <p:sldLayoutId id="2147483669" r:id="rId9"/>
+    <p:sldLayoutId id="2147483670" r:id="rId10"/>
+    <p:sldLayoutId id="2147483671" r:id="rId11"/>
   </p:sldLayoutIdLst>
   <p:txStyles>
     <p:titleStyle>
@@ -3335,7 +2977,7 @@
           <a:spcPct val="0"/>
         </a:spcBef>
         <a:buNone/>
-        <a:defRPr kumimoji="1" sz="4400" kern="1200">
+        <a:defRPr sz="4400" kern="1200">
           <a:solidFill>
             <a:schemeClr val="tx1"/>
           </a:solidFill>
@@ -3355,7 +2997,7 @@
         </a:spcBef>
         <a:buFont typeface="Arial" panose="020B0604020202020204" pitchFamily="34" charset="0"/>
         <a:buChar char="•"/>
-        <a:defRPr kumimoji="1" sz="2800" kern="1200">
+        <a:defRPr sz="2800" kern="1200">
           <a:solidFill>
             <a:schemeClr val="tx1"/>
           </a:solidFill>
@@ -3373,7 +3015,7 @@
         </a:spcBef>
         <a:buFont typeface="Arial" panose="020B0604020202020204" pitchFamily="34" charset="0"/>
         <a:buChar char="•"/>
-        <a:defRPr kumimoji="1" sz="2400" kern="1200">
+        <a:defRPr sz="2400" kern="1200">
           <a:solidFill>
             <a:schemeClr val="tx1"/>
           </a:solidFill>
@@ -3391,7 +3033,7 @@
         </a:spcBef>
         <a:buFont typeface="Arial" panose="020B0604020202020204" pitchFamily="34" charset="0"/>
         <a:buChar char="•"/>
-        <a:defRPr kumimoji="1" sz="2000" kern="1200">
+        <a:defRPr sz="2000" kern="1200">
           <a:solidFill>
             <a:schemeClr val="tx1"/>
           </a:solidFill>
@@ -3409,7 +3051,7 @@
         </a:spcBef>
         <a:buFont typeface="Arial" panose="020B0604020202020204" pitchFamily="34" charset="0"/>
         <a:buChar char="•"/>
-        <a:defRPr kumimoji="1" sz="1800" kern="1200">
+        <a:defRPr sz="1800" kern="1200">
           <a:solidFill>
             <a:schemeClr val="tx1"/>
           </a:solidFill>
@@ -3427,7 +3069,7 @@
         </a:spcBef>
         <a:buFont typeface="Arial" panose="020B0604020202020204" pitchFamily="34" charset="0"/>
         <a:buChar char="•"/>
-        <a:defRPr kumimoji="1" sz="1800" kern="1200">
+        <a:defRPr sz="1800" kern="1200">
           <a:solidFill>
             <a:schemeClr val="tx1"/>
           </a:solidFill>
@@ -3445,7 +3087,7 @@
         </a:spcBef>
         <a:buFont typeface="Arial" panose="020B0604020202020204" pitchFamily="34" charset="0"/>
         <a:buChar char="•"/>
-        <a:defRPr kumimoji="1" sz="1800" kern="1200">
+        <a:defRPr sz="1800" kern="1200">
           <a:solidFill>
             <a:schemeClr val="tx1"/>
           </a:solidFill>
@@ -3463,7 +3105,7 @@
         </a:spcBef>
         <a:buFont typeface="Arial" panose="020B0604020202020204" pitchFamily="34" charset="0"/>
         <a:buChar char="•"/>
-        <a:defRPr kumimoji="1" sz="1800" kern="1200">
+        <a:defRPr sz="1800" kern="1200">
           <a:solidFill>
             <a:schemeClr val="tx1"/>
           </a:solidFill>
@@ -3481,7 +3123,7 @@
         </a:spcBef>
         <a:buFont typeface="Arial" panose="020B0604020202020204" pitchFamily="34" charset="0"/>
         <a:buChar char="•"/>
-        <a:defRPr kumimoji="1" sz="1800" kern="1200">
+        <a:defRPr sz="1800" kern="1200">
           <a:solidFill>
             <a:schemeClr val="tx1"/>
           </a:solidFill>
@@ -3499,7 +3141,7 @@
         </a:spcBef>
         <a:buFont typeface="Arial" panose="020B0604020202020204" pitchFamily="34" charset="0"/>
         <a:buChar char="•"/>
-        <a:defRPr kumimoji="1" sz="1800" kern="1200">
+        <a:defRPr sz="1800" kern="1200">
           <a:solidFill>
             <a:schemeClr val="tx1"/>
           </a:solidFill>
@@ -3511,10 +3153,10 @@
     </p:bodyStyle>
     <p:otherStyle>
       <a:defPPr>
-        <a:defRPr lang="ja-JP"/>
+        <a:defRPr lang="en-US"/>
       </a:defPPr>
       <a:lvl1pPr marL="0" algn="l" defTabSz="914400" rtl="0" eaLnBrk="1" latinLnBrk="0" hangingPunct="1">
-        <a:defRPr kumimoji="1" sz="1800" kern="1200">
+        <a:defRPr sz="1800" kern="1200">
           <a:solidFill>
             <a:schemeClr val="tx1"/>
           </a:solidFill>
@@ -3524,7 +3166,7 @@
         </a:defRPr>
       </a:lvl1pPr>
       <a:lvl2pPr marL="457200" algn="l" defTabSz="914400" rtl="0" eaLnBrk="1" latinLnBrk="0" hangingPunct="1">
-        <a:defRPr kumimoji="1" sz="1800" kern="1200">
+        <a:defRPr sz="1800" kern="1200">
           <a:solidFill>
             <a:schemeClr val="tx1"/>
           </a:solidFill>
@@ -3534,7 +3176,7 @@
         </a:defRPr>
       </a:lvl2pPr>
       <a:lvl3pPr marL="914400" algn="l" defTabSz="914400" rtl="0" eaLnBrk="1" latinLnBrk="0" hangingPunct="1">
-        <a:defRPr kumimoji="1" sz="1800" kern="1200">
+        <a:defRPr sz="1800" kern="1200">
           <a:solidFill>
             <a:schemeClr val="tx1"/>
           </a:solidFill>
@@ -3544,7 +3186,7 @@
         </a:defRPr>
       </a:lvl3pPr>
       <a:lvl4pPr marL="1371600" algn="l" defTabSz="914400" rtl="0" eaLnBrk="1" latinLnBrk="0" hangingPunct="1">
-        <a:defRPr kumimoji="1" sz="1800" kern="1200">
+        <a:defRPr sz="1800" kern="1200">
           <a:solidFill>
             <a:schemeClr val="tx1"/>
           </a:solidFill>
@@ -3554,7 +3196,7 @@
         </a:defRPr>
       </a:lvl4pPr>
       <a:lvl5pPr marL="1828800" algn="l" defTabSz="914400" rtl="0" eaLnBrk="1" latinLnBrk="0" hangingPunct="1">
-        <a:defRPr kumimoji="1" sz="1800" kern="1200">
+        <a:defRPr sz="1800" kern="1200">
           <a:solidFill>
             <a:schemeClr val="tx1"/>
           </a:solidFill>
@@ -3564,7 +3206,7 @@
         </a:defRPr>
       </a:lvl5pPr>
       <a:lvl6pPr marL="2286000" algn="l" defTabSz="914400" rtl="0" eaLnBrk="1" latinLnBrk="0" hangingPunct="1">
-        <a:defRPr kumimoji="1" sz="1800" kern="1200">
+        <a:defRPr sz="1800" kern="1200">
           <a:solidFill>
             <a:schemeClr val="tx1"/>
           </a:solidFill>
@@ -3574,7 +3216,7 @@
         </a:defRPr>
       </a:lvl6pPr>
       <a:lvl7pPr marL="2743200" algn="l" defTabSz="914400" rtl="0" eaLnBrk="1" latinLnBrk="0" hangingPunct="1">
-        <a:defRPr kumimoji="1" sz="1800" kern="1200">
+        <a:defRPr sz="1800" kern="1200">
           <a:solidFill>
             <a:schemeClr val="tx1"/>
           </a:solidFill>
@@ -3584,7 +3226,7 @@
         </a:defRPr>
       </a:lvl7pPr>
       <a:lvl8pPr marL="3200400" algn="l" defTabSz="914400" rtl="0" eaLnBrk="1" latinLnBrk="0" hangingPunct="1">
-        <a:defRPr kumimoji="1" sz="1800" kern="1200">
+        <a:defRPr sz="1800" kern="1200">
           <a:solidFill>
             <a:schemeClr val="tx1"/>
           </a:solidFill>
@@ -3594,7 +3236,7 @@
         </a:defRPr>
       </a:lvl8pPr>
       <a:lvl9pPr marL="3657600" algn="l" defTabSz="914400" rtl="0" eaLnBrk="1" latinLnBrk="0" hangingPunct="1">
-        <a:defRPr kumimoji="1" sz="1800" kern="1200">
+        <a:defRPr sz="1800" kern="1200">
           <a:solidFill>
             <a:schemeClr val="tx1"/>
           </a:solidFill>
@@ -3630,7 +3272,7 @@
           <p:cNvPr id="2" name="タイトル 1">
             <a:extLst>
               <a:ext uri="{FF2B5EF4-FFF2-40B4-BE49-F238E27FC236}">
-                <a16:creationId xmlns:a16="http://schemas.microsoft.com/office/drawing/2014/main" id="{9BD971C2-F8A6-4C64-8B4F-C1309B64CCC7}"/>
+                <a16:creationId xmlns:a16="http://schemas.microsoft.com/office/drawing/2014/main" id="{F9A1451B-504E-4EAC-B7E4-07A4B7A2A9F5}"/>
               </a:ext>
             </a:extLst>
           </p:cNvPr>
@@ -3638,130 +3280,148 @@
             <a:spLocks noGrp="1"/>
           </p:cNvSpPr>
           <p:nvPr>
-            <p:ph type="ctrTitle"/>
+            <p:ph type="title"/>
           </p:nvPr>
         </p:nvSpPr>
         <p:spPr>
           <a:xfrm>
-            <a:off x="1143000" y="477790"/>
-            <a:ext cx="6858000" cy="2387600"/>
+            <a:off x="838200" y="365126"/>
+            <a:ext cx="10515600" cy="829494"/>
           </a:xfrm>
         </p:spPr>
         <p:txBody>
-          <a:bodyPr/>
-          <a:lstStyle/>
-          <a:p>
-            <a:pPr>
-              <a:lnSpc>
-                <a:spcPct val="100000"/>
-              </a:lnSpc>
-              <a:spcBef>
-                <a:spcPts val="600"/>
-              </a:spcBef>
-              <a:spcAft>
-                <a:spcPts val="600"/>
-              </a:spcAft>
-            </a:pPr>
-            <a:r>
-              <a:rPr kumimoji="1" lang="ja-JP" altLang="en-US">
+          <a:bodyPr>
+            <a:normAutofit/>
+          </a:bodyPr>
+          <a:lstStyle/>
+          <a:p>
+            <a:r>
+              <a:rPr lang="en-US" altLang="ja-JP" sz="4000" dirty="0">
                 <a:solidFill>
                   <a:schemeClr val="accent1"/>
                 </a:solidFill>
                 <a:latin typeface="メイリオ" panose="020B0604030504040204" pitchFamily="50" charset="-128"/>
                 <a:ea typeface="メイリオ" panose="020B0604030504040204" pitchFamily="50" charset="-128"/>
               </a:rPr>
-              <a:t>イラストで学ぶ</a:t>
-            </a:r>
-            <a:br>
-              <a:rPr kumimoji="1" lang="en-US" altLang="ja-JP">
+              <a:t>1.</a:t>
+            </a:r>
+            <a:r>
+              <a:rPr lang="ja-JP" altLang="en-US" sz="4000" dirty="0">
                 <a:solidFill>
                   <a:schemeClr val="accent1"/>
                 </a:solidFill>
                 <a:latin typeface="メイリオ" panose="020B0604030504040204" pitchFamily="50" charset="-128"/>
                 <a:ea typeface="メイリオ" panose="020B0604030504040204" pitchFamily="50" charset="-128"/>
               </a:rPr>
-            </a:br>
-            <a:r>
-              <a:rPr kumimoji="1" lang="ja-JP" altLang="en-US">
-                <a:solidFill>
-                  <a:schemeClr val="accent1"/>
-                </a:solidFill>
-                <a:latin typeface="メイリオ" panose="020B0604030504040204" pitchFamily="50" charset="-128"/>
-                <a:ea typeface="メイリオ" panose="020B0604030504040204" pitchFamily="50" charset="-128"/>
-              </a:rPr>
-              <a:t>音声認識</a:t>
-            </a:r>
-          </a:p>
-        </p:txBody>
-      </p:sp>
-      <p:sp>
-        <p:nvSpPr>
-          <p:cNvPr id="3" name="サブタイトル 2">
+              <a:t> はじめに</a:t>
+            </a:r>
+          </a:p>
+        </p:txBody>
+      </p:sp>
+      <p:sp>
+        <p:nvSpPr>
+          <p:cNvPr id="5" name="テキスト ボックス 4">
             <a:extLst>
               <a:ext uri="{FF2B5EF4-FFF2-40B4-BE49-F238E27FC236}">
-                <a16:creationId xmlns:a16="http://schemas.microsoft.com/office/drawing/2014/main" id="{DCEE65D0-AF16-4EB9-A3CF-35342E6A6E25}"/>
+                <a16:creationId xmlns:a16="http://schemas.microsoft.com/office/drawing/2014/main" id="{E979BD5E-4176-A88C-DBED-0029D8B05292}"/>
               </a:ext>
             </a:extLst>
           </p:cNvPr>
-          <p:cNvSpPr>
-            <a:spLocks noGrp="1"/>
-          </p:cNvSpPr>
-          <p:nvPr>
-            <p:ph type="subTitle" idx="1"/>
-          </p:nvPr>
+          <p:cNvSpPr txBox="1"/>
+          <p:nvPr/>
         </p:nvSpPr>
         <p:spPr>
           <a:xfrm>
-            <a:off x="4572000" y="4017364"/>
-            <a:ext cx="3357798" cy="1049311"/>
+            <a:off x="7453506" y="5211575"/>
+            <a:ext cx="4559053" cy="1077218"/>
           </a:xfrm>
+          <a:prstGeom prst="rect">
+            <a:avLst/>
+          </a:prstGeom>
+          <a:noFill/>
         </p:spPr>
         <p:txBody>
-          <a:bodyPr>
-            <a:normAutofit/>
+          <a:bodyPr wrap="square" rtlCol="0">
+            <a:spAutoFit/>
           </a:bodyPr>
           <a:lstStyle/>
           <a:p>
-            <a:r>
-              <a:rPr kumimoji="1" lang="ja-JP" altLang="en-US">
-                <a:latin typeface="メイリオ" panose="020B0604030504040204" pitchFamily="50" charset="-128"/>
-                <a:ea typeface="メイリオ" panose="020B0604030504040204" pitchFamily="50" charset="-128"/>
+            <a:pPr marL="285750" indent="-285750">
+              <a:spcBef>
+                <a:spcPts val="600"/>
+              </a:spcBef>
+              <a:buFont typeface="Arial" panose="020B0604020202020204" pitchFamily="34" charset="0"/>
+              <a:buChar char="•"/>
+            </a:pPr>
+            <a:r>
+              <a:rPr lang="ja-JP" altLang="en-US" dirty="0"/>
+              <a:t>荒木雅弘</a:t>
+            </a:r>
+            <a:r>
+              <a:rPr lang="en-US" altLang="ja-JP" dirty="0"/>
+              <a:t> :『</a:t>
+            </a:r>
+            <a:r>
+              <a:rPr lang="ja-JP" altLang="en-US" dirty="0"/>
+              <a:t>イラストで学ぶ音声認識</a:t>
+            </a:r>
+            <a:r>
+              <a:rPr lang="en-US" altLang="ja-JP" dirty="0"/>
+              <a:t>』</a:t>
+            </a:r>
+          </a:p>
+          <a:p>
+            <a:pPr>
+              <a:spcBef>
+                <a:spcPts val="600"/>
+              </a:spcBef>
+            </a:pPr>
+            <a:r>
+              <a:rPr lang="ja-JP" altLang="en-US" dirty="0"/>
+              <a:t>　（講談社</a:t>
+            </a:r>
+            <a:r>
+              <a:rPr lang="en-US" altLang="ja-JP" dirty="0"/>
+              <a:t>,</a:t>
+            </a:r>
+            <a:r>
+              <a:rPr lang="ja-JP" altLang="en-US" dirty="0"/>
+              <a:t> </a:t>
+            </a:r>
+            <a:r>
+              <a:rPr lang="en-US" altLang="ja-JP" dirty="0"/>
+              <a:t>2015</a:t>
+            </a:r>
+            <a:r>
+              <a:rPr lang="ja-JP" altLang="en-US" dirty="0"/>
+              <a:t>年）</a:t>
+            </a:r>
+            <a:endParaRPr lang="en-US" altLang="ja-JP" dirty="0"/>
+          </a:p>
+          <a:p>
+            <a:pPr marL="285750" indent="-285750">
+              <a:spcBef>
+                <a:spcPts val="600"/>
+              </a:spcBef>
+              <a:buFont typeface="Arial" panose="020B0604020202020204" pitchFamily="34" charset="0"/>
+              <a:buChar char="•"/>
+            </a:pPr>
+            <a:r>
+              <a:rPr lang="ja-JP" altLang="en-US" dirty="0">
+                <a:hlinkClick r:id="rId2"/>
               </a:rPr>
-              <a:t>荒木雅弘　著</a:t>
-            </a:r>
-            <a:endParaRPr kumimoji="1" lang="en-US" altLang="ja-JP">
-              <a:latin typeface="メイリオ" panose="020B0604030504040204" pitchFamily="50" charset="-128"/>
-              <a:ea typeface="メイリオ" panose="020B0604030504040204" pitchFamily="50" charset="-128"/>
-            </a:endParaRPr>
-          </a:p>
-          <a:p>
-            <a:r>
-              <a:rPr kumimoji="1" lang="ja-JP" altLang="en-US">
-                <a:latin typeface="メイリオ" panose="020B0604030504040204" pitchFamily="50" charset="-128"/>
-                <a:ea typeface="メイリオ" panose="020B0604030504040204" pitchFamily="50" charset="-128"/>
-              </a:rPr>
-              <a:t>講談社 </a:t>
-            </a:r>
-            <a:r>
-              <a:rPr kumimoji="1" lang="en-US" altLang="ja-JP">
-                <a:latin typeface="メイリオ" panose="020B0604030504040204" pitchFamily="50" charset="-128"/>
-                <a:ea typeface="メイリオ" panose="020B0604030504040204" pitchFamily="50" charset="-128"/>
-              </a:rPr>
-              <a:t>2015</a:t>
-            </a:r>
-            <a:endParaRPr kumimoji="1" lang="ja-JP" altLang="en-US">
-              <a:latin typeface="メイリオ" panose="020B0604030504040204" pitchFamily="50" charset="-128"/>
-              <a:ea typeface="メイリオ" panose="020B0604030504040204" pitchFamily="50" charset="-128"/>
-            </a:endParaRPr>
+              <a:t>サポートページ</a:t>
+            </a:r>
+            <a:endParaRPr lang="en-US" dirty="0"/>
           </a:p>
         </p:txBody>
       </p:sp>
       <p:pic>
         <p:nvPicPr>
-          <p:cNvPr id="5" name="図 4">
+          <p:cNvPr id="3" name="図 2">
             <a:extLst>
               <a:ext uri="{FF2B5EF4-FFF2-40B4-BE49-F238E27FC236}">
-                <a16:creationId xmlns:a16="http://schemas.microsoft.com/office/drawing/2014/main" id="{D2CCC4EB-D10A-4855-9208-85147CF2AA8A}"/>
+                <a16:creationId xmlns:a16="http://schemas.microsoft.com/office/drawing/2014/main" id="{F7698FEA-6294-08A1-296D-5D1B60E2FCC4}"/>
               </a:ext>
             </a:extLst>
           </p:cNvPr>
@@ -3771,7 +3431,7 @@
           <p:nvPr/>
         </p:nvPicPr>
         <p:blipFill>
-          <a:blip r:embed="rId2">
+          <a:blip r:embed="rId3">
             <a:extLst>
               <a:ext uri="{28A0092B-C50C-407E-A947-70E740481C1C}">
                 <a14:useLocalDpi xmlns:a14="http://schemas.microsoft.com/office/drawing/2010/main" val="0"/>
@@ -3784,18 +3444,243 @@
         </p:blipFill>
         <p:spPr>
           <a:xfrm>
-            <a:off x="1708877" y="2865390"/>
-            <a:ext cx="2458387" cy="3488568"/>
+            <a:off x="8366615" y="1053081"/>
+            <a:ext cx="2725188" cy="3867171"/>
           </a:xfrm>
           <a:prstGeom prst="rect">
             <a:avLst/>
           </a:prstGeom>
         </p:spPr>
       </p:pic>
+      <p:pic>
+        <p:nvPicPr>
+          <p:cNvPr id="6" name="図 5">
+            <a:extLst>
+              <a:ext uri="{FF2B5EF4-FFF2-40B4-BE49-F238E27FC236}">
+                <a16:creationId xmlns:a16="http://schemas.microsoft.com/office/drawing/2014/main" id="{0F040DC3-3C18-7CA8-3305-7462C87AA82E}"/>
+              </a:ext>
+            </a:extLst>
+          </p:cNvPr>
+          <p:cNvPicPr>
+            <a:picLocks noChangeAspect="1"/>
+          </p:cNvPicPr>
+          <p:nvPr/>
+        </p:nvPicPr>
+        <p:blipFill>
+          <a:blip r:embed="rId4">
+            <a:extLst>
+              <a:ext uri="{28A0092B-C50C-407E-A947-70E740481C1C}">
+                <a14:useLocalDpi xmlns:a14="http://schemas.microsoft.com/office/drawing/2010/main" val="0"/>
+              </a:ext>
+            </a:extLst>
+          </a:blip>
+          <a:stretch>
+            <a:fillRect/>
+          </a:stretch>
+        </p:blipFill>
+        <p:spPr>
+          <a:xfrm>
+            <a:off x="2935228" y="1020939"/>
+            <a:ext cx="4004462" cy="3522485"/>
+          </a:xfrm>
+          <a:prstGeom prst="rect">
+            <a:avLst/>
+          </a:prstGeom>
+        </p:spPr>
+      </p:pic>
+      <p:sp>
+        <p:nvSpPr>
+          <p:cNvPr id="7" name="コンテンツ プレースホルダー 2">
+            <a:extLst>
+              <a:ext uri="{FF2B5EF4-FFF2-40B4-BE49-F238E27FC236}">
+                <a16:creationId xmlns:a16="http://schemas.microsoft.com/office/drawing/2014/main" id="{1BBBF547-AFA4-E491-EC8F-36D566715F6A}"/>
+              </a:ext>
+            </a:extLst>
+          </p:cNvPr>
+          <p:cNvSpPr>
+            <a:spLocks noGrp="1"/>
+          </p:cNvSpPr>
+          <p:nvPr>
+            <p:ph idx="1"/>
+          </p:nvPr>
+        </p:nvSpPr>
+        <p:spPr>
+          <a:xfrm>
+            <a:off x="1247850" y="4369742"/>
+            <a:ext cx="4004462" cy="2213937"/>
+          </a:xfrm>
+        </p:spPr>
+        <p:txBody>
+          <a:bodyPr>
+            <a:normAutofit/>
+          </a:bodyPr>
+          <a:lstStyle/>
+          <a:p>
+            <a:pPr marL="0" indent="0">
+              <a:lnSpc>
+                <a:spcPct val="100000"/>
+              </a:lnSpc>
+              <a:spcBef>
+                <a:spcPts val="0"/>
+              </a:spcBef>
+              <a:spcAft>
+                <a:spcPts val="600"/>
+              </a:spcAft>
+              <a:buNone/>
+            </a:pPr>
+            <a:r>
+              <a:rPr lang="en-US" altLang="ja-JP" sz="2400" dirty="0">
+                <a:latin typeface="メイリオ" panose="020B0604030504040204" pitchFamily="50" charset="-128"/>
+                <a:ea typeface="メイリオ" panose="020B0604030504040204" pitchFamily="50" charset="-128"/>
+              </a:rPr>
+              <a:t>1.1 </a:t>
+            </a:r>
+            <a:r>
+              <a:rPr lang="ja-JP" altLang="en-US" sz="2400" dirty="0">
+                <a:latin typeface="メイリオ" panose="020B0604030504040204" pitchFamily="50" charset="-128"/>
+                <a:ea typeface="メイリオ" panose="020B0604030504040204" pitchFamily="50" charset="-128"/>
+              </a:rPr>
+              <a:t>音声認識とは</a:t>
+            </a:r>
+            <a:endParaRPr lang="en-US" altLang="ja-JP" sz="2400" dirty="0">
+              <a:latin typeface="メイリオ" panose="020B0604030504040204" pitchFamily="50" charset="-128"/>
+              <a:ea typeface="メイリオ" panose="020B0604030504040204" pitchFamily="50" charset="-128"/>
+            </a:endParaRPr>
+          </a:p>
+          <a:p>
+            <a:pPr marL="0" indent="0">
+              <a:lnSpc>
+                <a:spcPct val="100000"/>
+              </a:lnSpc>
+              <a:spcBef>
+                <a:spcPts val="0"/>
+              </a:spcBef>
+              <a:spcAft>
+                <a:spcPts val="600"/>
+              </a:spcAft>
+              <a:buNone/>
+            </a:pPr>
+            <a:r>
+              <a:rPr lang="en-US" altLang="ja-JP" sz="2400" dirty="0">
+                <a:latin typeface="メイリオ" panose="020B0604030504040204" pitchFamily="50" charset="-128"/>
+                <a:ea typeface="メイリオ" panose="020B0604030504040204" pitchFamily="50" charset="-128"/>
+              </a:rPr>
+              <a:t>1.2 </a:t>
+            </a:r>
+            <a:r>
+              <a:rPr lang="ja-JP" altLang="en-US" sz="2400" dirty="0">
+                <a:latin typeface="メイリオ" panose="020B0604030504040204" pitchFamily="50" charset="-128"/>
+                <a:ea typeface="メイリオ" panose="020B0604030504040204" pitchFamily="50" charset="-128"/>
+              </a:rPr>
+              <a:t>音声認識の歴史</a:t>
+            </a:r>
+            <a:endParaRPr lang="en-US" altLang="ja-JP" sz="2400" dirty="0">
+              <a:latin typeface="メイリオ" panose="020B0604030504040204" pitchFamily="50" charset="-128"/>
+              <a:ea typeface="メイリオ" panose="020B0604030504040204" pitchFamily="50" charset="-128"/>
+            </a:endParaRPr>
+          </a:p>
+          <a:p>
+            <a:pPr marL="0" indent="0">
+              <a:lnSpc>
+                <a:spcPct val="100000"/>
+              </a:lnSpc>
+              <a:spcBef>
+                <a:spcPts val="0"/>
+              </a:spcBef>
+              <a:spcAft>
+                <a:spcPts val="600"/>
+              </a:spcAft>
+              <a:buNone/>
+            </a:pPr>
+            <a:r>
+              <a:rPr lang="en-US" altLang="ja-JP" sz="2400" dirty="0">
+                <a:latin typeface="メイリオ" panose="020B0604030504040204" pitchFamily="50" charset="-128"/>
+                <a:ea typeface="メイリオ" panose="020B0604030504040204" pitchFamily="50" charset="-128"/>
+              </a:rPr>
+              <a:t>1.3 </a:t>
+            </a:r>
+            <a:r>
+              <a:rPr lang="ja-JP" altLang="en-US" sz="2400" dirty="0">
+                <a:latin typeface="メイリオ" panose="020B0604030504040204" pitchFamily="50" charset="-128"/>
+                <a:ea typeface="メイリオ" panose="020B0604030504040204" pitchFamily="50" charset="-128"/>
+              </a:rPr>
+              <a:t>どこで役立つのか</a:t>
+            </a:r>
+            <a:endParaRPr lang="en-US" altLang="ja-JP" sz="2400" dirty="0">
+              <a:latin typeface="メイリオ" panose="020B0604030504040204" pitchFamily="50" charset="-128"/>
+              <a:ea typeface="メイリオ" panose="020B0604030504040204" pitchFamily="50" charset="-128"/>
+            </a:endParaRPr>
+          </a:p>
+          <a:p>
+            <a:pPr marL="0" indent="0">
+              <a:lnSpc>
+                <a:spcPct val="100000"/>
+              </a:lnSpc>
+              <a:spcBef>
+                <a:spcPts val="0"/>
+              </a:spcBef>
+              <a:spcAft>
+                <a:spcPts val="600"/>
+              </a:spcAft>
+              <a:buNone/>
+            </a:pPr>
+            <a:r>
+              <a:rPr lang="en-US" altLang="ja-JP" sz="2400" dirty="0">
+                <a:latin typeface="メイリオ" panose="020B0604030504040204" pitchFamily="50" charset="-128"/>
+                <a:ea typeface="メイリオ" panose="020B0604030504040204" pitchFamily="50" charset="-128"/>
+              </a:rPr>
+              <a:t>1.4 </a:t>
+            </a:r>
+            <a:r>
+              <a:rPr lang="ja-JP" altLang="en-US" sz="2400" dirty="0">
+                <a:latin typeface="メイリオ" panose="020B0604030504040204" pitchFamily="50" charset="-128"/>
+                <a:ea typeface="メイリオ" panose="020B0604030504040204" pitchFamily="50" charset="-128"/>
+              </a:rPr>
+              <a:t>何が難しいのか</a:t>
+            </a:r>
+            <a:endParaRPr lang="en-US" altLang="ja-JP" sz="2400" dirty="0">
+              <a:latin typeface="メイリオ" panose="020B0604030504040204" pitchFamily="50" charset="-128"/>
+              <a:ea typeface="メイリオ" panose="020B0604030504040204" pitchFamily="50" charset="-128"/>
+            </a:endParaRPr>
+          </a:p>
+          <a:p>
+            <a:pPr marL="0" indent="0">
+              <a:lnSpc>
+                <a:spcPct val="100000"/>
+              </a:lnSpc>
+              <a:spcBef>
+                <a:spcPts val="0"/>
+              </a:spcBef>
+              <a:spcAft>
+                <a:spcPts val="600"/>
+              </a:spcAft>
+              <a:buNone/>
+            </a:pPr>
+            <a:r>
+              <a:rPr lang="en-US" altLang="ja-JP" sz="2400" dirty="0">
+                <a:latin typeface="メイリオ" panose="020B0604030504040204" pitchFamily="50" charset="-128"/>
+                <a:ea typeface="メイリオ" panose="020B0604030504040204" pitchFamily="50" charset="-128"/>
+              </a:rPr>
+              <a:t>1.5 </a:t>
+            </a:r>
+            <a:r>
+              <a:rPr lang="ja-JP" altLang="en-US" sz="2400" dirty="0">
+                <a:latin typeface="メイリオ" panose="020B0604030504040204" pitchFamily="50" charset="-128"/>
+                <a:ea typeface="メイリオ" panose="020B0604030504040204" pitchFamily="50" charset="-128"/>
+              </a:rPr>
+              <a:t>本書のねらい</a:t>
+            </a:r>
+            <a:endParaRPr lang="en-US" altLang="ja-JP" sz="2400" dirty="0">
+              <a:latin typeface="メイリオ" panose="020B0604030504040204" pitchFamily="50" charset="-128"/>
+              <a:ea typeface="メイリオ" panose="020B0604030504040204" pitchFamily="50" charset="-128"/>
+            </a:endParaRPr>
+          </a:p>
+        </p:txBody>
+      </p:sp>
     </p:spTree>
     <p:extLst>
       <p:ext uri="{BB962C8B-B14F-4D97-AF65-F5344CB8AC3E}">
-        <p14:creationId xmlns:p14="http://schemas.microsoft.com/office/powerpoint/2010/main" val="4176047978"/>
+        <p14:creationId xmlns:p14="http://schemas.microsoft.com/office/powerpoint/2010/main" val="144594472"/>
       </p:ext>
     </p:extLst>
   </p:cSld>
@@ -3838,31 +3723,43 @@
             <p:ph type="title"/>
           </p:nvPr>
         </p:nvSpPr>
-        <p:spPr/>
+        <p:spPr>
+          <a:xfrm>
+            <a:off x="838200" y="365125"/>
+            <a:ext cx="10515600" cy="944296"/>
+          </a:xfrm>
+        </p:spPr>
         <p:txBody>
           <a:bodyPr/>
           <a:lstStyle/>
           <a:p>
             <a:r>
-              <a:rPr kumimoji="1" lang="en-US" altLang="ja-JP">
+              <a:rPr lang="en-US" altLang="ja-JP" dirty="0">
                 <a:solidFill>
                   <a:schemeClr val="accent1"/>
                 </a:solidFill>
                 <a:latin typeface="メイリオ" panose="020B0604030504040204" pitchFamily="50" charset="-128"/>
                 <a:ea typeface="メイリオ" panose="020B0604030504040204" pitchFamily="50" charset="-128"/>
               </a:rPr>
-              <a:t>1. </a:t>
-            </a:r>
-            <a:r>
-              <a:rPr kumimoji="1" lang="ja-JP" altLang="en-US">
+              <a:t>1.1 </a:t>
+            </a:r>
+            <a:r>
+              <a:rPr lang="ja-JP" altLang="en-US" dirty="0">
                 <a:solidFill>
                   <a:schemeClr val="accent1"/>
                 </a:solidFill>
                 <a:latin typeface="メイリオ" panose="020B0604030504040204" pitchFamily="50" charset="-128"/>
                 <a:ea typeface="メイリオ" panose="020B0604030504040204" pitchFamily="50" charset="-128"/>
               </a:rPr>
-              <a:t>はじめに</a:t>
-            </a:r>
+              <a:t>音声認識とは</a:t>
+            </a:r>
+            <a:endParaRPr kumimoji="1" lang="ja-JP" altLang="en-US" dirty="0">
+              <a:solidFill>
+                <a:schemeClr val="accent1"/>
+              </a:solidFill>
+              <a:latin typeface="メイリオ" panose="020B0604030504040204" pitchFamily="50" charset="-128"/>
+              <a:ea typeface="メイリオ" panose="020B0604030504040204" pitchFamily="50" charset="-128"/>
+            </a:endParaRPr>
           </a:p>
         </p:txBody>
       </p:sp>
@@ -3882,273 +3779,10 @@
             <p:ph idx="1"/>
           </p:nvPr>
         </p:nvSpPr>
-        <p:spPr/>
-        <p:txBody>
-          <a:bodyPr/>
-          <a:lstStyle/>
-          <a:p>
-            <a:pPr marL="0" indent="0">
-              <a:lnSpc>
-                <a:spcPct val="100000"/>
-              </a:lnSpc>
-              <a:spcBef>
-                <a:spcPts val="600"/>
-              </a:spcBef>
-              <a:spcAft>
-                <a:spcPts val="600"/>
-              </a:spcAft>
-              <a:buNone/>
-            </a:pPr>
-            <a:r>
-              <a:rPr lang="en-US" altLang="ja-JP">
-                <a:latin typeface="メイリオ" panose="020B0604030504040204" pitchFamily="50" charset="-128"/>
-                <a:ea typeface="メイリオ" panose="020B0604030504040204" pitchFamily="50" charset="-128"/>
-              </a:rPr>
-              <a:t>1.1 </a:t>
-            </a:r>
-            <a:r>
-              <a:rPr lang="ja-JP" altLang="en-US">
-                <a:latin typeface="メイリオ" panose="020B0604030504040204" pitchFamily="50" charset="-128"/>
-                <a:ea typeface="メイリオ" panose="020B0604030504040204" pitchFamily="50" charset="-128"/>
-              </a:rPr>
-              <a:t>音声認識とは</a:t>
-            </a:r>
-            <a:endParaRPr lang="en-US" altLang="ja-JP">
-              <a:latin typeface="メイリオ" panose="020B0604030504040204" pitchFamily="50" charset="-128"/>
-              <a:ea typeface="メイリオ" panose="020B0604030504040204" pitchFamily="50" charset="-128"/>
-            </a:endParaRPr>
-          </a:p>
-          <a:p>
-            <a:pPr marL="0" indent="0">
-              <a:lnSpc>
-                <a:spcPct val="100000"/>
-              </a:lnSpc>
-              <a:spcBef>
-                <a:spcPts val="600"/>
-              </a:spcBef>
-              <a:spcAft>
-                <a:spcPts val="600"/>
-              </a:spcAft>
-              <a:buNone/>
-            </a:pPr>
-            <a:r>
-              <a:rPr lang="en-US" altLang="ja-JP">
-                <a:latin typeface="メイリオ" panose="020B0604030504040204" pitchFamily="50" charset="-128"/>
-                <a:ea typeface="メイリオ" panose="020B0604030504040204" pitchFamily="50" charset="-128"/>
-              </a:rPr>
-              <a:t>1.2 </a:t>
-            </a:r>
-            <a:r>
-              <a:rPr lang="ja-JP" altLang="en-US">
-                <a:latin typeface="メイリオ" panose="020B0604030504040204" pitchFamily="50" charset="-128"/>
-                <a:ea typeface="メイリオ" panose="020B0604030504040204" pitchFamily="50" charset="-128"/>
-              </a:rPr>
-              <a:t>音声認識の歴史</a:t>
-            </a:r>
-            <a:endParaRPr lang="en-US" altLang="ja-JP">
-              <a:latin typeface="メイリオ" panose="020B0604030504040204" pitchFamily="50" charset="-128"/>
-              <a:ea typeface="メイリオ" panose="020B0604030504040204" pitchFamily="50" charset="-128"/>
-            </a:endParaRPr>
-          </a:p>
-          <a:p>
-            <a:pPr marL="0" indent="0">
-              <a:lnSpc>
-                <a:spcPct val="100000"/>
-              </a:lnSpc>
-              <a:spcBef>
-                <a:spcPts val="600"/>
-              </a:spcBef>
-              <a:spcAft>
-                <a:spcPts val="600"/>
-              </a:spcAft>
-              <a:buNone/>
-            </a:pPr>
-            <a:r>
-              <a:rPr lang="en-US" altLang="ja-JP">
-                <a:latin typeface="メイリオ" panose="020B0604030504040204" pitchFamily="50" charset="-128"/>
-                <a:ea typeface="メイリオ" panose="020B0604030504040204" pitchFamily="50" charset="-128"/>
-              </a:rPr>
-              <a:t>1.3 </a:t>
-            </a:r>
-            <a:r>
-              <a:rPr lang="ja-JP" altLang="en-US">
-                <a:latin typeface="メイリオ" panose="020B0604030504040204" pitchFamily="50" charset="-128"/>
-                <a:ea typeface="メイリオ" panose="020B0604030504040204" pitchFamily="50" charset="-128"/>
-              </a:rPr>
-              <a:t>どこで役立つのか</a:t>
-            </a:r>
-            <a:endParaRPr lang="en-US" altLang="ja-JP">
-              <a:latin typeface="メイリオ" panose="020B0604030504040204" pitchFamily="50" charset="-128"/>
-              <a:ea typeface="メイリオ" panose="020B0604030504040204" pitchFamily="50" charset="-128"/>
-            </a:endParaRPr>
-          </a:p>
-          <a:p>
-            <a:pPr marL="0" indent="0">
-              <a:lnSpc>
-                <a:spcPct val="100000"/>
-              </a:lnSpc>
-              <a:spcBef>
-                <a:spcPts val="600"/>
-              </a:spcBef>
-              <a:spcAft>
-                <a:spcPts val="600"/>
-              </a:spcAft>
-              <a:buNone/>
-            </a:pPr>
-            <a:r>
-              <a:rPr lang="en-US" altLang="ja-JP">
-                <a:latin typeface="メイリオ" panose="020B0604030504040204" pitchFamily="50" charset="-128"/>
-                <a:ea typeface="メイリオ" panose="020B0604030504040204" pitchFamily="50" charset="-128"/>
-              </a:rPr>
-              <a:t>1.4 </a:t>
-            </a:r>
-            <a:r>
-              <a:rPr lang="ja-JP" altLang="en-US">
-                <a:latin typeface="メイリオ" panose="020B0604030504040204" pitchFamily="50" charset="-128"/>
-                <a:ea typeface="メイリオ" panose="020B0604030504040204" pitchFamily="50" charset="-128"/>
-              </a:rPr>
-              <a:t>何が難しいのか</a:t>
-            </a:r>
-            <a:endParaRPr lang="en-US" altLang="ja-JP">
-              <a:latin typeface="メイリオ" panose="020B0604030504040204" pitchFamily="50" charset="-128"/>
-              <a:ea typeface="メイリオ" panose="020B0604030504040204" pitchFamily="50" charset="-128"/>
-            </a:endParaRPr>
-          </a:p>
-          <a:p>
-            <a:pPr marL="0" indent="0">
-              <a:lnSpc>
-                <a:spcPct val="100000"/>
-              </a:lnSpc>
-              <a:spcBef>
-                <a:spcPts val="600"/>
-              </a:spcBef>
-              <a:spcAft>
-                <a:spcPts val="600"/>
-              </a:spcAft>
-              <a:buNone/>
-            </a:pPr>
-            <a:r>
-              <a:rPr lang="en-US" altLang="ja-JP">
-                <a:latin typeface="メイリオ" panose="020B0604030504040204" pitchFamily="50" charset="-128"/>
-                <a:ea typeface="メイリオ" panose="020B0604030504040204" pitchFamily="50" charset="-128"/>
-              </a:rPr>
-              <a:t>1.5 </a:t>
-            </a:r>
-            <a:r>
-              <a:rPr lang="ja-JP" altLang="en-US">
-                <a:latin typeface="メイリオ" panose="020B0604030504040204" pitchFamily="50" charset="-128"/>
-                <a:ea typeface="メイリオ" panose="020B0604030504040204" pitchFamily="50" charset="-128"/>
-              </a:rPr>
-              <a:t>本書のねらい</a:t>
-            </a:r>
-            <a:endParaRPr lang="en-US" altLang="ja-JP">
-              <a:latin typeface="メイリオ" panose="020B0604030504040204" pitchFamily="50" charset="-128"/>
-              <a:ea typeface="メイリオ" panose="020B0604030504040204" pitchFamily="50" charset="-128"/>
-            </a:endParaRPr>
-          </a:p>
-        </p:txBody>
-      </p:sp>
-    </p:spTree>
-    <p:extLst>
-      <p:ext uri="{BB962C8B-B14F-4D97-AF65-F5344CB8AC3E}">
-        <p14:creationId xmlns:p14="http://schemas.microsoft.com/office/powerpoint/2010/main" val="2941153007"/>
-      </p:ext>
-    </p:extLst>
-  </p:cSld>
-  <p:clrMapOvr>
-    <a:masterClrMapping/>
-  </p:clrMapOvr>
-</p:sld>
-</file>
-
-<file path=ppt/slides/slide3.xml><?xml version="1.0" encoding="utf-8"?>
-<p:sld xmlns:a="http://schemas.openxmlformats.org/drawingml/2006/main" xmlns:r="http://schemas.openxmlformats.org/officeDocument/2006/relationships" xmlns:p="http://schemas.openxmlformats.org/presentationml/2006/main">
-  <p:cSld>
-    <p:spTree>
-      <p:nvGrpSpPr>
-        <p:cNvPr id="1" name=""/>
-        <p:cNvGrpSpPr/>
-        <p:nvPr/>
-      </p:nvGrpSpPr>
-      <p:grpSpPr>
-        <a:xfrm>
-          <a:off x="0" y="0"/>
-          <a:ext cx="0" cy="0"/>
-          <a:chOff x="0" y="0"/>
-          <a:chExt cx="0" cy="0"/>
-        </a:xfrm>
-      </p:grpSpPr>
-      <p:sp>
-        <p:nvSpPr>
-          <p:cNvPr id="2" name="タイトル 1">
-            <a:extLst>
-              <a:ext uri="{FF2B5EF4-FFF2-40B4-BE49-F238E27FC236}">
-                <a16:creationId xmlns:a16="http://schemas.microsoft.com/office/drawing/2014/main" id="{6884715C-9165-483A-9401-1D235DC31BB2}"/>
-              </a:ext>
-            </a:extLst>
-          </p:cNvPr>
-          <p:cNvSpPr>
-            <a:spLocks noGrp="1"/>
-          </p:cNvSpPr>
-          <p:nvPr>
-            <p:ph type="title"/>
-          </p:nvPr>
-        </p:nvSpPr>
-        <p:spPr/>
-        <p:txBody>
-          <a:bodyPr/>
-          <a:lstStyle/>
-          <a:p>
-            <a:r>
-              <a:rPr lang="en-US" altLang="ja-JP">
-                <a:solidFill>
-                  <a:schemeClr val="accent1"/>
-                </a:solidFill>
-                <a:latin typeface="メイリオ" panose="020B0604030504040204" pitchFamily="50" charset="-128"/>
-                <a:ea typeface="メイリオ" panose="020B0604030504040204" pitchFamily="50" charset="-128"/>
-              </a:rPr>
-              <a:t>1.1 </a:t>
-            </a:r>
-            <a:r>
-              <a:rPr lang="ja-JP" altLang="en-US">
-                <a:solidFill>
-                  <a:schemeClr val="accent1"/>
-                </a:solidFill>
-                <a:latin typeface="メイリオ" panose="020B0604030504040204" pitchFamily="50" charset="-128"/>
-                <a:ea typeface="メイリオ" panose="020B0604030504040204" pitchFamily="50" charset="-128"/>
-              </a:rPr>
-              <a:t>音声認識とは</a:t>
-            </a:r>
-            <a:endParaRPr kumimoji="1" lang="ja-JP" altLang="en-US">
-              <a:solidFill>
-                <a:schemeClr val="accent1"/>
-              </a:solidFill>
-              <a:latin typeface="メイリオ" panose="020B0604030504040204" pitchFamily="50" charset="-128"/>
-              <a:ea typeface="メイリオ" panose="020B0604030504040204" pitchFamily="50" charset="-128"/>
-            </a:endParaRPr>
-          </a:p>
-        </p:txBody>
-      </p:sp>
-      <p:sp>
-        <p:nvSpPr>
-          <p:cNvPr id="3" name="コンテンツ プレースホルダー 2">
-            <a:extLst>
-              <a:ext uri="{FF2B5EF4-FFF2-40B4-BE49-F238E27FC236}">
-                <a16:creationId xmlns:a16="http://schemas.microsoft.com/office/drawing/2014/main" id="{91CFC393-CB3A-4852-85F8-B850944514E8}"/>
-              </a:ext>
-            </a:extLst>
-          </p:cNvPr>
-          <p:cNvSpPr>
-            <a:spLocks noGrp="1"/>
-          </p:cNvSpPr>
-          <p:nvPr>
-            <p:ph idx="1"/>
-          </p:nvPr>
-        </p:nvSpPr>
         <p:spPr>
           <a:xfrm>
-            <a:off x="628650" y="1514007"/>
-            <a:ext cx="4820275" cy="4849318"/>
+            <a:off x="740818" y="1521322"/>
+            <a:ext cx="5747764" cy="4849318"/>
           </a:xfrm>
         </p:spPr>
         <p:txBody>
@@ -4169,13 +3803,13 @@
               </a:spcAft>
             </a:pPr>
             <a:r>
-              <a:rPr lang="ja-JP" altLang="en-US">
+              <a:rPr lang="ja-JP" altLang="en-US" dirty="0">
                 <a:latin typeface="メイリオ" panose="020B0604030504040204" pitchFamily="50" charset="-128"/>
                 <a:ea typeface="メイリオ" panose="020B0604030504040204" pitchFamily="50" charset="-128"/>
               </a:rPr>
               <a:t>音声認識の定義</a:t>
             </a:r>
-            <a:endParaRPr lang="en-US" altLang="ja-JP">
+            <a:endParaRPr lang="en-US" altLang="ja-JP" dirty="0">
               <a:latin typeface="メイリオ" panose="020B0604030504040204" pitchFamily="50" charset="-128"/>
               <a:ea typeface="メイリオ" panose="020B0604030504040204" pitchFamily="50" charset="-128"/>
             </a:endParaRPr>
@@ -4193,26 +3827,13 @@
               </a:spcAft>
             </a:pPr>
             <a:r>
-              <a:rPr lang="ja-JP" altLang="en-US">
+              <a:rPr lang="ja-JP" altLang="en-US" dirty="0">
                 <a:latin typeface="メイリオ" panose="020B0604030504040204" pitchFamily="50" charset="-128"/>
                 <a:ea typeface="メイリオ" panose="020B0604030504040204" pitchFamily="50" charset="-128"/>
               </a:rPr>
-              <a:t>人間が声で話す言葉を文字に</a:t>
-            </a:r>
-            <a:br>
-              <a:rPr lang="en-US" altLang="ja-JP">
-                <a:latin typeface="メイリオ" panose="020B0604030504040204" pitchFamily="50" charset="-128"/>
-                <a:ea typeface="メイリオ" panose="020B0604030504040204" pitchFamily="50" charset="-128"/>
-              </a:rPr>
-            </a:br>
-            <a:r>
-              <a:rPr lang="ja-JP" altLang="en-US">
-                <a:latin typeface="メイリオ" panose="020B0604030504040204" pitchFamily="50" charset="-128"/>
-                <a:ea typeface="メイリオ" panose="020B0604030504040204" pitchFamily="50" charset="-128"/>
-              </a:rPr>
-              <a:t>変換する技術</a:t>
-            </a:r>
-            <a:endParaRPr lang="en-US" altLang="ja-JP">
+              <a:t>人間が声で話す言葉を文字に変換する技術</a:t>
+            </a:r>
+            <a:endParaRPr lang="en-US" altLang="ja-JP" dirty="0">
               <a:latin typeface="メイリオ" panose="020B0604030504040204" pitchFamily="50" charset="-128"/>
               <a:ea typeface="メイリオ" panose="020B0604030504040204" pitchFamily="50" charset="-128"/>
             </a:endParaRPr>
@@ -4230,13 +3851,13 @@
               </a:spcAft>
             </a:pPr>
             <a:r>
-              <a:rPr lang="ja-JP" altLang="en-US">
+              <a:rPr lang="ja-JP" altLang="en-US" dirty="0">
                 <a:latin typeface="メイリオ" panose="020B0604030504040204" pitchFamily="50" charset="-128"/>
                 <a:ea typeface="メイリオ" panose="020B0604030504040204" pitchFamily="50" charset="-128"/>
               </a:rPr>
               <a:t>機械可読な意味表現に変換するところまでを含む場合もある</a:t>
             </a:r>
-            <a:endParaRPr lang="en-US" altLang="ja-JP">
+            <a:endParaRPr lang="en-US" altLang="ja-JP" dirty="0">
               <a:latin typeface="メイリオ" panose="020B0604030504040204" pitchFamily="50" charset="-128"/>
               <a:ea typeface="メイリオ" panose="020B0604030504040204" pitchFamily="50" charset="-128"/>
             </a:endParaRPr>
@@ -4254,13 +3875,13 @@
               </a:spcAft>
             </a:pPr>
             <a:r>
-              <a:rPr lang="ja-JP" altLang="en-US">
+              <a:rPr lang="ja-JP" altLang="en-US" dirty="0">
                 <a:latin typeface="メイリオ" panose="020B0604030504040204" pitchFamily="50" charset="-128"/>
                 <a:ea typeface="メイリオ" panose="020B0604030504040204" pitchFamily="50" charset="-128"/>
               </a:rPr>
               <a:t>音声認識における問題設定</a:t>
             </a:r>
-            <a:endParaRPr lang="en-US" altLang="ja-JP">
+            <a:endParaRPr lang="en-US" altLang="ja-JP" dirty="0">
               <a:latin typeface="メイリオ" panose="020B0604030504040204" pitchFamily="50" charset="-128"/>
               <a:ea typeface="メイリオ" panose="020B0604030504040204" pitchFamily="50" charset="-128"/>
             </a:endParaRPr>
@@ -4278,13 +3899,13 @@
               </a:spcAft>
             </a:pPr>
             <a:r>
-              <a:rPr lang="ja-JP" altLang="en-US">
+              <a:rPr lang="ja-JP" altLang="en-US" dirty="0">
                 <a:latin typeface="メイリオ" panose="020B0604030504040204" pitchFamily="50" charset="-128"/>
                 <a:ea typeface="メイリオ" panose="020B0604030504040204" pitchFamily="50" charset="-128"/>
               </a:rPr>
               <a:t>使用環境</a:t>
             </a:r>
-            <a:endParaRPr lang="en-US" altLang="ja-JP">
+            <a:endParaRPr lang="en-US" altLang="ja-JP" dirty="0">
               <a:latin typeface="メイリオ" panose="020B0604030504040204" pitchFamily="50" charset="-128"/>
               <a:ea typeface="メイリオ" panose="020B0604030504040204" pitchFamily="50" charset="-128"/>
             </a:endParaRPr>
@@ -4302,13 +3923,13 @@
               </a:spcAft>
             </a:pPr>
             <a:r>
-              <a:rPr lang="ja-JP" altLang="en-US">
+              <a:rPr lang="ja-JP" altLang="en-US" dirty="0">
                 <a:latin typeface="メイリオ" panose="020B0604030504040204" pitchFamily="50" charset="-128"/>
                 <a:ea typeface="メイリオ" panose="020B0604030504040204" pitchFamily="50" charset="-128"/>
               </a:rPr>
               <a:t>利用者</a:t>
             </a:r>
-            <a:endParaRPr lang="en-US" altLang="ja-JP">
+            <a:endParaRPr lang="en-US" altLang="ja-JP" dirty="0">
               <a:latin typeface="メイリオ" panose="020B0604030504040204" pitchFamily="50" charset="-128"/>
               <a:ea typeface="メイリオ" panose="020B0604030504040204" pitchFamily="50" charset="-128"/>
             </a:endParaRPr>
@@ -4326,13 +3947,13 @@
               </a:spcAft>
             </a:pPr>
             <a:r>
-              <a:rPr lang="ja-JP" altLang="en-US">
+              <a:rPr lang="ja-JP" altLang="en-US" dirty="0">
                 <a:latin typeface="メイリオ" panose="020B0604030504040204" pitchFamily="50" charset="-128"/>
                 <a:ea typeface="メイリオ" panose="020B0604030504040204" pitchFamily="50" charset="-128"/>
               </a:rPr>
               <a:t>単語数</a:t>
             </a:r>
-            <a:endParaRPr lang="en-US" altLang="ja-JP">
+            <a:endParaRPr lang="en-US" altLang="ja-JP" dirty="0">
               <a:latin typeface="メイリオ" panose="020B0604030504040204" pitchFamily="50" charset="-128"/>
               <a:ea typeface="メイリオ" panose="020B0604030504040204" pitchFamily="50" charset="-128"/>
             </a:endParaRPr>
@@ -4350,13 +3971,13 @@
               </a:spcAft>
             </a:pPr>
             <a:r>
-              <a:rPr lang="ja-JP" altLang="en-US">
+              <a:rPr lang="ja-JP" altLang="en-US" dirty="0">
                 <a:latin typeface="メイリオ" panose="020B0604030504040204" pitchFamily="50" charset="-128"/>
                 <a:ea typeface="メイリオ" panose="020B0604030504040204" pitchFamily="50" charset="-128"/>
               </a:rPr>
               <a:t>出力</a:t>
             </a:r>
-            <a:endParaRPr lang="en-US" altLang="ja-JP">
+            <a:endParaRPr lang="en-US" altLang="ja-JP" dirty="0">
               <a:latin typeface="メイリオ" panose="020B0604030504040204" pitchFamily="50" charset="-128"/>
               <a:ea typeface="メイリオ" panose="020B0604030504040204" pitchFamily="50" charset="-128"/>
             </a:endParaRPr>
@@ -4391,7 +4012,7 @@
         </p:blipFill>
         <p:spPr>
           <a:xfrm>
-            <a:off x="5377352" y="937133"/>
+            <a:off x="7084233" y="921240"/>
             <a:ext cx="3511815" cy="5600895"/>
           </a:xfrm>
           <a:prstGeom prst="rect">
@@ -4412,7 +4033,7 @@
 </p:sld>
 </file>
 
-<file path=ppt/slides/slide4.xml><?xml version="1.0" encoding="utf-8"?>
+<file path=ppt/slides/slide3.xml><?xml version="1.0" encoding="utf-8"?>
 <p:sld xmlns:a="http://schemas.openxmlformats.org/drawingml/2006/main" xmlns:r="http://schemas.openxmlformats.org/officeDocument/2006/relationships" xmlns:p="http://schemas.openxmlformats.org/presentationml/2006/main">
   <p:cSld>
     <p:spTree>
@@ -4445,13 +4066,18 @@
             <p:ph type="title"/>
           </p:nvPr>
         </p:nvSpPr>
-        <p:spPr/>
+        <p:spPr>
+          <a:xfrm>
+            <a:off x="838200" y="365126"/>
+            <a:ext cx="10515600" cy="871144"/>
+          </a:xfrm>
+        </p:spPr>
         <p:txBody>
           <a:bodyPr/>
           <a:lstStyle/>
           <a:p>
             <a:r>
-              <a:rPr lang="en-US" altLang="ja-JP">
+              <a:rPr lang="en-US" altLang="ja-JP" dirty="0">
                 <a:solidFill>
                   <a:schemeClr val="accent1"/>
                 </a:solidFill>
@@ -4461,7 +4087,7 @@
               <a:t>1.2 </a:t>
             </a:r>
             <a:r>
-              <a:rPr lang="ja-JP" altLang="en-US">
+              <a:rPr lang="ja-JP" altLang="en-US" dirty="0">
                 <a:solidFill>
                   <a:schemeClr val="accent1"/>
                 </a:solidFill>
@@ -4470,7 +4096,7 @@
               </a:rPr>
               <a:t>音声認識の歴史</a:t>
             </a:r>
-            <a:endParaRPr lang="en-US" altLang="ja-JP">
+            <a:endParaRPr lang="en-US" altLang="ja-JP" dirty="0">
               <a:solidFill>
                 <a:schemeClr val="accent1"/>
               </a:solidFill>
@@ -4508,7 +4134,7 @@
         </p:blipFill>
         <p:spPr>
           <a:xfrm>
-            <a:off x="833215" y="1338423"/>
+            <a:off x="2357216" y="1338423"/>
             <a:ext cx="5942335" cy="5227116"/>
           </a:xfrm>
           <a:prstGeom prst="rect">
@@ -4530,7 +4156,7 @@
         </p:nvSpPr>
         <p:spPr>
           <a:xfrm>
-            <a:off x="6715589" y="1338423"/>
+            <a:off x="8239589" y="1338423"/>
             <a:ext cx="2236510" cy="1077218"/>
           </a:xfrm>
           <a:prstGeom prst="rect">
@@ -4551,32 +4177,32 @@
           <a:lstStyle/>
           <a:p>
             <a:r>
-              <a:rPr kumimoji="1" lang="en-US" altLang="ja-JP" sz="1600"/>
+              <a:rPr lang="en-US" altLang="ja-JP" sz="1600"/>
               <a:t>2015</a:t>
             </a:r>
             <a:r>
-              <a:rPr kumimoji="1" lang="ja-JP" altLang="en-US" sz="1600"/>
+              <a:rPr lang="ja-JP" altLang="en-US" sz="1600"/>
               <a:t>年以降</a:t>
             </a:r>
-            <a:endParaRPr kumimoji="1" lang="en-US" altLang="ja-JP" sz="1600"/>
-          </a:p>
-          <a:p>
-            <a:r>
-              <a:rPr kumimoji="1" lang="ja-JP" altLang="en-US" sz="1600"/>
+            <a:endParaRPr lang="en-US" altLang="ja-JP" sz="1600"/>
+          </a:p>
+          <a:p>
+            <a:r>
+              <a:rPr lang="ja-JP" altLang="en-US" sz="1600"/>
               <a:t>・ロボットの音声</a:t>
             </a:r>
-            <a:endParaRPr kumimoji="1" lang="en-US" altLang="ja-JP" sz="1600"/>
-          </a:p>
-          <a:p>
-            <a:r>
-              <a:rPr kumimoji="1" lang="ja-JP" altLang="en-US" sz="1600"/>
+            <a:endParaRPr lang="en-US" altLang="ja-JP" sz="1600"/>
+          </a:p>
+          <a:p>
+            <a:r>
+              <a:rPr lang="ja-JP" altLang="en-US" sz="1600"/>
               <a:t>　インタフェース</a:t>
             </a:r>
-            <a:endParaRPr kumimoji="1" lang="en-US" altLang="ja-JP" sz="1600"/>
-          </a:p>
-          <a:p>
-            <a:r>
-              <a:rPr kumimoji="1" lang="ja-JP" altLang="en-US" sz="1600"/>
+            <a:endParaRPr lang="en-US" altLang="ja-JP" sz="1600"/>
+          </a:p>
+          <a:p>
+            <a:r>
+              <a:rPr lang="ja-JP" altLang="en-US" sz="1600"/>
               <a:t>・スマートスピーカー</a:t>
             </a:r>
           </a:p>
@@ -4586,6 +4212,289 @@
     <p:extLst>
       <p:ext uri="{BB962C8B-B14F-4D97-AF65-F5344CB8AC3E}">
         <p14:creationId xmlns:p14="http://schemas.microsoft.com/office/powerpoint/2010/main" val="2545713962"/>
+      </p:ext>
+    </p:extLst>
+  </p:cSld>
+  <p:clrMapOvr>
+    <a:masterClrMapping/>
+  </p:clrMapOvr>
+</p:sld>
+</file>
+
+<file path=ppt/slides/slide4.xml><?xml version="1.0" encoding="utf-8"?>
+<p:sld xmlns:a="http://schemas.openxmlformats.org/drawingml/2006/main" xmlns:r="http://schemas.openxmlformats.org/officeDocument/2006/relationships" xmlns:p="http://schemas.openxmlformats.org/presentationml/2006/main">
+  <p:cSld>
+    <p:spTree>
+      <p:nvGrpSpPr>
+        <p:cNvPr id="1" name=""/>
+        <p:cNvGrpSpPr/>
+        <p:nvPr/>
+      </p:nvGrpSpPr>
+      <p:grpSpPr>
+        <a:xfrm>
+          <a:off x="0" y="0"/>
+          <a:ext cx="0" cy="0"/>
+          <a:chOff x="0" y="0"/>
+          <a:chExt cx="0" cy="0"/>
+        </a:xfrm>
+      </p:grpSpPr>
+      <p:sp>
+        <p:nvSpPr>
+          <p:cNvPr id="2" name="タイトル 1">
+            <a:extLst>
+              <a:ext uri="{FF2B5EF4-FFF2-40B4-BE49-F238E27FC236}">
+                <a16:creationId xmlns:a16="http://schemas.microsoft.com/office/drawing/2014/main" id="{6884715C-9165-483A-9401-1D235DC31BB2}"/>
+              </a:ext>
+            </a:extLst>
+          </p:cNvPr>
+          <p:cNvSpPr>
+            <a:spLocks noGrp="1"/>
+          </p:cNvSpPr>
+          <p:nvPr>
+            <p:ph type="title"/>
+          </p:nvPr>
+        </p:nvSpPr>
+        <p:spPr>
+          <a:xfrm>
+            <a:off x="838200" y="365126"/>
+            <a:ext cx="10515600" cy="834568"/>
+          </a:xfrm>
+        </p:spPr>
+        <p:txBody>
+          <a:bodyPr/>
+          <a:lstStyle/>
+          <a:p>
+            <a:r>
+              <a:rPr lang="en-US" altLang="ja-JP" dirty="0">
+                <a:solidFill>
+                  <a:schemeClr val="accent1"/>
+                </a:solidFill>
+                <a:latin typeface="メイリオ" panose="020B0604030504040204" pitchFamily="50" charset="-128"/>
+                <a:ea typeface="メイリオ" panose="020B0604030504040204" pitchFamily="50" charset="-128"/>
+              </a:rPr>
+              <a:t>1.3 </a:t>
+            </a:r>
+            <a:r>
+              <a:rPr lang="ja-JP" altLang="en-US" dirty="0">
+                <a:solidFill>
+                  <a:schemeClr val="accent1"/>
+                </a:solidFill>
+                <a:latin typeface="メイリオ" panose="020B0604030504040204" pitchFamily="50" charset="-128"/>
+                <a:ea typeface="メイリオ" panose="020B0604030504040204" pitchFamily="50" charset="-128"/>
+              </a:rPr>
+              <a:t>どこで役立つのか</a:t>
+            </a:r>
+            <a:endParaRPr lang="en-US" altLang="ja-JP" dirty="0">
+              <a:solidFill>
+                <a:schemeClr val="accent1"/>
+              </a:solidFill>
+              <a:latin typeface="メイリオ" panose="020B0604030504040204" pitchFamily="50" charset="-128"/>
+              <a:ea typeface="メイリオ" panose="020B0604030504040204" pitchFamily="50" charset="-128"/>
+            </a:endParaRPr>
+          </a:p>
+        </p:txBody>
+      </p:sp>
+      <p:sp>
+        <p:nvSpPr>
+          <p:cNvPr id="3" name="コンテンツ プレースホルダー 2">
+            <a:extLst>
+              <a:ext uri="{FF2B5EF4-FFF2-40B4-BE49-F238E27FC236}">
+                <a16:creationId xmlns:a16="http://schemas.microsoft.com/office/drawing/2014/main" id="{91CFC393-CB3A-4852-85F8-B850944514E8}"/>
+              </a:ext>
+            </a:extLst>
+          </p:cNvPr>
+          <p:cNvSpPr>
+            <a:spLocks noGrp="1"/>
+          </p:cNvSpPr>
+          <p:nvPr>
+            <p:ph idx="1"/>
+          </p:nvPr>
+        </p:nvSpPr>
+        <p:spPr>
+          <a:xfrm>
+            <a:off x="838200" y="1426464"/>
+            <a:ext cx="10515600" cy="4750499"/>
+          </a:xfrm>
+        </p:spPr>
+        <p:txBody>
+          <a:bodyPr>
+            <a:normAutofit fontScale="92500"/>
+          </a:bodyPr>
+          <a:lstStyle/>
+          <a:p>
+            <a:pPr>
+              <a:lnSpc>
+                <a:spcPct val="100000"/>
+              </a:lnSpc>
+              <a:spcBef>
+                <a:spcPts val="600"/>
+              </a:spcBef>
+              <a:spcAft>
+                <a:spcPts val="600"/>
+              </a:spcAft>
+            </a:pPr>
+            <a:r>
+              <a:rPr lang="ja-JP" altLang="en-US" dirty="0">
+                <a:latin typeface="メイリオ" panose="020B0604030504040204" pitchFamily="50" charset="-128"/>
+                <a:ea typeface="メイリオ" panose="020B0604030504040204" pitchFamily="50" charset="-128"/>
+              </a:rPr>
+              <a:t>ヒューマンインタフェースとして</a:t>
+            </a:r>
+            <a:endParaRPr lang="en-US" altLang="ja-JP" dirty="0">
+              <a:latin typeface="メイリオ" panose="020B0604030504040204" pitchFamily="50" charset="-128"/>
+              <a:ea typeface="メイリオ" panose="020B0604030504040204" pitchFamily="50" charset="-128"/>
+            </a:endParaRPr>
+          </a:p>
+          <a:p>
+            <a:pPr lvl="1">
+              <a:lnSpc>
+                <a:spcPct val="100000"/>
+              </a:lnSpc>
+              <a:spcBef>
+                <a:spcPts val="600"/>
+              </a:spcBef>
+              <a:spcAft>
+                <a:spcPts val="600"/>
+              </a:spcAft>
+            </a:pPr>
+            <a:r>
+              <a:rPr lang="ja-JP" altLang="en-US" sz="2800" dirty="0">
+                <a:latin typeface="メイリオ" panose="020B0604030504040204" pitchFamily="50" charset="-128"/>
+                <a:ea typeface="メイリオ" panose="020B0604030504040204" pitchFamily="50" charset="-128"/>
+              </a:rPr>
+              <a:t>携帯端末（スマートフォン、タブレット）や家電・スマートスピーカーなどへの入力手段</a:t>
+            </a:r>
+            <a:endParaRPr lang="en-US" altLang="ja-JP" sz="2800" dirty="0">
+              <a:latin typeface="メイリオ" panose="020B0604030504040204" pitchFamily="50" charset="-128"/>
+              <a:ea typeface="メイリオ" panose="020B0604030504040204" pitchFamily="50" charset="-128"/>
+            </a:endParaRPr>
+          </a:p>
+          <a:p>
+            <a:pPr lvl="1">
+              <a:lnSpc>
+                <a:spcPct val="100000"/>
+              </a:lnSpc>
+              <a:spcBef>
+                <a:spcPts val="600"/>
+              </a:spcBef>
+              <a:spcAft>
+                <a:spcPts val="600"/>
+              </a:spcAft>
+            </a:pPr>
+            <a:r>
+              <a:rPr lang="ja-JP" altLang="en-US" sz="2800" dirty="0">
+                <a:latin typeface="メイリオ" panose="020B0604030504040204" pitchFamily="50" charset="-128"/>
+                <a:ea typeface="メイリオ" panose="020B0604030504040204" pitchFamily="50" charset="-128"/>
+              </a:rPr>
+              <a:t>カーナビなど、ハンズフリーが要求される状況</a:t>
+            </a:r>
+            <a:endParaRPr lang="en-US" altLang="ja-JP" sz="2800" dirty="0">
+              <a:latin typeface="メイリオ" panose="020B0604030504040204" pitchFamily="50" charset="-128"/>
+              <a:ea typeface="メイリオ" panose="020B0604030504040204" pitchFamily="50" charset="-128"/>
+            </a:endParaRPr>
+          </a:p>
+          <a:p>
+            <a:pPr>
+              <a:lnSpc>
+                <a:spcPct val="100000"/>
+              </a:lnSpc>
+              <a:spcBef>
+                <a:spcPts val="600"/>
+              </a:spcBef>
+              <a:spcAft>
+                <a:spcPts val="600"/>
+              </a:spcAft>
+            </a:pPr>
+            <a:r>
+              <a:rPr lang="ja-JP" altLang="en-US" dirty="0">
+                <a:latin typeface="メイリオ" panose="020B0604030504040204" pitchFamily="50" charset="-128"/>
+                <a:ea typeface="メイリオ" panose="020B0604030504040204" pitchFamily="50" charset="-128"/>
+              </a:rPr>
+              <a:t>情報蓄積・検索</a:t>
+            </a:r>
+            <a:endParaRPr lang="en-US" altLang="ja-JP" dirty="0">
+              <a:latin typeface="メイリオ" panose="020B0604030504040204" pitchFamily="50" charset="-128"/>
+              <a:ea typeface="メイリオ" panose="020B0604030504040204" pitchFamily="50" charset="-128"/>
+            </a:endParaRPr>
+          </a:p>
+          <a:p>
+            <a:pPr lvl="1">
+              <a:lnSpc>
+                <a:spcPct val="100000"/>
+              </a:lnSpc>
+              <a:spcBef>
+                <a:spcPts val="600"/>
+              </a:spcBef>
+              <a:spcAft>
+                <a:spcPts val="600"/>
+              </a:spcAft>
+            </a:pPr>
+            <a:r>
+              <a:rPr lang="ja-JP" altLang="en-US" sz="2800" dirty="0">
+                <a:latin typeface="メイリオ" panose="020B0604030504040204" pitchFamily="50" charset="-128"/>
+                <a:ea typeface="メイリオ" panose="020B0604030504040204" pitchFamily="50" charset="-128"/>
+              </a:rPr>
+              <a:t>会議の議事録作成</a:t>
+            </a:r>
+            <a:endParaRPr lang="en-US" altLang="ja-JP" sz="2800" dirty="0">
+              <a:latin typeface="メイリオ" panose="020B0604030504040204" pitchFamily="50" charset="-128"/>
+              <a:ea typeface="メイリオ" panose="020B0604030504040204" pitchFamily="50" charset="-128"/>
+            </a:endParaRPr>
+          </a:p>
+          <a:p>
+            <a:pPr lvl="1">
+              <a:lnSpc>
+                <a:spcPct val="100000"/>
+              </a:lnSpc>
+              <a:spcBef>
+                <a:spcPts val="600"/>
+              </a:spcBef>
+              <a:spcAft>
+                <a:spcPts val="600"/>
+              </a:spcAft>
+            </a:pPr>
+            <a:r>
+              <a:rPr lang="ja-JP" altLang="en-US" sz="2800" dirty="0">
+                <a:latin typeface="メイリオ" panose="020B0604030504040204" pitchFamily="50" charset="-128"/>
+                <a:ea typeface="メイリオ" panose="020B0604030504040204" pitchFamily="50" charset="-128"/>
+              </a:rPr>
+              <a:t>テレビ放送・動画への字幕付与</a:t>
+            </a:r>
+            <a:endParaRPr lang="en-US" altLang="ja-JP" sz="2800" dirty="0">
+              <a:latin typeface="メイリオ" panose="020B0604030504040204" pitchFamily="50" charset="-128"/>
+              <a:ea typeface="メイリオ" panose="020B0604030504040204" pitchFamily="50" charset="-128"/>
+            </a:endParaRPr>
+          </a:p>
+          <a:p>
+            <a:pPr lvl="1">
+              <a:lnSpc>
+                <a:spcPct val="100000"/>
+              </a:lnSpc>
+              <a:spcBef>
+                <a:spcPts val="600"/>
+              </a:spcBef>
+              <a:spcAft>
+                <a:spcPts val="600"/>
+              </a:spcAft>
+            </a:pPr>
+            <a:r>
+              <a:rPr lang="ja-JP" altLang="en-US" sz="2800" dirty="0">
+                <a:latin typeface="メイリオ" panose="020B0604030504040204" pitchFamily="50" charset="-128"/>
+                <a:ea typeface="メイリオ" panose="020B0604030504040204" pitchFamily="50" charset="-128"/>
+              </a:rPr>
+              <a:t>音声検索</a:t>
+            </a:r>
+            <a:endParaRPr lang="en-US" altLang="ja-JP" sz="2800" dirty="0">
+              <a:latin typeface="メイリオ" panose="020B0604030504040204" pitchFamily="50" charset="-128"/>
+              <a:ea typeface="メイリオ" panose="020B0604030504040204" pitchFamily="50" charset="-128"/>
+            </a:endParaRPr>
+          </a:p>
+        </p:txBody>
+      </p:sp>
+    </p:spTree>
+    <p:extLst>
+      <p:ext uri="{BB962C8B-B14F-4D97-AF65-F5344CB8AC3E}">
+        <p14:creationId xmlns:p14="http://schemas.microsoft.com/office/powerpoint/2010/main" val="2001234307"/>
       </p:ext>
     </p:extLst>
   </p:cSld>
@@ -4628,32 +4537,37 @@
             <p:ph type="title"/>
           </p:nvPr>
         </p:nvSpPr>
-        <p:spPr/>
+        <p:spPr>
+          <a:xfrm>
+            <a:off x="838200" y="365126"/>
+            <a:ext cx="10515600" cy="922350"/>
+          </a:xfrm>
+        </p:spPr>
         <p:txBody>
           <a:bodyPr/>
           <a:lstStyle/>
           <a:p>
             <a:r>
-              <a:rPr lang="en-US" altLang="ja-JP">
+              <a:rPr lang="en-US" altLang="ja-JP" dirty="0">
                 <a:solidFill>
                   <a:schemeClr val="accent1"/>
                 </a:solidFill>
                 <a:latin typeface="メイリオ" panose="020B0604030504040204" pitchFamily="50" charset="-128"/>
                 <a:ea typeface="メイリオ" panose="020B0604030504040204" pitchFamily="50" charset="-128"/>
               </a:rPr>
-              <a:t>1.3 </a:t>
-            </a:r>
-            <a:r>
-              <a:rPr lang="ja-JP" altLang="en-US">
+              <a:t>1.4 </a:t>
+            </a:r>
+            <a:r>
+              <a:rPr lang="ja-JP" altLang="en-US" dirty="0">
                 <a:solidFill>
                   <a:schemeClr val="accent1"/>
                 </a:solidFill>
                 <a:latin typeface="メイリオ" panose="020B0604030504040204" pitchFamily="50" charset="-128"/>
                 <a:ea typeface="メイリオ" panose="020B0604030504040204" pitchFamily="50" charset="-128"/>
               </a:rPr>
-              <a:t>どこで役立つのか</a:t>
-            </a:r>
-            <a:endParaRPr lang="en-US" altLang="ja-JP">
+              <a:t>何が難しいのか</a:t>
+            </a:r>
+            <a:endParaRPr lang="en-US" altLang="ja-JP" dirty="0">
               <a:solidFill>
                 <a:schemeClr val="accent1"/>
               </a:solidFill>
@@ -4663,202 +4577,45 @@
           </a:p>
         </p:txBody>
       </p:sp>
-      <p:sp>
-        <p:nvSpPr>
-          <p:cNvPr id="3" name="コンテンツ プレースホルダー 2">
+      <p:pic>
+        <p:nvPicPr>
+          <p:cNvPr id="5" name="コンテンツ プレースホルダー 4">
             <a:extLst>
               <a:ext uri="{FF2B5EF4-FFF2-40B4-BE49-F238E27FC236}">
-                <a16:creationId xmlns:a16="http://schemas.microsoft.com/office/drawing/2014/main" id="{91CFC393-CB3A-4852-85F8-B850944514E8}"/>
+                <a16:creationId xmlns:a16="http://schemas.microsoft.com/office/drawing/2014/main" id="{E8823C15-F587-4C6C-A7DC-F4B8DCF83B5C}"/>
               </a:ext>
             </a:extLst>
           </p:cNvPr>
-          <p:cNvSpPr>
-            <a:spLocks noGrp="1"/>
-          </p:cNvSpPr>
+          <p:cNvPicPr>
+            <a:picLocks noGrp="1" noChangeAspect="1"/>
+          </p:cNvPicPr>
           <p:nvPr>
             <p:ph idx="1"/>
           </p:nvPr>
-        </p:nvSpPr>
-        <p:spPr/>
-        <p:txBody>
-          <a:bodyPr>
-            <a:normAutofit fontScale="92500"/>
-          </a:bodyPr>
-          <a:lstStyle/>
-          <a:p>
-            <a:pPr>
-              <a:lnSpc>
-                <a:spcPct val="100000"/>
-              </a:lnSpc>
-              <a:spcBef>
-                <a:spcPts val="600"/>
-              </a:spcBef>
-              <a:spcAft>
-                <a:spcPts val="600"/>
-              </a:spcAft>
-            </a:pPr>
-            <a:r>
-              <a:rPr lang="ja-JP" altLang="en-US">
-                <a:latin typeface="メイリオ" panose="020B0604030504040204" pitchFamily="50" charset="-128"/>
-                <a:ea typeface="メイリオ" panose="020B0604030504040204" pitchFamily="50" charset="-128"/>
-              </a:rPr>
-              <a:t>ヒューマンインタフェースとして</a:t>
-            </a:r>
-            <a:endParaRPr lang="en-US" altLang="ja-JP">
-              <a:latin typeface="メイリオ" panose="020B0604030504040204" pitchFamily="50" charset="-128"/>
-              <a:ea typeface="メイリオ" panose="020B0604030504040204" pitchFamily="50" charset="-128"/>
-            </a:endParaRPr>
-          </a:p>
-          <a:p>
-            <a:pPr lvl="1">
-              <a:lnSpc>
-                <a:spcPct val="100000"/>
-              </a:lnSpc>
-              <a:spcBef>
-                <a:spcPts val="600"/>
-              </a:spcBef>
-              <a:spcAft>
-                <a:spcPts val="600"/>
-              </a:spcAft>
-            </a:pPr>
-            <a:r>
-              <a:rPr lang="ja-JP" altLang="en-US" sz="2800">
-                <a:latin typeface="メイリオ" panose="020B0604030504040204" pitchFamily="50" charset="-128"/>
-                <a:ea typeface="メイリオ" panose="020B0604030504040204" pitchFamily="50" charset="-128"/>
-              </a:rPr>
-              <a:t>携帯端末（スマートフォン、タブレット）や家電・スマートスピーカーなどへの入力手段</a:t>
-            </a:r>
-            <a:endParaRPr lang="en-US" altLang="ja-JP" sz="2800">
-              <a:latin typeface="メイリオ" panose="020B0604030504040204" pitchFamily="50" charset="-128"/>
-              <a:ea typeface="メイリオ" panose="020B0604030504040204" pitchFamily="50" charset="-128"/>
-            </a:endParaRPr>
-          </a:p>
-          <a:p>
-            <a:pPr lvl="1">
-              <a:lnSpc>
-                <a:spcPct val="100000"/>
-              </a:lnSpc>
-              <a:spcBef>
-                <a:spcPts val="600"/>
-              </a:spcBef>
-              <a:spcAft>
-                <a:spcPts val="600"/>
-              </a:spcAft>
-            </a:pPr>
-            <a:r>
-              <a:rPr lang="ja-JP" altLang="en-US" sz="2800">
-                <a:latin typeface="メイリオ" panose="020B0604030504040204" pitchFamily="50" charset="-128"/>
-                <a:ea typeface="メイリオ" panose="020B0604030504040204" pitchFamily="50" charset="-128"/>
-              </a:rPr>
-              <a:t>カーナビなど、ハンズフリーが要求される状況</a:t>
-            </a:r>
-            <a:endParaRPr lang="en-US" altLang="ja-JP" sz="2800">
-              <a:latin typeface="メイリオ" panose="020B0604030504040204" pitchFamily="50" charset="-128"/>
-              <a:ea typeface="メイリオ" panose="020B0604030504040204" pitchFamily="50" charset="-128"/>
-            </a:endParaRPr>
-          </a:p>
-          <a:p>
-            <a:pPr>
-              <a:lnSpc>
-                <a:spcPct val="100000"/>
-              </a:lnSpc>
-              <a:spcBef>
-                <a:spcPts val="600"/>
-              </a:spcBef>
-              <a:spcAft>
-                <a:spcPts val="600"/>
-              </a:spcAft>
-            </a:pPr>
-            <a:r>
-              <a:rPr lang="ja-JP" altLang="en-US">
-                <a:latin typeface="メイリオ" panose="020B0604030504040204" pitchFamily="50" charset="-128"/>
-                <a:ea typeface="メイリオ" panose="020B0604030504040204" pitchFamily="50" charset="-128"/>
-              </a:rPr>
-              <a:t>情報蓄積・検索</a:t>
-            </a:r>
-            <a:endParaRPr lang="en-US" altLang="ja-JP">
-              <a:latin typeface="メイリオ" panose="020B0604030504040204" pitchFamily="50" charset="-128"/>
-              <a:ea typeface="メイリオ" panose="020B0604030504040204" pitchFamily="50" charset="-128"/>
-            </a:endParaRPr>
-          </a:p>
-          <a:p>
-            <a:pPr lvl="1">
-              <a:lnSpc>
-                <a:spcPct val="100000"/>
-              </a:lnSpc>
-              <a:spcBef>
-                <a:spcPts val="600"/>
-              </a:spcBef>
-              <a:spcAft>
-                <a:spcPts val="600"/>
-              </a:spcAft>
-            </a:pPr>
-            <a:r>
-              <a:rPr lang="ja-JP" altLang="en-US" sz="2800">
-                <a:latin typeface="メイリオ" panose="020B0604030504040204" pitchFamily="50" charset="-128"/>
-                <a:ea typeface="メイリオ" panose="020B0604030504040204" pitchFamily="50" charset="-128"/>
-              </a:rPr>
-              <a:t>会議の議事録作成</a:t>
-            </a:r>
-            <a:endParaRPr lang="en-US" altLang="ja-JP" sz="2800">
-              <a:latin typeface="メイリオ" panose="020B0604030504040204" pitchFamily="50" charset="-128"/>
-              <a:ea typeface="メイリオ" panose="020B0604030504040204" pitchFamily="50" charset="-128"/>
-            </a:endParaRPr>
-          </a:p>
-          <a:p>
-            <a:pPr lvl="1">
-              <a:lnSpc>
-                <a:spcPct val="100000"/>
-              </a:lnSpc>
-              <a:spcBef>
-                <a:spcPts val="600"/>
-              </a:spcBef>
-              <a:spcAft>
-                <a:spcPts val="600"/>
-              </a:spcAft>
-            </a:pPr>
-            <a:r>
-              <a:rPr lang="ja-JP" altLang="en-US" sz="2800">
-                <a:latin typeface="メイリオ" panose="020B0604030504040204" pitchFamily="50" charset="-128"/>
-                <a:ea typeface="メイリオ" panose="020B0604030504040204" pitchFamily="50" charset="-128"/>
-              </a:rPr>
-              <a:t>テレビ放送・動画への字幕付与</a:t>
-            </a:r>
-            <a:endParaRPr lang="en-US" altLang="ja-JP" sz="2800">
-              <a:latin typeface="メイリオ" panose="020B0604030504040204" pitchFamily="50" charset="-128"/>
-              <a:ea typeface="メイリオ" panose="020B0604030504040204" pitchFamily="50" charset="-128"/>
-            </a:endParaRPr>
-          </a:p>
-          <a:p>
-            <a:pPr lvl="1">
-              <a:lnSpc>
-                <a:spcPct val="100000"/>
-              </a:lnSpc>
-              <a:spcBef>
-                <a:spcPts val="600"/>
-              </a:spcBef>
-              <a:spcAft>
-                <a:spcPts val="600"/>
-              </a:spcAft>
-            </a:pPr>
-            <a:r>
-              <a:rPr lang="ja-JP" altLang="en-US" sz="2800">
-                <a:latin typeface="メイリオ" panose="020B0604030504040204" pitchFamily="50" charset="-128"/>
-                <a:ea typeface="メイリオ" panose="020B0604030504040204" pitchFamily="50" charset="-128"/>
-              </a:rPr>
-              <a:t>音声検索</a:t>
-            </a:r>
-            <a:endParaRPr lang="en-US" altLang="ja-JP" sz="2800">
-              <a:latin typeface="メイリオ" panose="020B0604030504040204" pitchFamily="50" charset="-128"/>
-              <a:ea typeface="メイリオ" panose="020B0604030504040204" pitchFamily="50" charset="-128"/>
-            </a:endParaRPr>
-          </a:p>
-        </p:txBody>
-      </p:sp>
+        </p:nvPicPr>
+        <p:blipFill>
+          <a:blip r:embed="rId2">
+            <a:extLst>
+              <a:ext uri="{28A0092B-C50C-407E-A947-70E740481C1C}">
+                <a14:useLocalDpi xmlns:a14="http://schemas.microsoft.com/office/drawing/2010/main" val="0"/>
+              </a:ext>
+            </a:extLst>
+          </a:blip>
+          <a:stretch>
+            <a:fillRect/>
+          </a:stretch>
+        </p:blipFill>
+        <p:spPr>
+          <a:xfrm>
+            <a:off x="2853642" y="1143469"/>
+            <a:ext cx="5604747" cy="5349405"/>
+          </a:xfrm>
+        </p:spPr>
+      </p:pic>
     </p:spTree>
     <p:extLst>
       <p:ext uri="{BB962C8B-B14F-4D97-AF65-F5344CB8AC3E}">
-        <p14:creationId xmlns:p14="http://schemas.microsoft.com/office/powerpoint/2010/main" val="2001234307"/>
+        <p14:creationId xmlns:p14="http://schemas.microsoft.com/office/powerpoint/2010/main" val="3855892636"/>
       </p:ext>
     </p:extLst>
   </p:cSld>
@@ -4901,129 +4658,18 @@
             <p:ph type="title"/>
           </p:nvPr>
         </p:nvSpPr>
-        <p:spPr/>
-        <p:txBody>
-          <a:bodyPr/>
-          <a:lstStyle/>
-          <a:p>
-            <a:r>
-              <a:rPr lang="en-US" altLang="ja-JP">
-                <a:solidFill>
-                  <a:schemeClr val="accent1"/>
-                </a:solidFill>
-                <a:latin typeface="メイリオ" panose="020B0604030504040204" pitchFamily="50" charset="-128"/>
-                <a:ea typeface="メイリオ" panose="020B0604030504040204" pitchFamily="50" charset="-128"/>
-              </a:rPr>
-              <a:t>1.4 </a:t>
-            </a:r>
-            <a:r>
-              <a:rPr lang="ja-JP" altLang="en-US">
-                <a:solidFill>
-                  <a:schemeClr val="accent1"/>
-                </a:solidFill>
-                <a:latin typeface="メイリオ" panose="020B0604030504040204" pitchFamily="50" charset="-128"/>
-                <a:ea typeface="メイリオ" panose="020B0604030504040204" pitchFamily="50" charset="-128"/>
-              </a:rPr>
-              <a:t>何が難しいのか</a:t>
-            </a:r>
-            <a:endParaRPr lang="en-US" altLang="ja-JP">
-              <a:solidFill>
-                <a:schemeClr val="accent1"/>
-              </a:solidFill>
-              <a:latin typeface="メイリオ" panose="020B0604030504040204" pitchFamily="50" charset="-128"/>
-              <a:ea typeface="メイリオ" panose="020B0604030504040204" pitchFamily="50" charset="-128"/>
-            </a:endParaRPr>
-          </a:p>
-        </p:txBody>
-      </p:sp>
-      <p:pic>
-        <p:nvPicPr>
-          <p:cNvPr id="5" name="コンテンツ プレースホルダー 4">
-            <a:extLst>
-              <a:ext uri="{FF2B5EF4-FFF2-40B4-BE49-F238E27FC236}">
-                <a16:creationId xmlns:a16="http://schemas.microsoft.com/office/drawing/2014/main" id="{E8823C15-F587-4C6C-A7DC-F4B8DCF83B5C}"/>
-              </a:ext>
-            </a:extLst>
-          </p:cNvPr>
-          <p:cNvPicPr>
-            <a:picLocks noGrp="1" noChangeAspect="1"/>
-          </p:cNvPicPr>
-          <p:nvPr>
-            <p:ph idx="1"/>
-          </p:nvPr>
-        </p:nvPicPr>
-        <p:blipFill>
-          <a:blip r:embed="rId2">
-            <a:extLst>
-              <a:ext uri="{28A0092B-C50C-407E-A947-70E740481C1C}">
-                <a14:useLocalDpi xmlns:a14="http://schemas.microsoft.com/office/drawing/2010/main" val="0"/>
-              </a:ext>
-            </a:extLst>
-          </a:blip>
-          <a:stretch>
-            <a:fillRect/>
-          </a:stretch>
-        </p:blipFill>
         <p:spPr>
           <a:xfrm>
-            <a:off x="1388163" y="1343612"/>
-            <a:ext cx="5604747" cy="5349405"/>
+            <a:off x="838200" y="365125"/>
+            <a:ext cx="10515600" cy="973679"/>
           </a:xfrm>
         </p:spPr>
-      </p:pic>
-    </p:spTree>
-    <p:extLst>
-      <p:ext uri="{BB962C8B-B14F-4D97-AF65-F5344CB8AC3E}">
-        <p14:creationId xmlns:p14="http://schemas.microsoft.com/office/powerpoint/2010/main" val="3855892636"/>
-      </p:ext>
-    </p:extLst>
-  </p:cSld>
-  <p:clrMapOvr>
-    <a:masterClrMapping/>
-  </p:clrMapOvr>
-</p:sld>
-</file>
-
-<file path=ppt/slides/slide7.xml><?xml version="1.0" encoding="utf-8"?>
-<p:sld xmlns:a="http://schemas.openxmlformats.org/drawingml/2006/main" xmlns:r="http://schemas.openxmlformats.org/officeDocument/2006/relationships" xmlns:p="http://schemas.openxmlformats.org/presentationml/2006/main">
-  <p:cSld>
-    <p:spTree>
-      <p:nvGrpSpPr>
-        <p:cNvPr id="1" name=""/>
-        <p:cNvGrpSpPr/>
-        <p:nvPr/>
-      </p:nvGrpSpPr>
-      <p:grpSpPr>
-        <a:xfrm>
-          <a:off x="0" y="0"/>
-          <a:ext cx="0" cy="0"/>
-          <a:chOff x="0" y="0"/>
-          <a:chExt cx="0" cy="0"/>
-        </a:xfrm>
-      </p:grpSpPr>
-      <p:sp>
-        <p:nvSpPr>
-          <p:cNvPr id="2" name="タイトル 1">
-            <a:extLst>
-              <a:ext uri="{FF2B5EF4-FFF2-40B4-BE49-F238E27FC236}">
-                <a16:creationId xmlns:a16="http://schemas.microsoft.com/office/drawing/2014/main" id="{6884715C-9165-483A-9401-1D235DC31BB2}"/>
-              </a:ext>
-            </a:extLst>
-          </p:cNvPr>
-          <p:cNvSpPr>
-            <a:spLocks noGrp="1"/>
-          </p:cNvSpPr>
-          <p:nvPr>
-            <p:ph type="title"/>
-          </p:nvPr>
-        </p:nvSpPr>
-        <p:spPr/>
         <p:txBody>
           <a:bodyPr/>
           <a:lstStyle/>
           <a:p>
             <a:r>
-              <a:rPr lang="en-US" altLang="ja-JP">
+              <a:rPr lang="en-US" altLang="ja-JP" dirty="0">
                 <a:solidFill>
                   <a:schemeClr val="accent1"/>
                 </a:solidFill>
@@ -5033,7 +4679,7 @@
               <a:t>1.5 </a:t>
             </a:r>
             <a:r>
-              <a:rPr lang="ja-JP" altLang="en-US">
+              <a:rPr lang="ja-JP" altLang="en-US" dirty="0">
                 <a:solidFill>
                   <a:schemeClr val="accent1"/>
                 </a:solidFill>
@@ -5042,7 +4688,7 @@
               </a:rPr>
               <a:t>本書のねらい</a:t>
             </a:r>
-            <a:endParaRPr lang="en-US" altLang="ja-JP">
+            <a:endParaRPr lang="en-US" altLang="ja-JP" dirty="0">
               <a:solidFill>
                 <a:schemeClr val="accent1"/>
               </a:solidFill>
@@ -5070,8 +4716,8 @@
         </p:nvSpPr>
         <p:spPr>
           <a:xfrm>
-            <a:off x="484633" y="1825625"/>
-            <a:ext cx="8344574" cy="4351338"/>
+            <a:off x="1068019" y="1767103"/>
+            <a:ext cx="9292503" cy="4351338"/>
           </a:xfrm>
         </p:spPr>
         <p:txBody>
@@ -5090,13 +4736,13 @@
               </a:spcAft>
             </a:pPr>
             <a:r>
-              <a:rPr lang="ja-JP" altLang="en-US" sz="2600">
+              <a:rPr lang="ja-JP" altLang="en-US" sz="2600" dirty="0">
                 <a:latin typeface="メイリオ" panose="020B0604030504040204" pitchFamily="50" charset="-128"/>
                 <a:ea typeface="メイリオ" panose="020B0604030504040204" pitchFamily="50" charset="-128"/>
               </a:rPr>
               <a:t>音声認識技術の難しさへの対処</a:t>
             </a:r>
-            <a:endParaRPr lang="en-US" altLang="ja-JP" sz="2600">
+            <a:endParaRPr lang="en-US" altLang="ja-JP" sz="2600" dirty="0">
               <a:latin typeface="メイリオ" panose="020B0604030504040204" pitchFamily="50" charset="-128"/>
               <a:ea typeface="メイリオ" panose="020B0604030504040204" pitchFamily="50" charset="-128"/>
             </a:endParaRPr>
@@ -5116,13 +4762,13 @@
               <a:buAutoNum type="arabicPeriod"/>
             </a:pPr>
             <a:r>
-              <a:rPr lang="ja-JP" altLang="en-US" sz="2600">
+              <a:rPr lang="ja-JP" altLang="en-US" sz="2600" dirty="0">
                 <a:latin typeface="メイリオ" panose="020B0604030504040204" pitchFamily="50" charset="-128"/>
                 <a:ea typeface="メイリオ" panose="020B0604030504040204" pitchFamily="50" charset="-128"/>
               </a:rPr>
               <a:t>分野横断的な技術である</a:t>
             </a:r>
-            <a:endParaRPr lang="en-US" altLang="ja-JP" sz="2600">
+            <a:endParaRPr lang="en-US" altLang="ja-JP" sz="2600" dirty="0">
               <a:latin typeface="メイリオ" panose="020B0604030504040204" pitchFamily="50" charset="-128"/>
               <a:ea typeface="メイリオ" panose="020B0604030504040204" pitchFamily="50" charset="-128"/>
             </a:endParaRPr>
@@ -5141,13 +4787,13 @@
               <a:buNone/>
             </a:pPr>
             <a:r>
-              <a:rPr lang="ja-JP" altLang="en-US" sz="2600">
+              <a:rPr lang="ja-JP" altLang="en-US" sz="2600" dirty="0">
                 <a:latin typeface="メイリオ" panose="020B0604030504040204" pitchFamily="50" charset="-128"/>
                 <a:ea typeface="メイリオ" panose="020B0604030504040204" pitchFamily="50" charset="-128"/>
               </a:rPr>
               <a:t>　　　イラストによる直観的な理解</a:t>
             </a:r>
-            <a:endParaRPr lang="en-US" altLang="ja-JP" sz="2600">
+            <a:endParaRPr lang="en-US" altLang="ja-JP" sz="2600" dirty="0">
               <a:latin typeface="メイリオ" panose="020B0604030504040204" pitchFamily="50" charset="-128"/>
               <a:ea typeface="メイリオ" panose="020B0604030504040204" pitchFamily="50" charset="-128"/>
             </a:endParaRPr>
@@ -5167,13 +4813,13 @@
               <a:buAutoNum type="arabicPeriod"/>
             </a:pPr>
             <a:r>
-              <a:rPr lang="ja-JP" altLang="en-US" sz="2600">
+              <a:rPr lang="ja-JP" altLang="en-US" sz="2600" dirty="0">
                 <a:latin typeface="メイリオ" panose="020B0604030504040204" pitchFamily="50" charset="-128"/>
                 <a:ea typeface="メイリオ" panose="020B0604030504040204" pitchFamily="50" charset="-128"/>
               </a:rPr>
               <a:t>パターン認識問題の中でも最も難しいクラスの問題</a:t>
             </a:r>
-            <a:endParaRPr lang="en-US" altLang="ja-JP" sz="2600">
+            <a:endParaRPr lang="en-US" altLang="ja-JP" sz="2600" dirty="0">
               <a:latin typeface="メイリオ" panose="020B0604030504040204" pitchFamily="50" charset="-128"/>
               <a:ea typeface="メイリオ" panose="020B0604030504040204" pitchFamily="50" charset="-128"/>
             </a:endParaRPr>
@@ -5192,27 +4838,27 @@
               <a:buNone/>
             </a:pPr>
             <a:r>
-              <a:rPr lang="ja-JP" altLang="en-US" sz="2600">
+              <a:rPr lang="ja-JP" altLang="en-US" sz="2600" dirty="0">
                 <a:latin typeface="メイリオ" panose="020B0604030504040204" pitchFamily="50" charset="-128"/>
                 <a:ea typeface="メイリオ" panose="020B0604030504040204" pitchFamily="50" charset="-128"/>
               </a:rPr>
               <a:t>　　　</a:t>
             </a:r>
             <a:r>
-              <a:rPr lang="en-US" altLang="ja-JP" sz="2600">
+              <a:rPr lang="en-US" altLang="ja-JP" sz="2600" dirty="0">
                 <a:latin typeface="メイリオ" panose="020B0604030504040204" pitchFamily="50" charset="-128"/>
                 <a:ea typeface="メイリオ" panose="020B0604030504040204" pitchFamily="50" charset="-128"/>
               </a:rPr>
               <a:t>WFST</a:t>
             </a:r>
             <a:r>
-              <a:rPr lang="ja-JP" altLang="en-US" sz="2600">
+              <a:rPr lang="ja-JP" altLang="en-US" sz="2600" dirty="0">
                 <a:latin typeface="メイリオ" panose="020B0604030504040204" pitchFamily="50" charset="-128"/>
                 <a:ea typeface="メイリオ" panose="020B0604030504040204" pitchFamily="50" charset="-128"/>
               </a:rPr>
               <a:t>による解決法の解説</a:t>
             </a:r>
-            <a:endParaRPr lang="en-US" altLang="ja-JP" sz="2600">
+            <a:endParaRPr lang="en-US" altLang="ja-JP" sz="2600" dirty="0">
               <a:latin typeface="メイリオ" panose="020B0604030504040204" pitchFamily="50" charset="-128"/>
               <a:ea typeface="メイリオ" panose="020B0604030504040204" pitchFamily="50" charset="-128"/>
             </a:endParaRPr>
@@ -5232,13 +4878,13 @@
               <a:buAutoNum type="arabicPeriod"/>
             </a:pPr>
             <a:r>
-              <a:rPr lang="ja-JP" altLang="en-US" sz="2600">
+              <a:rPr lang="ja-JP" altLang="en-US" sz="2600" dirty="0">
                 <a:latin typeface="メイリオ" panose="020B0604030504040204" pitchFamily="50" charset="-128"/>
                 <a:ea typeface="メイリオ" panose="020B0604030504040204" pitchFamily="50" charset="-128"/>
               </a:rPr>
               <a:t>実用化の際にノウハウが必要</a:t>
             </a:r>
-            <a:endParaRPr lang="en-US" altLang="ja-JP" sz="2600">
+            <a:endParaRPr lang="en-US" altLang="ja-JP" sz="2600" dirty="0">
               <a:latin typeface="メイリオ" panose="020B0604030504040204" pitchFamily="50" charset="-128"/>
               <a:ea typeface="メイリオ" panose="020B0604030504040204" pitchFamily="50" charset="-128"/>
             </a:endParaRPr>
@@ -5257,7 +4903,7 @@
               <a:buNone/>
             </a:pPr>
             <a:r>
-              <a:rPr lang="ja-JP" altLang="en-US" sz="2600">
+              <a:rPr lang="ja-JP" altLang="en-US" sz="2600" dirty="0">
                 <a:latin typeface="メイリオ" panose="020B0604030504040204" pitchFamily="50" charset="-128"/>
                 <a:ea typeface="メイリオ" panose="020B0604030504040204" pitchFamily="50" charset="-128"/>
               </a:rPr>
@@ -5280,7 +4926,7 @@
         </p:nvSpPr>
         <p:spPr>
           <a:xfrm>
-            <a:off x="1464539" y="2962356"/>
+            <a:off x="2059510" y="2889204"/>
             <a:ext cx="391693" cy="384348"/>
           </a:xfrm>
           <a:prstGeom prst="rightArrow">
@@ -5316,7 +4962,7 @@
           <a:lstStyle/>
           <a:p>
             <a:pPr algn="ctr"/>
-            <a:endParaRPr kumimoji="1" lang="ja-JP" altLang="en-US"/>
+            <a:endParaRPr lang="ja-JP" altLang="en-US"/>
           </a:p>
         </p:txBody>
       </p:sp>
@@ -5334,7 +4980,7 @@
         </p:nvSpPr>
         <p:spPr>
           <a:xfrm>
-            <a:off x="1464538" y="4019582"/>
+            <a:off x="2059509" y="3946430"/>
             <a:ext cx="391693" cy="384348"/>
           </a:xfrm>
           <a:prstGeom prst="rightArrow">
@@ -5370,7 +5016,7 @@
           <a:lstStyle/>
           <a:p>
             <a:pPr algn="ctr"/>
-            <a:endParaRPr kumimoji="1" lang="ja-JP" altLang="en-US"/>
+            <a:endParaRPr lang="ja-JP" altLang="en-US"/>
           </a:p>
         </p:txBody>
       </p:sp>
@@ -5388,7 +5034,7 @@
         </p:nvSpPr>
         <p:spPr>
           <a:xfrm>
-            <a:off x="1464538" y="5134848"/>
+            <a:off x="2059509" y="5061696"/>
             <a:ext cx="391693" cy="384348"/>
           </a:xfrm>
           <a:prstGeom prst="rightArrow">
@@ -5424,7 +5070,7 @@
           <a:lstStyle/>
           <a:p>
             <a:pPr algn="ctr"/>
-            <a:endParaRPr kumimoji="1" lang="ja-JP" altLang="en-US"/>
+            <a:endParaRPr lang="ja-JP" altLang="en-US"/>
           </a:p>
         </p:txBody>
       </p:sp>
@@ -5441,7 +5087,7 @@
 </p:sld>
 </file>
 
-<file path=ppt/slides/slide8.xml><?xml version="1.0" encoding="utf-8"?>
+<file path=ppt/slides/slide7.xml><?xml version="1.0" encoding="utf-8"?>
 <p:sld xmlns:a="http://schemas.openxmlformats.org/drawingml/2006/main" xmlns:r="http://schemas.openxmlformats.org/officeDocument/2006/relationships" xmlns:p="http://schemas.openxmlformats.org/presentationml/2006/main">
   <p:cSld>
     <p:spTree>
@@ -5474,7 +5120,12 @@
             <p:ph type="title"/>
           </p:nvPr>
         </p:nvSpPr>
-        <p:spPr/>
+        <p:spPr>
+          <a:xfrm>
+            <a:off x="838200" y="365125"/>
+            <a:ext cx="10515600" cy="856513"/>
+          </a:xfrm>
+        </p:spPr>
         <p:txBody>
           <a:bodyPr/>
           <a:lstStyle/>
@@ -5529,7 +5180,7 @@
         </p:blipFill>
         <p:spPr>
           <a:xfrm>
-            <a:off x="1602449" y="1330460"/>
+            <a:off x="3126449" y="1330460"/>
             <a:ext cx="5897170" cy="5242728"/>
           </a:xfrm>
         </p:spPr>
@@ -5550,7 +5201,7 @@
 <file path=ppt/theme/theme1.xml><?xml version="1.0" encoding="utf-8"?>
 <a:theme xmlns:a="http://schemas.openxmlformats.org/drawingml/2006/main" name="Office テーマ">
   <a:themeElements>
-    <a:clrScheme name="Office">
+    <a:clrScheme name="Office テーマ">
       <a:dk1>
         <a:sysClr val="windowText" lastClr="000000"/>
       </a:dk1>
@@ -5588,9 +5239,9 @@
         <a:srgbClr val="954F72"/>
       </a:folHlink>
     </a:clrScheme>
-    <a:fontScheme name="Office">
+    <a:fontScheme name="Office テーマ">
       <a:majorFont>
-        <a:latin typeface="游ゴシック Light" panose="020F0302020204030204"/>
+        <a:latin typeface="Calibri Light" panose="020F0302020204030204"/>
         <a:ea typeface=""/>
         <a:cs typeface=""/>
         <a:font script="Jpan" typeface="游ゴシック Light"/>
@@ -5623,26 +5274,9 @@
         <a:font script="Viet" typeface="Times New Roman"/>
         <a:font script="Uigh" typeface="Microsoft Uighur"/>
         <a:font script="Geor" typeface="Sylfaen"/>
-        <a:font script="Armn" typeface="Arial"/>
-        <a:font script="Bugi" typeface="Leelawadee UI"/>
-        <a:font script="Bopo" typeface="Microsoft JhengHei"/>
-        <a:font script="Java" typeface="Javanese Text"/>
-        <a:font script="Lisu" typeface="Segoe UI"/>
-        <a:font script="Mymr" typeface="Myanmar Text"/>
-        <a:font script="Nkoo" typeface="Ebrima"/>
-        <a:font script="Olck" typeface="Nirmala UI"/>
-        <a:font script="Osma" typeface="Ebrima"/>
-        <a:font script="Phag" typeface="Phagspa"/>
-        <a:font script="Syrn" typeface="Estrangelo Edessa"/>
-        <a:font script="Syrj" typeface="Estrangelo Edessa"/>
-        <a:font script="Syre" typeface="Estrangelo Edessa"/>
-        <a:font script="Sora" typeface="Nirmala UI"/>
-        <a:font script="Tale" typeface="Microsoft Tai Le"/>
-        <a:font script="Talu" typeface="Microsoft New Tai Lue"/>
-        <a:font script="Tfng" typeface="Ebrima"/>
       </a:majorFont>
       <a:minorFont>
-        <a:latin typeface="游ゴシック" panose="020F0502020204030204"/>
+        <a:latin typeface="Calibri" panose="020F0502020204030204"/>
         <a:ea typeface=""/>
         <a:cs typeface=""/>
         <a:font script="Jpan" typeface="游ゴシック"/>
@@ -5675,26 +5309,9 @@
         <a:font script="Viet" typeface="Arial"/>
         <a:font script="Uigh" typeface="Microsoft Uighur"/>
         <a:font script="Geor" typeface="Sylfaen"/>
-        <a:font script="Armn" typeface="Arial"/>
-        <a:font script="Bugi" typeface="Leelawadee UI"/>
-        <a:font script="Bopo" typeface="Microsoft JhengHei"/>
-        <a:font script="Java" typeface="Javanese Text"/>
-        <a:font script="Lisu" typeface="Segoe UI"/>
-        <a:font script="Mymr" typeface="Myanmar Text"/>
-        <a:font script="Nkoo" typeface="Ebrima"/>
-        <a:font script="Olck" typeface="Nirmala UI"/>
-        <a:font script="Osma" typeface="Ebrima"/>
-        <a:font script="Phag" typeface="Phagspa"/>
-        <a:font script="Syrn" typeface="Estrangelo Edessa"/>
-        <a:font script="Syrj" typeface="Estrangelo Edessa"/>
-        <a:font script="Syre" typeface="Estrangelo Edessa"/>
-        <a:font script="Sora" typeface="Nirmala UI"/>
-        <a:font script="Tale" typeface="Microsoft Tai Le"/>
-        <a:font script="Talu" typeface="Microsoft New Tai Lue"/>
-        <a:font script="Tfng" typeface="Ebrima"/>
       </a:minorFont>
     </a:fontScheme>
-    <a:fmtScheme name="Office">
+    <a:fmtScheme name="Office テーマ">
       <a:fillStyleLst>
         <a:solidFill>
           <a:schemeClr val="phClr"/>
@@ -5836,7 +5453,7 @@
   <a:extraClrSchemeLst/>
   <a:extLst>
     <a:ext uri="{05A4C25C-085E-4340-85A3-A5531E510DB2}">
-      <thm15:themeFamily xmlns:thm15="http://schemas.microsoft.com/office/thememl/2012/main" name="Office Theme" id="{62F939B6-93AF-4DB8-9C6B-D6C7DFDC589F}" vid="{4A3C46E8-61CC-4603-A589-7422A47A8E4A}"/>
+      <thm15:themeFamily xmlns:thm15="http://schemas.microsoft.com/office/thememl/2012/main" name="Office Theme 2013 - 2022" id="{62F939B6-93AF-4DB8-9C6B-D6C7DFDC589F}" vid="{4A3C46E8-61CC-4603-A589-7422A47A8E4A}"/>
     </a:ext>
   </a:extLst>
 </a:theme>
